--- a/lecture/Lecture 04 Sept 5/04 Merge-Groupby.pptx
+++ b/lecture/Lecture 04 Sept 5/04 Merge-Groupby.pptx
@@ -5,19 +5,30 @@
     <p:sldMasterId id="2147483648" r:id="rId1"/>
   </p:sldMasterIdLst>
   <p:notesMasterIdLst>
-    <p:notesMasterId r:id="rId12"/>
+    <p:notesMasterId r:id="rId23"/>
   </p:notesMasterIdLst>
   <p:sldIdLst>
     <p:sldId id="644" r:id="rId2"/>
-    <p:sldId id="628" r:id="rId3"/>
-    <p:sldId id="625" r:id="rId4"/>
-    <p:sldId id="626" r:id="rId5"/>
-    <p:sldId id="627" r:id="rId6"/>
-    <p:sldId id="607" r:id="rId7"/>
-    <p:sldId id="608" r:id="rId8"/>
-    <p:sldId id="609" r:id="rId9"/>
-    <p:sldId id="610" r:id="rId10"/>
-    <p:sldId id="611" r:id="rId11"/>
+    <p:sldId id="326" r:id="rId3"/>
+    <p:sldId id="651" r:id="rId4"/>
+    <p:sldId id="646" r:id="rId5"/>
+    <p:sldId id="649" r:id="rId6"/>
+    <p:sldId id="647" r:id="rId7"/>
+    <p:sldId id="650" r:id="rId8"/>
+    <p:sldId id="648" r:id="rId9"/>
+    <p:sldId id="652" r:id="rId10"/>
+    <p:sldId id="653" r:id="rId11"/>
+    <p:sldId id="628" r:id="rId12"/>
+    <p:sldId id="625" r:id="rId13"/>
+    <p:sldId id="626" r:id="rId14"/>
+    <p:sldId id="645" r:id="rId15"/>
+    <p:sldId id="654" r:id="rId16"/>
+    <p:sldId id="627" r:id="rId17"/>
+    <p:sldId id="607" r:id="rId18"/>
+    <p:sldId id="608" r:id="rId19"/>
+    <p:sldId id="609" r:id="rId20"/>
+    <p:sldId id="610" r:id="rId21"/>
+    <p:sldId id="611" r:id="rId22"/>
   </p:sldIdLst>
   <p:sldSz cx="12192000" cy="6858000"/>
   <p:notesSz cx="6858000" cy="9144000"/>
@@ -206,7 +217,7 @@
           <a:p>
             <a:fld id="{4386939B-C2BD-984A-B580-7D8280183BCE}" type="datetimeFigureOut">
               <a:rPr lang="en-US" smtClean="0"/>
-              <a:t>9/6/22</a:t>
+              <a:t>9/5/23</a:t>
             </a:fld>
             <a:endParaRPr lang="en-US"/>
           </a:p>
@@ -519,7 +530,7 @@
           <a:p>
             <a:r>
               <a:rPr lang="en-US" dirty="0"/>
-              <a:t>Note this type of merge is an “inner” merge.  Later in the course we’ll talk about outer, left, and right merges.</a:t>
+              <a:t>Big data: many fields, or features, per data point.  I.e. the data are both numerous and WIDE</a:t>
             </a:r>
           </a:p>
         </p:txBody>
@@ -541,7 +552,268 @@
           <a:p>
             <a:fld id="{D819A83E-0401-A34D-9C72-7E11B0EBD118}" type="slidenum">
               <a:rPr lang="en-US" smtClean="0"/>
-              <a:t>4</a:t>
+              <a:t>2</a:t>
+            </a:fld>
+            <a:endParaRPr lang="en-US"/>
+          </a:p>
+        </p:txBody>
+      </p:sp>
+    </p:spTree>
+    <p:extLst>
+      <p:ext uri="{BB962C8B-B14F-4D97-AF65-F5344CB8AC3E}">
+        <p14:creationId xmlns:p14="http://schemas.microsoft.com/office/powerpoint/2010/main" val="2618201863"/>
+      </p:ext>
+    </p:extLst>
+  </p:cSld>
+  <p:clrMapOvr>
+    <a:masterClrMapping/>
+  </p:clrMapOvr>
+</p:notes>
+</file>
+
+<file path=ppt/notesSlides/notesSlide2.xml><?xml version="1.0" encoding="utf-8"?>
+<p:notes xmlns:a="http://schemas.openxmlformats.org/drawingml/2006/main" xmlns:r="http://schemas.openxmlformats.org/officeDocument/2006/relationships" xmlns:p="http://schemas.openxmlformats.org/presentationml/2006/main">
+  <p:cSld>
+    <p:spTree>
+      <p:nvGrpSpPr>
+        <p:cNvPr id="1" name=""/>
+        <p:cNvGrpSpPr/>
+        <p:nvPr/>
+      </p:nvGrpSpPr>
+      <p:grpSpPr>
+        <a:xfrm>
+          <a:off x="0" y="0"/>
+          <a:ext cx="0" cy="0"/>
+          <a:chOff x="0" y="0"/>
+          <a:chExt cx="0" cy="0"/>
+        </a:xfrm>
+      </p:grpSpPr>
+      <p:sp>
+        <p:nvSpPr>
+          <p:cNvPr id="2" name="Slide Image Placeholder 1"/>
+          <p:cNvSpPr>
+            <a:spLocks noGrp="1" noRot="1" noChangeAspect="1"/>
+          </p:cNvSpPr>
+          <p:nvPr>
+            <p:ph type="sldImg"/>
+          </p:nvPr>
+        </p:nvSpPr>
+        <p:spPr/>
+      </p:sp>
+      <p:sp>
+        <p:nvSpPr>
+          <p:cNvPr id="3" name="Notes Placeholder 2"/>
+          <p:cNvSpPr>
+            <a:spLocks noGrp="1"/>
+          </p:cNvSpPr>
+          <p:nvPr>
+            <p:ph type="body" idx="1"/>
+          </p:nvPr>
+        </p:nvSpPr>
+        <p:spPr/>
+        <p:txBody>
+          <a:bodyPr/>
+          <a:lstStyle/>
+          <a:p>
+            <a:r>
+              <a:rPr lang="en-US" dirty="0"/>
+              <a:t>Observation: a row</a:t>
+            </a:r>
+          </a:p>
+        </p:txBody>
+      </p:sp>
+      <p:sp>
+        <p:nvSpPr>
+          <p:cNvPr id="4" name="Slide Number Placeholder 3"/>
+          <p:cNvSpPr>
+            <a:spLocks noGrp="1"/>
+          </p:cNvSpPr>
+          <p:nvPr>
+            <p:ph type="sldNum" sz="quarter" idx="5"/>
+          </p:nvPr>
+        </p:nvSpPr>
+        <p:spPr/>
+        <p:txBody>
+          <a:bodyPr/>
+          <a:lstStyle/>
+          <a:p>
+            <a:fld id="{D819A83E-0401-A34D-9C72-7E11B0EBD118}" type="slidenum">
+              <a:rPr lang="en-US" smtClean="0"/>
+              <a:t>7</a:t>
+            </a:fld>
+            <a:endParaRPr lang="en-US"/>
+          </a:p>
+        </p:txBody>
+      </p:sp>
+    </p:spTree>
+    <p:extLst>
+      <p:ext uri="{BB962C8B-B14F-4D97-AF65-F5344CB8AC3E}">
+        <p14:creationId xmlns:p14="http://schemas.microsoft.com/office/powerpoint/2010/main" val="3613450987"/>
+      </p:ext>
+    </p:extLst>
+  </p:cSld>
+  <p:clrMapOvr>
+    <a:masterClrMapping/>
+  </p:clrMapOvr>
+</p:notes>
+</file>
+
+<file path=ppt/notesSlides/notesSlide3.xml><?xml version="1.0" encoding="utf-8"?>
+<p:notes xmlns:a="http://schemas.openxmlformats.org/drawingml/2006/main" xmlns:r="http://schemas.openxmlformats.org/officeDocument/2006/relationships" xmlns:p="http://schemas.openxmlformats.org/presentationml/2006/main">
+  <p:cSld>
+    <p:spTree>
+      <p:nvGrpSpPr>
+        <p:cNvPr id="1" name=""/>
+        <p:cNvGrpSpPr/>
+        <p:nvPr/>
+      </p:nvGrpSpPr>
+      <p:grpSpPr>
+        <a:xfrm>
+          <a:off x="0" y="0"/>
+          <a:ext cx="0" cy="0"/>
+          <a:chOff x="0" y="0"/>
+          <a:chExt cx="0" cy="0"/>
+        </a:xfrm>
+      </p:grpSpPr>
+      <p:sp>
+        <p:nvSpPr>
+          <p:cNvPr id="2" name="Slide Image Placeholder 1"/>
+          <p:cNvSpPr>
+            <a:spLocks noGrp="1" noRot="1" noChangeAspect="1"/>
+          </p:cNvSpPr>
+          <p:nvPr>
+            <p:ph type="sldImg"/>
+          </p:nvPr>
+        </p:nvSpPr>
+        <p:spPr/>
+      </p:sp>
+      <p:sp>
+        <p:nvSpPr>
+          <p:cNvPr id="3" name="Notes Placeholder 2"/>
+          <p:cNvSpPr>
+            <a:spLocks noGrp="1"/>
+          </p:cNvSpPr>
+          <p:nvPr>
+            <p:ph type="body" idx="1"/>
+          </p:nvPr>
+        </p:nvSpPr>
+        <p:spPr/>
+        <p:txBody>
+          <a:bodyPr/>
+          <a:lstStyle/>
+          <a:p>
+            <a:r>
+              <a:rPr lang="en-US" dirty="0"/>
+              <a:t>Observation: a row</a:t>
+            </a:r>
+          </a:p>
+        </p:txBody>
+      </p:sp>
+      <p:sp>
+        <p:nvSpPr>
+          <p:cNvPr id="4" name="Slide Number Placeholder 3"/>
+          <p:cNvSpPr>
+            <a:spLocks noGrp="1"/>
+          </p:cNvSpPr>
+          <p:nvPr>
+            <p:ph type="sldNum" sz="quarter" idx="5"/>
+          </p:nvPr>
+        </p:nvSpPr>
+        <p:spPr/>
+        <p:txBody>
+          <a:bodyPr/>
+          <a:lstStyle/>
+          <a:p>
+            <a:fld id="{D819A83E-0401-A34D-9C72-7E11B0EBD118}" type="slidenum">
+              <a:rPr lang="en-US" smtClean="0"/>
+              <a:t>9</a:t>
+            </a:fld>
+            <a:endParaRPr lang="en-US"/>
+          </a:p>
+        </p:txBody>
+      </p:sp>
+    </p:spTree>
+    <p:extLst>
+      <p:ext uri="{BB962C8B-B14F-4D97-AF65-F5344CB8AC3E}">
+        <p14:creationId xmlns:p14="http://schemas.microsoft.com/office/powerpoint/2010/main" val="811942654"/>
+      </p:ext>
+    </p:extLst>
+  </p:cSld>
+  <p:clrMapOvr>
+    <a:masterClrMapping/>
+  </p:clrMapOvr>
+</p:notes>
+</file>
+
+<file path=ppt/notesSlides/notesSlide4.xml><?xml version="1.0" encoding="utf-8"?>
+<p:notes xmlns:a="http://schemas.openxmlformats.org/drawingml/2006/main" xmlns:r="http://schemas.openxmlformats.org/officeDocument/2006/relationships" xmlns:p="http://schemas.openxmlformats.org/presentationml/2006/main">
+  <p:cSld>
+    <p:spTree>
+      <p:nvGrpSpPr>
+        <p:cNvPr id="1" name=""/>
+        <p:cNvGrpSpPr/>
+        <p:nvPr/>
+      </p:nvGrpSpPr>
+      <p:grpSpPr>
+        <a:xfrm>
+          <a:off x="0" y="0"/>
+          <a:ext cx="0" cy="0"/>
+          <a:chOff x="0" y="0"/>
+          <a:chExt cx="0" cy="0"/>
+        </a:xfrm>
+      </p:grpSpPr>
+      <p:sp>
+        <p:nvSpPr>
+          <p:cNvPr id="2" name="Slide Image Placeholder 1"/>
+          <p:cNvSpPr>
+            <a:spLocks noGrp="1" noRot="1" noChangeAspect="1"/>
+          </p:cNvSpPr>
+          <p:nvPr>
+            <p:ph type="sldImg"/>
+          </p:nvPr>
+        </p:nvSpPr>
+        <p:spPr/>
+      </p:sp>
+      <p:sp>
+        <p:nvSpPr>
+          <p:cNvPr id="3" name="Notes Placeholder 2"/>
+          <p:cNvSpPr>
+            <a:spLocks noGrp="1"/>
+          </p:cNvSpPr>
+          <p:nvPr>
+            <p:ph type="body" idx="1"/>
+          </p:nvPr>
+        </p:nvSpPr>
+        <p:spPr/>
+        <p:txBody>
+          <a:bodyPr/>
+          <a:lstStyle/>
+          <a:p>
+            <a:r>
+              <a:rPr lang="en-US" dirty="0"/>
+              <a:t>Note this type of merge is an “inner” merge.  Later in the course we’ll talk about outer, left, and right merges.</a:t>
+            </a:r>
+          </a:p>
+        </p:txBody>
+      </p:sp>
+      <p:sp>
+        <p:nvSpPr>
+          <p:cNvPr id="4" name="Slide Number Placeholder 3"/>
+          <p:cNvSpPr>
+            <a:spLocks noGrp="1"/>
+          </p:cNvSpPr>
+          <p:nvPr>
+            <p:ph type="sldNum" sz="quarter" idx="5"/>
+          </p:nvPr>
+        </p:nvSpPr>
+        <p:spPr/>
+        <p:txBody>
+          <a:bodyPr/>
+          <a:lstStyle/>
+          <a:p>
+            <a:fld id="{D819A83E-0401-A34D-9C72-7E11B0EBD118}" type="slidenum">
+              <a:rPr lang="en-US" smtClean="0"/>
+              <a:t>13</a:t>
             </a:fld>
             <a:endParaRPr lang="en-US"/>
           </a:p>
@@ -707,7 +979,7 @@
           <a:p>
             <a:fld id="{B1D46398-99B6-BE42-92B0-8434C3A0DC98}" type="datetime1">
               <a:rPr lang="en-US" smtClean="0"/>
-              <a:t>9/6/22</a:t>
+              <a:t>9/5/23</a:t>
             </a:fld>
             <a:endParaRPr lang="en-US"/>
           </a:p>
@@ -905,7 +1177,7 @@
           <a:p>
             <a:fld id="{02A1511E-69ED-9742-A812-5C0E04F470DF}" type="datetime1">
               <a:rPr lang="en-US" smtClean="0"/>
-              <a:t>9/6/22</a:t>
+              <a:t>9/5/23</a:t>
             </a:fld>
             <a:endParaRPr lang="en-US"/>
           </a:p>
@@ -1113,7 +1385,7 @@
           <a:p>
             <a:fld id="{F2583637-3B42-8046-9D0F-2D5B9451C63F}" type="datetime1">
               <a:rPr lang="en-US" smtClean="0"/>
-              <a:t>9/6/22</a:t>
+              <a:t>9/5/23</a:t>
             </a:fld>
             <a:endParaRPr lang="en-US"/>
           </a:p>
@@ -1311,7 +1583,7 @@
           <a:p>
             <a:fld id="{57508C07-C2DD-9C49-9D7F-A816FEA7B671}" type="datetime1">
               <a:rPr lang="en-US" smtClean="0"/>
-              <a:t>9/6/22</a:t>
+              <a:t>9/5/23</a:t>
             </a:fld>
             <a:endParaRPr lang="en-US"/>
           </a:p>
@@ -1586,7 +1858,7 @@
           <a:p>
             <a:fld id="{EC66AB0E-E8A8-3547-ABD4-B17C799B8E70}" type="datetime1">
               <a:rPr lang="en-US" smtClean="0"/>
-              <a:t>9/6/22</a:t>
+              <a:t>9/5/23</a:t>
             </a:fld>
             <a:endParaRPr lang="en-US"/>
           </a:p>
@@ -1851,7 +2123,7 @@
           <a:p>
             <a:fld id="{26FF6B1D-80C0-144D-9085-BB87E8FDC143}" type="datetime1">
               <a:rPr lang="en-US" smtClean="0"/>
-              <a:t>9/6/22</a:t>
+              <a:t>9/5/23</a:t>
             </a:fld>
             <a:endParaRPr lang="en-US"/>
           </a:p>
@@ -2263,7 +2535,7 @@
           <a:p>
             <a:fld id="{033DB963-62DE-E64B-A3E5-233717E090EA}" type="datetime1">
               <a:rPr lang="en-US" smtClean="0"/>
-              <a:t>9/6/22</a:t>
+              <a:t>9/5/23</a:t>
             </a:fld>
             <a:endParaRPr lang="en-US"/>
           </a:p>
@@ -2404,7 +2676,7 @@
           <a:p>
             <a:fld id="{6541AAF3-E701-A14B-AA10-126881CDB6B7}" type="datetime1">
               <a:rPr lang="en-US" smtClean="0"/>
-              <a:t>9/6/22</a:t>
+              <a:t>9/5/23</a:t>
             </a:fld>
             <a:endParaRPr lang="en-US"/>
           </a:p>
@@ -2517,7 +2789,7 @@
           <a:p>
             <a:fld id="{33AEA85F-1A0D-FB40-89B6-B711812C6CD4}" type="datetime1">
               <a:rPr lang="en-US" smtClean="0"/>
-              <a:t>9/6/22</a:t>
+              <a:t>9/5/23</a:t>
             </a:fld>
             <a:endParaRPr lang="en-US"/>
           </a:p>
@@ -2828,7 +3100,7 @@
           <a:p>
             <a:fld id="{6376105D-4ACF-D247-8A95-FB2BF3437DDC}" type="datetime1">
               <a:rPr lang="en-US" smtClean="0"/>
-              <a:t>9/6/22</a:t>
+              <a:t>9/5/23</a:t>
             </a:fld>
             <a:endParaRPr lang="en-US"/>
           </a:p>
@@ -3116,7 +3388,7 @@
           <a:p>
             <a:fld id="{F547101D-1226-3042-B730-6BFCF1732284}" type="datetime1">
               <a:rPr lang="en-US" smtClean="0"/>
-              <a:t>9/6/22</a:t>
+              <a:t>9/5/23</a:t>
             </a:fld>
             <a:endParaRPr lang="en-US"/>
           </a:p>
@@ -3357,7 +3629,7 @@
           <a:p>
             <a:fld id="{49865757-C995-F54B-BB8E-1A8FC8F96F6E}" type="datetime1">
               <a:rPr lang="en-US" smtClean="0"/>
-              <a:t>9/6/22</a:t>
+              <a:t>9/5/23</a:t>
             </a:fld>
             <a:endParaRPr lang="en-US"/>
           </a:p>
@@ -3847,7 +4119,7 @@
         <p:spPr>
           <a:xfrm>
             <a:off x="734287" y="1745668"/>
-            <a:ext cx="10986655" cy="4585871"/>
+            <a:ext cx="10986655" cy="4031873"/>
           </a:xfrm>
           <a:prstGeom prst="rect">
             <a:avLst/>
@@ -3866,7 +4138,23 @@
             </a:pPr>
             <a:r>
               <a:rPr lang="en-US" sz="3600" dirty="0"/>
-              <a:t>Motivate prediction: California electricity demand forecasting</a:t>
+              <a:t>Motivate prediction: what’s </a:t>
+            </a:r>
+            <a:r>
+              <a:rPr lang="en-US" sz="3600" dirty="0" err="1"/>
+              <a:t>y_hat</a:t>
+            </a:r>
+            <a:r>
+              <a:rPr lang="en-US" sz="3600" dirty="0"/>
+              <a:t>?  What’s </a:t>
+            </a:r>
+            <a:r>
+              <a:rPr lang="en-US" sz="3600" dirty="0" err="1"/>
+              <a:t>beta_hat</a:t>
+            </a:r>
+            <a:r>
+              <a:rPr lang="en-US" sz="3600" dirty="0"/>
+              <a:t>?</a:t>
             </a:r>
           </a:p>
           <a:p>
@@ -4006,7 +4294,13 @@
       </p:grpSpPr>
       <p:sp>
         <p:nvSpPr>
-          <p:cNvPr id="2" name="Title 1"/>
+          <p:cNvPr id="2" name="Title 1">
+            <a:extLst>
+              <a:ext uri="{FF2B5EF4-FFF2-40B4-BE49-F238E27FC236}">
+                <a16:creationId xmlns:a16="http://schemas.microsoft.com/office/drawing/2014/main" id="{5923B9A7-DD71-D1B2-C188-9920781C4992}"/>
+              </a:ext>
+            </a:extLst>
+          </p:cNvPr>
           <p:cNvSpPr>
             <a:spLocks noGrp="1"/>
           </p:cNvSpPr>
@@ -4021,2869 +4315,70 @@
           <a:p>
             <a:r>
               <a:rPr lang="en-US" dirty="0"/>
-              <a:t>Manipulating Granularity: Group By</a:t>
+              <a:t>Let’s work with </a:t>
+            </a:r>
+            <a:r>
+              <a:rPr lang="en-US" dirty="0" err="1"/>
+              <a:t>jupyter</a:t>
+            </a:r>
+            <a:r>
+              <a:rPr lang="en-US" dirty="0"/>
+              <a:t> notebooks</a:t>
             </a:r>
           </a:p>
         </p:txBody>
       </p:sp>
       <p:sp>
         <p:nvSpPr>
-          <p:cNvPr id="43" name="TextBox 42"/>
-          <p:cNvSpPr txBox="1"/>
-          <p:nvPr/>
+          <p:cNvPr id="3" name="Content Placeholder 2">
+            <a:extLst>
+              <a:ext uri="{FF2B5EF4-FFF2-40B4-BE49-F238E27FC236}">
+                <a16:creationId xmlns:a16="http://schemas.microsoft.com/office/drawing/2014/main" id="{1F91FD38-A620-BFD5-91A7-353CCBEE641E}"/>
+              </a:ext>
+            </a:extLst>
+          </p:cNvPr>
+          <p:cNvSpPr>
+            <a:spLocks noGrp="1"/>
+          </p:cNvSpPr>
+          <p:nvPr>
+            <p:ph idx="1"/>
+          </p:nvPr>
         </p:nvSpPr>
-        <p:spPr>
-          <a:xfrm>
-            <a:off x="820411" y="1414118"/>
-            <a:ext cx="595035" cy="369332"/>
-          </a:xfrm>
-          <a:prstGeom prst="rect">
-            <a:avLst/>
-          </a:prstGeom>
-        </p:spPr>
+        <p:spPr/>
         <p:txBody>
-          <a:bodyPr wrap="none" rtlCol="0">
-            <a:spAutoFit/>
-          </a:bodyPr>
+          <a:bodyPr/>
           <a:lstStyle/>
           <a:p>
             <a:r>
-              <a:rPr lang="en-US"/>
-              <a:t>Key</a:t>
+              <a:rPr lang="en-US" dirty="0"/>
+              <a:t>First, we’ll do .loc and .</a:t>
+            </a:r>
+            <a:r>
+              <a:rPr lang="en-US" dirty="0" err="1"/>
+              <a:t>iloc</a:t>
+            </a:r>
+            <a:endParaRPr lang="en-US" dirty="0"/>
+          </a:p>
+          <a:p>
+            <a:r>
+              <a:rPr lang="en-US" dirty="0"/>
+              <a:t>Second, we’ll work on logical indexing</a:t>
+            </a:r>
+          </a:p>
+          <a:p>
+            <a:r>
+              <a:rPr lang="en-US" dirty="0"/>
+              <a:t>Then we’ll come back to the slide deck</a:t>
             </a:r>
           </a:p>
         </p:txBody>
       </p:sp>
       <p:sp>
         <p:nvSpPr>
-          <p:cNvPr id="44" name="TextBox 43"/>
-          <p:cNvSpPr txBox="1"/>
-          <p:nvPr/>
-        </p:nvSpPr>
-        <p:spPr>
-          <a:xfrm>
-            <a:off x="1348771" y="1414118"/>
-            <a:ext cx="748923" cy="369332"/>
-          </a:xfrm>
-          <a:prstGeom prst="rect">
-            <a:avLst/>
-          </a:prstGeom>
-        </p:spPr>
-        <p:txBody>
-          <a:bodyPr wrap="none" rtlCol="0">
-            <a:spAutoFit/>
-          </a:bodyPr>
-          <a:lstStyle/>
-          <a:p>
-            <a:r>
-              <a:rPr lang="en-US"/>
-              <a:t>Data</a:t>
-            </a:r>
-          </a:p>
-        </p:txBody>
-      </p:sp>
-      <p:grpSp>
-        <p:nvGrpSpPr>
-          <p:cNvPr id="72" name="Group 71"/>
-          <p:cNvGrpSpPr/>
-          <p:nvPr/>
-        </p:nvGrpSpPr>
-        <p:grpSpPr>
-          <a:xfrm>
-            <a:off x="3598181" y="1753929"/>
-            <a:ext cx="1036330" cy="407773"/>
-            <a:chOff x="931566" y="1442351"/>
-            <a:chExt cx="1036330" cy="407773"/>
-          </a:xfrm>
-        </p:grpSpPr>
-        <p:sp>
-          <p:nvSpPr>
-            <p:cNvPr id="73" name="Rectangle 72"/>
-            <p:cNvSpPr/>
-            <p:nvPr/>
-          </p:nvSpPr>
-          <p:spPr>
-            <a:xfrm>
-              <a:off x="931566" y="1442351"/>
-              <a:ext cx="493405" cy="407773"/>
-            </a:xfrm>
-            <a:prstGeom prst="rect">
-              <a:avLst/>
-            </a:prstGeom>
-          </p:spPr>
-          <p:style>
-            <a:lnRef idx="1">
-              <a:schemeClr val="accent1"/>
-            </a:lnRef>
-            <a:fillRef idx="1">
-              <a:schemeClr val="accent1"/>
-            </a:fillRef>
-            <a:effectRef idx="1">
-              <a:schemeClr val="accent1"/>
-            </a:effectRef>
-            <a:fontRef idx="minor">
-              <a:schemeClr val="lt1"/>
-            </a:fontRef>
-          </p:style>
-          <p:txBody>
-            <a:bodyPr rtlCol="0" anchor="ctr"/>
-            <a:lstStyle/>
-            <a:p>
-              <a:pPr algn="ctr"/>
-              <a:r>
-                <a:rPr lang="en-US" sz="2400" dirty="0"/>
-                <a:t>A</a:t>
-              </a:r>
-            </a:p>
-          </p:txBody>
-        </p:sp>
-        <p:sp>
-          <p:nvSpPr>
-            <p:cNvPr id="74" name="Rectangle 73"/>
-            <p:cNvSpPr/>
-            <p:nvPr/>
-          </p:nvSpPr>
-          <p:spPr>
-            <a:xfrm>
-              <a:off x="1474491" y="1442351"/>
-              <a:ext cx="493405" cy="407773"/>
-            </a:xfrm>
-            <a:prstGeom prst="rect">
-              <a:avLst/>
-            </a:prstGeom>
-          </p:spPr>
-          <p:style>
-            <a:lnRef idx="2">
-              <a:schemeClr val="dk1">
-                <a:shade val="50000"/>
-              </a:schemeClr>
-            </a:lnRef>
-            <a:fillRef idx="1">
-              <a:schemeClr val="dk1"/>
-            </a:fillRef>
-            <a:effectRef idx="0">
-              <a:schemeClr val="dk1"/>
-            </a:effectRef>
-            <a:fontRef idx="minor">
-              <a:schemeClr val="lt1"/>
-            </a:fontRef>
-          </p:style>
-          <p:txBody>
-            <a:bodyPr rtlCol="0" anchor="ctr"/>
-            <a:lstStyle/>
-            <a:p>
-              <a:pPr algn="ctr"/>
-              <a:r>
-                <a:rPr lang="en-US" sz="2400" dirty="0"/>
-                <a:t>3</a:t>
-              </a:r>
-            </a:p>
-          </p:txBody>
-        </p:sp>
-      </p:grpSp>
-      <p:grpSp>
-        <p:nvGrpSpPr>
-          <p:cNvPr id="75" name="Group 74"/>
-          <p:cNvGrpSpPr/>
-          <p:nvPr/>
-        </p:nvGrpSpPr>
-        <p:grpSpPr>
-          <a:xfrm>
-            <a:off x="3598181" y="2233540"/>
-            <a:ext cx="1036330" cy="407773"/>
-            <a:chOff x="931566" y="3042551"/>
-            <a:chExt cx="1036330" cy="407773"/>
-          </a:xfrm>
-        </p:grpSpPr>
-        <p:sp>
-          <p:nvSpPr>
-            <p:cNvPr id="76" name="Rectangle 75"/>
-            <p:cNvSpPr/>
-            <p:nvPr/>
-          </p:nvSpPr>
-          <p:spPr>
-            <a:xfrm>
-              <a:off x="931566" y="3042551"/>
-              <a:ext cx="493405" cy="407773"/>
-            </a:xfrm>
-            <a:prstGeom prst="rect">
-              <a:avLst/>
-            </a:prstGeom>
-          </p:spPr>
-          <p:style>
-            <a:lnRef idx="1">
-              <a:schemeClr val="accent1"/>
-            </a:lnRef>
-            <a:fillRef idx="1">
-              <a:schemeClr val="accent1"/>
-            </a:fillRef>
-            <a:effectRef idx="1">
-              <a:schemeClr val="accent1"/>
-            </a:effectRef>
-            <a:fontRef idx="minor">
-              <a:schemeClr val="lt1"/>
-            </a:fontRef>
-          </p:style>
-          <p:txBody>
-            <a:bodyPr rtlCol="0" anchor="ctr"/>
-            <a:lstStyle/>
-            <a:p>
-              <a:pPr algn="ctr"/>
-              <a:r>
-                <a:rPr lang="en-US" sz="2400" dirty="0"/>
-                <a:t>A</a:t>
-              </a:r>
-            </a:p>
-          </p:txBody>
-        </p:sp>
-        <p:sp>
-          <p:nvSpPr>
-            <p:cNvPr id="77" name="Rectangle 76"/>
-            <p:cNvSpPr/>
-            <p:nvPr/>
-          </p:nvSpPr>
-          <p:spPr>
-            <a:xfrm>
-              <a:off x="1474491" y="3042551"/>
-              <a:ext cx="493405" cy="407773"/>
-            </a:xfrm>
-            <a:prstGeom prst="rect">
-              <a:avLst/>
-            </a:prstGeom>
-          </p:spPr>
-          <p:style>
-            <a:lnRef idx="2">
-              <a:schemeClr val="dk1">
-                <a:shade val="50000"/>
-              </a:schemeClr>
-            </a:lnRef>
-            <a:fillRef idx="1">
-              <a:schemeClr val="dk1"/>
-            </a:fillRef>
-            <a:effectRef idx="0">
-              <a:schemeClr val="dk1"/>
-            </a:effectRef>
-            <a:fontRef idx="minor">
-              <a:schemeClr val="lt1"/>
-            </a:fontRef>
-          </p:style>
-          <p:txBody>
-            <a:bodyPr rtlCol="0" anchor="ctr"/>
-            <a:lstStyle/>
-            <a:p>
-              <a:pPr algn="ctr"/>
-              <a:r>
-                <a:rPr lang="en-US" sz="2400" dirty="0"/>
-                <a:t>1</a:t>
-              </a:r>
-            </a:p>
-          </p:txBody>
-        </p:sp>
-      </p:grpSp>
-      <p:grpSp>
-        <p:nvGrpSpPr>
-          <p:cNvPr id="78" name="Group 77"/>
-          <p:cNvGrpSpPr/>
-          <p:nvPr/>
-        </p:nvGrpSpPr>
-        <p:grpSpPr>
-          <a:xfrm>
-            <a:off x="3598181" y="2713151"/>
-            <a:ext cx="1036330" cy="407773"/>
-            <a:chOff x="931566" y="3042551"/>
-            <a:chExt cx="1036330" cy="407773"/>
-          </a:xfrm>
-        </p:grpSpPr>
-        <p:sp>
-          <p:nvSpPr>
-            <p:cNvPr id="79" name="Rectangle 78"/>
-            <p:cNvSpPr/>
-            <p:nvPr/>
-          </p:nvSpPr>
-          <p:spPr>
-            <a:xfrm>
-              <a:off x="931566" y="3042551"/>
-              <a:ext cx="493405" cy="407773"/>
-            </a:xfrm>
-            <a:prstGeom prst="rect">
-              <a:avLst/>
-            </a:prstGeom>
-          </p:spPr>
-          <p:style>
-            <a:lnRef idx="1">
-              <a:schemeClr val="accent1"/>
-            </a:lnRef>
-            <a:fillRef idx="1">
-              <a:schemeClr val="accent1"/>
-            </a:fillRef>
-            <a:effectRef idx="1">
-              <a:schemeClr val="accent1"/>
-            </a:effectRef>
-            <a:fontRef idx="minor">
-              <a:schemeClr val="lt1"/>
-            </a:fontRef>
-          </p:style>
-          <p:txBody>
-            <a:bodyPr rtlCol="0" anchor="ctr"/>
-            <a:lstStyle/>
-            <a:p>
-              <a:pPr algn="ctr"/>
-              <a:r>
-                <a:rPr lang="en-US" sz="2400" dirty="0"/>
-                <a:t>A</a:t>
-              </a:r>
-            </a:p>
-          </p:txBody>
-        </p:sp>
-        <p:sp>
-          <p:nvSpPr>
-            <p:cNvPr id="80" name="Rectangle 79"/>
-            <p:cNvSpPr/>
-            <p:nvPr/>
-          </p:nvSpPr>
-          <p:spPr>
-            <a:xfrm>
-              <a:off x="1474491" y="3042551"/>
-              <a:ext cx="493405" cy="407773"/>
-            </a:xfrm>
-            <a:prstGeom prst="rect">
-              <a:avLst/>
-            </a:prstGeom>
-          </p:spPr>
-          <p:style>
-            <a:lnRef idx="2">
-              <a:schemeClr val="dk1">
-                <a:shade val="50000"/>
-              </a:schemeClr>
-            </a:lnRef>
-            <a:fillRef idx="1">
-              <a:schemeClr val="dk1"/>
-            </a:fillRef>
-            <a:effectRef idx="0">
-              <a:schemeClr val="dk1"/>
-            </a:effectRef>
-            <a:fontRef idx="minor">
-              <a:schemeClr val="lt1"/>
-            </a:fontRef>
-          </p:style>
-          <p:txBody>
-            <a:bodyPr rtlCol="0" anchor="ctr"/>
-            <a:lstStyle/>
-            <a:p>
-              <a:pPr algn="ctr"/>
-              <a:r>
-                <a:rPr lang="en-US" sz="2400" dirty="0"/>
-                <a:t>2</a:t>
-              </a:r>
-            </a:p>
-          </p:txBody>
-        </p:sp>
-      </p:grpSp>
-      <p:grpSp>
-        <p:nvGrpSpPr>
-          <p:cNvPr id="83" name="Group 82"/>
-          <p:cNvGrpSpPr/>
-          <p:nvPr/>
-        </p:nvGrpSpPr>
-        <p:grpSpPr>
-          <a:xfrm>
-            <a:off x="922041" y="1846263"/>
-            <a:ext cx="1036330" cy="407773"/>
-            <a:chOff x="922041" y="1846263"/>
-            <a:chExt cx="1036330" cy="407773"/>
-          </a:xfrm>
-        </p:grpSpPr>
-        <p:sp>
-          <p:nvSpPr>
-            <p:cNvPr id="84" name="Rectangle 83"/>
-            <p:cNvSpPr/>
-            <p:nvPr/>
-          </p:nvSpPr>
-          <p:spPr>
-            <a:xfrm>
-              <a:off x="922041" y="1846263"/>
-              <a:ext cx="493405" cy="407773"/>
-            </a:xfrm>
-            <a:prstGeom prst="rect">
-              <a:avLst/>
-            </a:prstGeom>
-          </p:spPr>
-          <p:style>
-            <a:lnRef idx="1">
-              <a:schemeClr val="accent1"/>
-            </a:lnRef>
-            <a:fillRef idx="1">
-              <a:schemeClr val="accent1"/>
-            </a:fillRef>
-            <a:effectRef idx="1">
-              <a:schemeClr val="accent1"/>
-            </a:effectRef>
-            <a:fontRef idx="minor">
-              <a:schemeClr val="lt1"/>
-            </a:fontRef>
-          </p:style>
-          <p:txBody>
-            <a:bodyPr rtlCol="0" anchor="ctr"/>
-            <a:lstStyle/>
-            <a:p>
-              <a:pPr algn="ctr"/>
-              <a:r>
-                <a:rPr lang="en-US" sz="2400" dirty="0"/>
-                <a:t>A</a:t>
-              </a:r>
-            </a:p>
-          </p:txBody>
-        </p:sp>
-        <p:sp>
-          <p:nvSpPr>
-            <p:cNvPr id="85" name="Rectangle 84"/>
-            <p:cNvSpPr/>
-            <p:nvPr/>
-          </p:nvSpPr>
-          <p:spPr>
-            <a:xfrm>
-              <a:off x="1464966" y="1846263"/>
-              <a:ext cx="493405" cy="407773"/>
-            </a:xfrm>
-            <a:prstGeom prst="rect">
-              <a:avLst/>
-            </a:prstGeom>
-          </p:spPr>
-          <p:style>
-            <a:lnRef idx="2">
-              <a:schemeClr val="dk1">
-                <a:shade val="50000"/>
-              </a:schemeClr>
-            </a:lnRef>
-            <a:fillRef idx="1">
-              <a:schemeClr val="dk1"/>
-            </a:fillRef>
-            <a:effectRef idx="0">
-              <a:schemeClr val="dk1"/>
-            </a:effectRef>
-            <a:fontRef idx="minor">
-              <a:schemeClr val="lt1"/>
-            </a:fontRef>
-          </p:style>
-          <p:txBody>
-            <a:bodyPr rtlCol="0" anchor="ctr"/>
-            <a:lstStyle/>
-            <a:p>
-              <a:pPr algn="ctr"/>
-              <a:r>
-                <a:rPr lang="en-US" sz="2400" dirty="0"/>
-                <a:t>3</a:t>
-              </a:r>
-            </a:p>
-          </p:txBody>
-        </p:sp>
-      </p:grpSp>
-      <p:grpSp>
-        <p:nvGrpSpPr>
-          <p:cNvPr id="86" name="Group 85"/>
-          <p:cNvGrpSpPr/>
-          <p:nvPr/>
-        </p:nvGrpSpPr>
-        <p:grpSpPr>
-          <a:xfrm>
-            <a:off x="922041" y="2379663"/>
-            <a:ext cx="1036330" cy="407773"/>
-            <a:chOff x="922041" y="2379663"/>
-            <a:chExt cx="1036330" cy="407773"/>
-          </a:xfrm>
-        </p:grpSpPr>
-        <p:sp>
-          <p:nvSpPr>
-            <p:cNvPr id="87" name="Rectangle 86"/>
-            <p:cNvSpPr/>
-            <p:nvPr/>
-          </p:nvSpPr>
-          <p:spPr>
-            <a:xfrm>
-              <a:off x="922041" y="2379663"/>
-              <a:ext cx="493405" cy="407773"/>
-            </a:xfrm>
-            <a:prstGeom prst="rect">
-              <a:avLst/>
-            </a:prstGeom>
-          </p:spPr>
-          <p:style>
-            <a:lnRef idx="1">
-              <a:schemeClr val="accent1"/>
-            </a:lnRef>
-            <a:fillRef idx="1">
-              <a:schemeClr val="accent1"/>
-            </a:fillRef>
-            <a:effectRef idx="1">
-              <a:schemeClr val="accent1"/>
-            </a:effectRef>
-            <a:fontRef idx="minor">
-              <a:schemeClr val="lt1"/>
-            </a:fontRef>
-          </p:style>
-          <p:txBody>
-            <a:bodyPr rtlCol="0" anchor="ctr"/>
-            <a:lstStyle/>
-            <a:p>
-              <a:pPr algn="ctr"/>
-              <a:r>
-                <a:rPr lang="en-US" sz="2400" dirty="0"/>
-                <a:t>B</a:t>
-              </a:r>
-            </a:p>
-          </p:txBody>
-        </p:sp>
-        <p:sp>
-          <p:nvSpPr>
-            <p:cNvPr id="88" name="Rectangle 87"/>
-            <p:cNvSpPr/>
-            <p:nvPr/>
-          </p:nvSpPr>
-          <p:spPr>
-            <a:xfrm>
-              <a:off x="1464966" y="2379663"/>
-              <a:ext cx="493405" cy="407773"/>
-            </a:xfrm>
-            <a:prstGeom prst="rect">
-              <a:avLst/>
-            </a:prstGeom>
-          </p:spPr>
-          <p:style>
-            <a:lnRef idx="2">
-              <a:schemeClr val="dk1">
-                <a:shade val="50000"/>
-              </a:schemeClr>
-            </a:lnRef>
-            <a:fillRef idx="1">
-              <a:schemeClr val="dk1"/>
-            </a:fillRef>
-            <a:effectRef idx="0">
-              <a:schemeClr val="dk1"/>
-            </a:effectRef>
-            <a:fontRef idx="minor">
-              <a:schemeClr val="lt1"/>
-            </a:fontRef>
-          </p:style>
-          <p:txBody>
-            <a:bodyPr rtlCol="0" anchor="ctr"/>
-            <a:lstStyle/>
-            <a:p>
-              <a:pPr algn="ctr"/>
-              <a:r>
-                <a:rPr lang="en-US" sz="2400" dirty="0"/>
-                <a:t>1</a:t>
-              </a:r>
-            </a:p>
-          </p:txBody>
-        </p:sp>
-      </p:grpSp>
-      <p:grpSp>
-        <p:nvGrpSpPr>
-          <p:cNvPr id="89" name="Group 88"/>
-          <p:cNvGrpSpPr/>
-          <p:nvPr/>
-        </p:nvGrpSpPr>
-        <p:grpSpPr>
-          <a:xfrm>
-            <a:off x="922041" y="2913063"/>
-            <a:ext cx="1036330" cy="407773"/>
-            <a:chOff x="922041" y="2913063"/>
-            <a:chExt cx="1036330" cy="407773"/>
-          </a:xfrm>
-        </p:grpSpPr>
-        <p:sp>
-          <p:nvSpPr>
-            <p:cNvPr id="90" name="Rectangle 89"/>
-            <p:cNvSpPr/>
-            <p:nvPr/>
-          </p:nvSpPr>
-          <p:spPr>
-            <a:xfrm>
-              <a:off x="922041" y="2913063"/>
-              <a:ext cx="493405" cy="407773"/>
-            </a:xfrm>
-            <a:prstGeom prst="rect">
-              <a:avLst/>
-            </a:prstGeom>
-          </p:spPr>
-          <p:style>
-            <a:lnRef idx="1">
-              <a:schemeClr val="accent1"/>
-            </a:lnRef>
-            <a:fillRef idx="1">
-              <a:schemeClr val="accent1"/>
-            </a:fillRef>
-            <a:effectRef idx="1">
-              <a:schemeClr val="accent1"/>
-            </a:effectRef>
-            <a:fontRef idx="minor">
-              <a:schemeClr val="lt1"/>
-            </a:fontRef>
-          </p:style>
-          <p:txBody>
-            <a:bodyPr rtlCol="0" anchor="ctr"/>
-            <a:lstStyle/>
-            <a:p>
-              <a:pPr algn="ctr"/>
-              <a:r>
-                <a:rPr lang="en-US" sz="2400" dirty="0"/>
-                <a:t>C</a:t>
-              </a:r>
-            </a:p>
-          </p:txBody>
-        </p:sp>
-        <p:sp>
-          <p:nvSpPr>
-            <p:cNvPr id="91" name="Rectangle 90"/>
-            <p:cNvSpPr/>
-            <p:nvPr/>
-          </p:nvSpPr>
-          <p:spPr>
-            <a:xfrm>
-              <a:off x="1464966" y="2913063"/>
-              <a:ext cx="493405" cy="407773"/>
-            </a:xfrm>
-            <a:prstGeom prst="rect">
-              <a:avLst/>
-            </a:prstGeom>
-          </p:spPr>
-          <p:style>
-            <a:lnRef idx="2">
-              <a:schemeClr val="dk1">
-                <a:shade val="50000"/>
-              </a:schemeClr>
-            </a:lnRef>
-            <a:fillRef idx="1">
-              <a:schemeClr val="dk1"/>
-            </a:fillRef>
-            <a:effectRef idx="0">
-              <a:schemeClr val="dk1"/>
-            </a:effectRef>
-            <a:fontRef idx="minor">
-              <a:schemeClr val="lt1"/>
-            </a:fontRef>
-          </p:style>
-          <p:txBody>
-            <a:bodyPr rtlCol="0" anchor="ctr"/>
-            <a:lstStyle/>
-            <a:p>
-              <a:pPr algn="ctr"/>
-              <a:r>
-                <a:rPr lang="en-US" sz="2400" dirty="0"/>
-                <a:t>4</a:t>
-              </a:r>
-            </a:p>
-          </p:txBody>
-        </p:sp>
-      </p:grpSp>
-      <p:grpSp>
-        <p:nvGrpSpPr>
-          <p:cNvPr id="92" name="Group 91"/>
-          <p:cNvGrpSpPr/>
-          <p:nvPr/>
-        </p:nvGrpSpPr>
-        <p:grpSpPr>
-          <a:xfrm>
-            <a:off x="922041" y="3446463"/>
-            <a:ext cx="1036330" cy="407773"/>
-            <a:chOff x="922041" y="3446463"/>
-            <a:chExt cx="1036330" cy="407773"/>
-          </a:xfrm>
-        </p:grpSpPr>
-        <p:sp>
-          <p:nvSpPr>
-            <p:cNvPr id="93" name="Rectangle 92"/>
-            <p:cNvSpPr/>
-            <p:nvPr/>
-          </p:nvSpPr>
-          <p:spPr>
-            <a:xfrm>
-              <a:off x="922041" y="3446463"/>
-              <a:ext cx="493405" cy="407773"/>
-            </a:xfrm>
-            <a:prstGeom prst="rect">
-              <a:avLst/>
-            </a:prstGeom>
-          </p:spPr>
-          <p:style>
-            <a:lnRef idx="1">
-              <a:schemeClr val="accent1"/>
-            </a:lnRef>
-            <a:fillRef idx="1">
-              <a:schemeClr val="accent1"/>
-            </a:fillRef>
-            <a:effectRef idx="1">
-              <a:schemeClr val="accent1"/>
-            </a:effectRef>
-            <a:fontRef idx="minor">
-              <a:schemeClr val="lt1"/>
-            </a:fontRef>
-          </p:style>
-          <p:txBody>
-            <a:bodyPr rtlCol="0" anchor="ctr"/>
-            <a:lstStyle/>
-            <a:p>
-              <a:pPr algn="ctr"/>
-              <a:r>
-                <a:rPr lang="en-US" sz="2400" dirty="0"/>
-                <a:t>A</a:t>
-              </a:r>
-            </a:p>
-          </p:txBody>
-        </p:sp>
-        <p:sp>
-          <p:nvSpPr>
-            <p:cNvPr id="94" name="Rectangle 93"/>
-            <p:cNvSpPr/>
-            <p:nvPr/>
-          </p:nvSpPr>
-          <p:spPr>
-            <a:xfrm>
-              <a:off x="1464966" y="3446463"/>
-              <a:ext cx="493405" cy="407773"/>
-            </a:xfrm>
-            <a:prstGeom prst="rect">
-              <a:avLst/>
-            </a:prstGeom>
-          </p:spPr>
-          <p:style>
-            <a:lnRef idx="2">
-              <a:schemeClr val="dk1">
-                <a:shade val="50000"/>
-              </a:schemeClr>
-            </a:lnRef>
-            <a:fillRef idx="1">
-              <a:schemeClr val="dk1"/>
-            </a:fillRef>
-            <a:effectRef idx="0">
-              <a:schemeClr val="dk1"/>
-            </a:effectRef>
-            <a:fontRef idx="minor">
-              <a:schemeClr val="lt1"/>
-            </a:fontRef>
-          </p:style>
-          <p:txBody>
-            <a:bodyPr rtlCol="0" anchor="ctr"/>
-            <a:lstStyle/>
-            <a:p>
-              <a:pPr algn="ctr"/>
-              <a:r>
-                <a:rPr lang="en-US" sz="2400" dirty="0"/>
-                <a:t>1</a:t>
-              </a:r>
-            </a:p>
-          </p:txBody>
-        </p:sp>
-      </p:grpSp>
-      <p:grpSp>
-        <p:nvGrpSpPr>
-          <p:cNvPr id="95" name="Group 94"/>
-          <p:cNvGrpSpPr/>
-          <p:nvPr/>
-        </p:nvGrpSpPr>
-        <p:grpSpPr>
-          <a:xfrm>
-            <a:off x="922041" y="3979863"/>
-            <a:ext cx="1036330" cy="407773"/>
-            <a:chOff x="922041" y="3979863"/>
-            <a:chExt cx="1036330" cy="407773"/>
-          </a:xfrm>
-        </p:grpSpPr>
-        <p:sp>
-          <p:nvSpPr>
-            <p:cNvPr id="96" name="Rectangle 95"/>
-            <p:cNvSpPr/>
-            <p:nvPr/>
-          </p:nvSpPr>
-          <p:spPr>
-            <a:xfrm>
-              <a:off x="922041" y="3979863"/>
-              <a:ext cx="493405" cy="407773"/>
-            </a:xfrm>
-            <a:prstGeom prst="rect">
-              <a:avLst/>
-            </a:prstGeom>
-          </p:spPr>
-          <p:style>
-            <a:lnRef idx="1">
-              <a:schemeClr val="accent1"/>
-            </a:lnRef>
-            <a:fillRef idx="1">
-              <a:schemeClr val="accent1"/>
-            </a:fillRef>
-            <a:effectRef idx="1">
-              <a:schemeClr val="accent1"/>
-            </a:effectRef>
-            <a:fontRef idx="minor">
-              <a:schemeClr val="lt1"/>
-            </a:fontRef>
-          </p:style>
-          <p:txBody>
-            <a:bodyPr rtlCol="0" anchor="ctr"/>
-            <a:lstStyle/>
-            <a:p>
-              <a:pPr algn="ctr"/>
-              <a:r>
-                <a:rPr lang="en-US" sz="2400" dirty="0"/>
-                <a:t>B</a:t>
-              </a:r>
-            </a:p>
-          </p:txBody>
-        </p:sp>
-        <p:sp>
-          <p:nvSpPr>
-            <p:cNvPr id="97" name="Rectangle 96"/>
-            <p:cNvSpPr/>
-            <p:nvPr/>
-          </p:nvSpPr>
-          <p:spPr>
-            <a:xfrm>
-              <a:off x="1464966" y="3979863"/>
-              <a:ext cx="493405" cy="407773"/>
-            </a:xfrm>
-            <a:prstGeom prst="rect">
-              <a:avLst/>
-            </a:prstGeom>
-          </p:spPr>
-          <p:style>
-            <a:lnRef idx="2">
-              <a:schemeClr val="dk1">
-                <a:shade val="50000"/>
-              </a:schemeClr>
-            </a:lnRef>
-            <a:fillRef idx="1">
-              <a:schemeClr val="dk1"/>
-            </a:fillRef>
-            <a:effectRef idx="0">
-              <a:schemeClr val="dk1"/>
-            </a:effectRef>
-            <a:fontRef idx="minor">
-              <a:schemeClr val="lt1"/>
-            </a:fontRef>
-          </p:style>
-          <p:txBody>
-            <a:bodyPr rtlCol="0" anchor="ctr"/>
-            <a:lstStyle/>
-            <a:p>
-              <a:pPr algn="ctr"/>
-              <a:r>
-                <a:rPr lang="en-US" sz="2400" dirty="0"/>
-                <a:t>5</a:t>
-              </a:r>
-            </a:p>
-          </p:txBody>
-        </p:sp>
-      </p:grpSp>
-      <p:grpSp>
-        <p:nvGrpSpPr>
-          <p:cNvPr id="98" name="Group 97"/>
-          <p:cNvGrpSpPr/>
-          <p:nvPr/>
-        </p:nvGrpSpPr>
-        <p:grpSpPr>
-          <a:xfrm>
-            <a:off x="922041" y="4513263"/>
-            <a:ext cx="1036330" cy="407773"/>
-            <a:chOff x="922041" y="4513263"/>
-            <a:chExt cx="1036330" cy="407773"/>
-          </a:xfrm>
-        </p:grpSpPr>
-        <p:sp>
-          <p:nvSpPr>
-            <p:cNvPr id="99" name="Rectangle 98"/>
-            <p:cNvSpPr/>
-            <p:nvPr/>
-          </p:nvSpPr>
-          <p:spPr>
-            <a:xfrm>
-              <a:off x="922041" y="4513263"/>
-              <a:ext cx="493405" cy="407773"/>
-            </a:xfrm>
-            <a:prstGeom prst="rect">
-              <a:avLst/>
-            </a:prstGeom>
-          </p:spPr>
-          <p:style>
-            <a:lnRef idx="1">
-              <a:schemeClr val="accent1"/>
-            </a:lnRef>
-            <a:fillRef idx="1">
-              <a:schemeClr val="accent1"/>
-            </a:fillRef>
-            <a:effectRef idx="1">
-              <a:schemeClr val="accent1"/>
-            </a:effectRef>
-            <a:fontRef idx="minor">
-              <a:schemeClr val="lt1"/>
-            </a:fontRef>
-          </p:style>
-          <p:txBody>
-            <a:bodyPr rtlCol="0" anchor="ctr"/>
-            <a:lstStyle/>
-            <a:p>
-              <a:pPr algn="ctr"/>
-              <a:r>
-                <a:rPr lang="en-US" sz="2400" dirty="0"/>
-                <a:t>C</a:t>
-              </a:r>
-            </a:p>
-          </p:txBody>
-        </p:sp>
-        <p:sp>
-          <p:nvSpPr>
-            <p:cNvPr id="100" name="Rectangle 99"/>
-            <p:cNvSpPr/>
-            <p:nvPr/>
-          </p:nvSpPr>
-          <p:spPr>
-            <a:xfrm>
-              <a:off x="1464966" y="4513263"/>
-              <a:ext cx="493405" cy="407773"/>
-            </a:xfrm>
-            <a:prstGeom prst="rect">
-              <a:avLst/>
-            </a:prstGeom>
-          </p:spPr>
-          <p:style>
-            <a:lnRef idx="2">
-              <a:schemeClr val="dk1">
-                <a:shade val="50000"/>
-              </a:schemeClr>
-            </a:lnRef>
-            <a:fillRef idx="1">
-              <a:schemeClr val="dk1"/>
-            </a:fillRef>
-            <a:effectRef idx="0">
-              <a:schemeClr val="dk1"/>
-            </a:effectRef>
-            <a:fontRef idx="minor">
-              <a:schemeClr val="lt1"/>
-            </a:fontRef>
-          </p:style>
-          <p:txBody>
-            <a:bodyPr rtlCol="0" anchor="ctr"/>
-            <a:lstStyle/>
-            <a:p>
-              <a:pPr algn="ctr"/>
-              <a:r>
-                <a:rPr lang="en-US" sz="2400" dirty="0"/>
-                <a:t>9</a:t>
-              </a:r>
-            </a:p>
-          </p:txBody>
-        </p:sp>
-      </p:grpSp>
-      <p:grpSp>
-        <p:nvGrpSpPr>
-          <p:cNvPr id="101" name="Group 100"/>
-          <p:cNvGrpSpPr/>
-          <p:nvPr/>
-        </p:nvGrpSpPr>
-        <p:grpSpPr>
-          <a:xfrm>
-            <a:off x="922041" y="5580063"/>
-            <a:ext cx="1036330" cy="407773"/>
-            <a:chOff x="922041" y="5580063"/>
-            <a:chExt cx="1036330" cy="407773"/>
-          </a:xfrm>
-        </p:grpSpPr>
-        <p:sp>
-          <p:nvSpPr>
-            <p:cNvPr id="102" name="Rectangle 101"/>
-            <p:cNvSpPr/>
-            <p:nvPr/>
-          </p:nvSpPr>
-          <p:spPr>
-            <a:xfrm>
-              <a:off x="922041" y="5580063"/>
-              <a:ext cx="493405" cy="407773"/>
-            </a:xfrm>
-            <a:prstGeom prst="rect">
-              <a:avLst/>
-            </a:prstGeom>
-          </p:spPr>
-          <p:style>
-            <a:lnRef idx="1">
-              <a:schemeClr val="accent1"/>
-            </a:lnRef>
-            <a:fillRef idx="1">
-              <a:schemeClr val="accent1"/>
-            </a:fillRef>
-            <a:effectRef idx="1">
-              <a:schemeClr val="accent1"/>
-            </a:effectRef>
-            <a:fontRef idx="minor">
-              <a:schemeClr val="lt1"/>
-            </a:fontRef>
-          </p:style>
-          <p:txBody>
-            <a:bodyPr rtlCol="0" anchor="ctr"/>
-            <a:lstStyle/>
-            <a:p>
-              <a:pPr algn="ctr"/>
-              <a:r>
-                <a:rPr lang="en-US" sz="2400" dirty="0"/>
-                <a:t>B</a:t>
-              </a:r>
-            </a:p>
-          </p:txBody>
-        </p:sp>
-        <p:sp>
-          <p:nvSpPr>
-            <p:cNvPr id="103" name="Rectangle 102"/>
-            <p:cNvSpPr/>
-            <p:nvPr/>
-          </p:nvSpPr>
-          <p:spPr>
-            <a:xfrm>
-              <a:off x="1464966" y="5580063"/>
-              <a:ext cx="493405" cy="407773"/>
-            </a:xfrm>
-            <a:prstGeom prst="rect">
-              <a:avLst/>
-            </a:prstGeom>
-          </p:spPr>
-          <p:style>
-            <a:lnRef idx="2">
-              <a:schemeClr val="dk1">
-                <a:shade val="50000"/>
-              </a:schemeClr>
-            </a:lnRef>
-            <a:fillRef idx="1">
-              <a:schemeClr val="dk1"/>
-            </a:fillRef>
-            <a:effectRef idx="0">
-              <a:schemeClr val="dk1"/>
-            </a:effectRef>
-            <a:fontRef idx="minor">
-              <a:schemeClr val="lt1"/>
-            </a:fontRef>
-          </p:style>
-          <p:txBody>
-            <a:bodyPr rtlCol="0" anchor="ctr"/>
-            <a:lstStyle/>
-            <a:p>
-              <a:pPr algn="ctr"/>
-              <a:r>
-                <a:rPr lang="en-US" sz="2400" dirty="0"/>
-                <a:t>6</a:t>
-              </a:r>
-            </a:p>
-          </p:txBody>
-        </p:sp>
-      </p:grpSp>
-      <p:grpSp>
-        <p:nvGrpSpPr>
-          <p:cNvPr id="104" name="Group 103"/>
-          <p:cNvGrpSpPr/>
-          <p:nvPr/>
-        </p:nvGrpSpPr>
-        <p:grpSpPr>
-          <a:xfrm>
-            <a:off x="922041" y="6113463"/>
-            <a:ext cx="1036330" cy="407773"/>
-            <a:chOff x="922041" y="6113463"/>
-            <a:chExt cx="1036330" cy="407773"/>
-          </a:xfrm>
-        </p:grpSpPr>
-        <p:sp>
-          <p:nvSpPr>
-            <p:cNvPr id="105" name="Rectangle 104"/>
-            <p:cNvSpPr/>
-            <p:nvPr/>
-          </p:nvSpPr>
-          <p:spPr>
-            <a:xfrm>
-              <a:off x="922041" y="6113463"/>
-              <a:ext cx="493405" cy="407773"/>
-            </a:xfrm>
-            <a:prstGeom prst="rect">
-              <a:avLst/>
-            </a:prstGeom>
-          </p:spPr>
-          <p:style>
-            <a:lnRef idx="1">
-              <a:schemeClr val="accent1"/>
-            </a:lnRef>
-            <a:fillRef idx="1">
-              <a:schemeClr val="accent1"/>
-            </a:fillRef>
-            <a:effectRef idx="1">
-              <a:schemeClr val="accent1"/>
-            </a:effectRef>
-            <a:fontRef idx="minor">
-              <a:schemeClr val="lt1"/>
-            </a:fontRef>
-          </p:style>
-          <p:txBody>
-            <a:bodyPr rtlCol="0" anchor="ctr"/>
-            <a:lstStyle/>
-            <a:p>
-              <a:pPr algn="ctr"/>
-              <a:r>
-                <a:rPr lang="en-US" sz="2400" dirty="0"/>
-                <a:t>C</a:t>
-              </a:r>
-            </a:p>
-          </p:txBody>
-        </p:sp>
-        <p:sp>
-          <p:nvSpPr>
-            <p:cNvPr id="106" name="Rectangle 105"/>
-            <p:cNvSpPr/>
-            <p:nvPr/>
-          </p:nvSpPr>
-          <p:spPr>
-            <a:xfrm>
-              <a:off x="1464966" y="6113463"/>
-              <a:ext cx="493405" cy="407773"/>
-            </a:xfrm>
-            <a:prstGeom prst="rect">
-              <a:avLst/>
-            </a:prstGeom>
-          </p:spPr>
-          <p:style>
-            <a:lnRef idx="2">
-              <a:schemeClr val="dk1">
-                <a:shade val="50000"/>
-              </a:schemeClr>
-            </a:lnRef>
-            <a:fillRef idx="1">
-              <a:schemeClr val="dk1"/>
-            </a:fillRef>
-            <a:effectRef idx="0">
-              <a:schemeClr val="dk1"/>
-            </a:effectRef>
-            <a:fontRef idx="minor">
-              <a:schemeClr val="lt1"/>
-            </a:fontRef>
-          </p:style>
-          <p:txBody>
-            <a:bodyPr rtlCol="0" anchor="ctr"/>
-            <a:lstStyle/>
-            <a:p>
-              <a:pPr algn="ctr"/>
-              <a:r>
-                <a:rPr lang="en-US" sz="2400" dirty="0"/>
-                <a:t>5</a:t>
-              </a:r>
-            </a:p>
-          </p:txBody>
-        </p:sp>
-      </p:grpSp>
-      <p:grpSp>
-        <p:nvGrpSpPr>
-          <p:cNvPr id="107" name="Group 106"/>
-          <p:cNvGrpSpPr/>
-          <p:nvPr/>
-        </p:nvGrpSpPr>
-        <p:grpSpPr>
-          <a:xfrm>
-            <a:off x="922041" y="5046663"/>
-            <a:ext cx="1036330" cy="407773"/>
-            <a:chOff x="922041" y="5046663"/>
-            <a:chExt cx="1036330" cy="407773"/>
-          </a:xfrm>
-        </p:grpSpPr>
-        <p:sp>
-          <p:nvSpPr>
-            <p:cNvPr id="108" name="Rectangle 107"/>
-            <p:cNvSpPr/>
-            <p:nvPr/>
-          </p:nvSpPr>
-          <p:spPr>
-            <a:xfrm>
-              <a:off x="922041" y="5046663"/>
-              <a:ext cx="493405" cy="407773"/>
-            </a:xfrm>
-            <a:prstGeom prst="rect">
-              <a:avLst/>
-            </a:prstGeom>
-          </p:spPr>
-          <p:style>
-            <a:lnRef idx="1">
-              <a:schemeClr val="accent1"/>
-            </a:lnRef>
-            <a:fillRef idx="1">
-              <a:schemeClr val="accent1"/>
-            </a:fillRef>
-            <a:effectRef idx="1">
-              <a:schemeClr val="accent1"/>
-            </a:effectRef>
-            <a:fontRef idx="minor">
-              <a:schemeClr val="lt1"/>
-            </a:fontRef>
-          </p:style>
-          <p:txBody>
-            <a:bodyPr rtlCol="0" anchor="ctr"/>
-            <a:lstStyle/>
-            <a:p>
-              <a:pPr algn="ctr"/>
-              <a:r>
-                <a:rPr lang="en-US" sz="2400" dirty="0"/>
-                <a:t>A</a:t>
-              </a:r>
-            </a:p>
-          </p:txBody>
-        </p:sp>
-        <p:sp>
-          <p:nvSpPr>
-            <p:cNvPr id="109" name="Rectangle 108"/>
-            <p:cNvSpPr/>
-            <p:nvPr/>
-          </p:nvSpPr>
-          <p:spPr>
-            <a:xfrm>
-              <a:off x="1464966" y="5046663"/>
-              <a:ext cx="493405" cy="407773"/>
-            </a:xfrm>
-            <a:prstGeom prst="rect">
-              <a:avLst/>
-            </a:prstGeom>
-          </p:spPr>
-          <p:style>
-            <a:lnRef idx="2">
-              <a:schemeClr val="dk1">
-                <a:shade val="50000"/>
-              </a:schemeClr>
-            </a:lnRef>
-            <a:fillRef idx="1">
-              <a:schemeClr val="dk1"/>
-            </a:fillRef>
-            <a:effectRef idx="0">
-              <a:schemeClr val="dk1"/>
-            </a:effectRef>
-            <a:fontRef idx="minor">
-              <a:schemeClr val="lt1"/>
-            </a:fontRef>
-          </p:style>
-          <p:txBody>
-            <a:bodyPr rtlCol="0" anchor="ctr"/>
-            <a:lstStyle/>
-            <a:p>
-              <a:pPr algn="ctr"/>
-              <a:r>
-                <a:rPr lang="en-US" sz="2400" dirty="0"/>
-                <a:t>2</a:t>
-              </a:r>
-            </a:p>
-          </p:txBody>
-        </p:sp>
-      </p:grpSp>
-      <p:grpSp>
-        <p:nvGrpSpPr>
-          <p:cNvPr id="113" name="Group 112"/>
-          <p:cNvGrpSpPr/>
-          <p:nvPr/>
-        </p:nvGrpSpPr>
-        <p:grpSpPr>
-          <a:xfrm>
-            <a:off x="3598181" y="3496577"/>
-            <a:ext cx="1036330" cy="407773"/>
-            <a:chOff x="922041" y="2379663"/>
-            <a:chExt cx="1036330" cy="407773"/>
-          </a:xfrm>
-        </p:grpSpPr>
-        <p:sp>
-          <p:nvSpPr>
-            <p:cNvPr id="114" name="Rectangle 113"/>
-            <p:cNvSpPr/>
-            <p:nvPr/>
-          </p:nvSpPr>
-          <p:spPr>
-            <a:xfrm>
-              <a:off x="922041" y="2379663"/>
-              <a:ext cx="493405" cy="407773"/>
-            </a:xfrm>
-            <a:prstGeom prst="rect">
-              <a:avLst/>
-            </a:prstGeom>
-          </p:spPr>
-          <p:style>
-            <a:lnRef idx="1">
-              <a:schemeClr val="accent1"/>
-            </a:lnRef>
-            <a:fillRef idx="1">
-              <a:schemeClr val="accent1"/>
-            </a:fillRef>
-            <a:effectRef idx="1">
-              <a:schemeClr val="accent1"/>
-            </a:effectRef>
-            <a:fontRef idx="minor">
-              <a:schemeClr val="lt1"/>
-            </a:fontRef>
-          </p:style>
-          <p:txBody>
-            <a:bodyPr rtlCol="0" anchor="ctr"/>
-            <a:lstStyle/>
-            <a:p>
-              <a:pPr algn="ctr"/>
-              <a:r>
-                <a:rPr lang="en-US" sz="2400" dirty="0"/>
-                <a:t>B</a:t>
-              </a:r>
-            </a:p>
-          </p:txBody>
-        </p:sp>
-        <p:sp>
-          <p:nvSpPr>
-            <p:cNvPr id="115" name="Rectangle 114"/>
-            <p:cNvSpPr/>
-            <p:nvPr/>
-          </p:nvSpPr>
-          <p:spPr>
-            <a:xfrm>
-              <a:off x="1464966" y="2379663"/>
-              <a:ext cx="493405" cy="407773"/>
-            </a:xfrm>
-            <a:prstGeom prst="rect">
-              <a:avLst/>
-            </a:prstGeom>
-          </p:spPr>
-          <p:style>
-            <a:lnRef idx="2">
-              <a:schemeClr val="dk1">
-                <a:shade val="50000"/>
-              </a:schemeClr>
-            </a:lnRef>
-            <a:fillRef idx="1">
-              <a:schemeClr val="dk1"/>
-            </a:fillRef>
-            <a:effectRef idx="0">
-              <a:schemeClr val="dk1"/>
-            </a:effectRef>
-            <a:fontRef idx="minor">
-              <a:schemeClr val="lt1"/>
-            </a:fontRef>
-          </p:style>
-          <p:txBody>
-            <a:bodyPr rtlCol="0" anchor="ctr"/>
-            <a:lstStyle/>
-            <a:p>
-              <a:pPr algn="ctr"/>
-              <a:r>
-                <a:rPr lang="en-US" sz="2400" dirty="0"/>
-                <a:t>1</a:t>
-              </a:r>
-            </a:p>
-          </p:txBody>
-        </p:sp>
-      </p:grpSp>
-      <p:grpSp>
-        <p:nvGrpSpPr>
-          <p:cNvPr id="116" name="Group 115"/>
-          <p:cNvGrpSpPr/>
-          <p:nvPr/>
-        </p:nvGrpSpPr>
-        <p:grpSpPr>
-          <a:xfrm>
-            <a:off x="3601516" y="5250549"/>
-            <a:ext cx="1036330" cy="407773"/>
-            <a:chOff x="922041" y="2913063"/>
-            <a:chExt cx="1036330" cy="407773"/>
-          </a:xfrm>
-        </p:grpSpPr>
-        <p:sp>
-          <p:nvSpPr>
-            <p:cNvPr id="117" name="Rectangle 116"/>
-            <p:cNvSpPr/>
-            <p:nvPr/>
-          </p:nvSpPr>
-          <p:spPr>
-            <a:xfrm>
-              <a:off x="922041" y="2913063"/>
-              <a:ext cx="493405" cy="407773"/>
-            </a:xfrm>
-            <a:prstGeom prst="rect">
-              <a:avLst/>
-            </a:prstGeom>
-          </p:spPr>
-          <p:style>
-            <a:lnRef idx="1">
-              <a:schemeClr val="accent1"/>
-            </a:lnRef>
-            <a:fillRef idx="1">
-              <a:schemeClr val="accent1"/>
-            </a:fillRef>
-            <a:effectRef idx="1">
-              <a:schemeClr val="accent1"/>
-            </a:effectRef>
-            <a:fontRef idx="minor">
-              <a:schemeClr val="lt1"/>
-            </a:fontRef>
-          </p:style>
-          <p:txBody>
-            <a:bodyPr rtlCol="0" anchor="ctr"/>
-            <a:lstStyle/>
-            <a:p>
-              <a:pPr algn="ctr"/>
-              <a:r>
-                <a:rPr lang="en-US" sz="2400" dirty="0"/>
-                <a:t>C</a:t>
-              </a:r>
-            </a:p>
-          </p:txBody>
-        </p:sp>
-        <p:sp>
-          <p:nvSpPr>
-            <p:cNvPr id="118" name="Rectangle 117"/>
-            <p:cNvSpPr/>
-            <p:nvPr/>
-          </p:nvSpPr>
-          <p:spPr>
-            <a:xfrm>
-              <a:off x="1464966" y="2913063"/>
-              <a:ext cx="493405" cy="407773"/>
-            </a:xfrm>
-            <a:prstGeom prst="rect">
-              <a:avLst/>
-            </a:prstGeom>
-          </p:spPr>
-          <p:style>
-            <a:lnRef idx="2">
-              <a:schemeClr val="dk1">
-                <a:shade val="50000"/>
-              </a:schemeClr>
-            </a:lnRef>
-            <a:fillRef idx="1">
-              <a:schemeClr val="dk1"/>
-            </a:fillRef>
-            <a:effectRef idx="0">
-              <a:schemeClr val="dk1"/>
-            </a:effectRef>
-            <a:fontRef idx="minor">
-              <a:schemeClr val="lt1"/>
-            </a:fontRef>
-          </p:style>
-          <p:txBody>
-            <a:bodyPr rtlCol="0" anchor="ctr"/>
-            <a:lstStyle/>
-            <a:p>
-              <a:pPr algn="ctr"/>
-              <a:r>
-                <a:rPr lang="en-US" sz="2400" dirty="0"/>
-                <a:t>4</a:t>
-              </a:r>
-            </a:p>
-          </p:txBody>
-        </p:sp>
-      </p:grpSp>
-      <p:grpSp>
-        <p:nvGrpSpPr>
-          <p:cNvPr id="122" name="Group 121"/>
-          <p:cNvGrpSpPr/>
-          <p:nvPr/>
-        </p:nvGrpSpPr>
-        <p:grpSpPr>
-          <a:xfrm>
-            <a:off x="3598181" y="3981850"/>
-            <a:ext cx="1036330" cy="407773"/>
-            <a:chOff x="922041" y="3979863"/>
-            <a:chExt cx="1036330" cy="407773"/>
-          </a:xfrm>
-        </p:grpSpPr>
-        <p:sp>
-          <p:nvSpPr>
-            <p:cNvPr id="123" name="Rectangle 122"/>
-            <p:cNvSpPr/>
-            <p:nvPr/>
-          </p:nvSpPr>
-          <p:spPr>
-            <a:xfrm>
-              <a:off x="922041" y="3979863"/>
-              <a:ext cx="493405" cy="407773"/>
-            </a:xfrm>
-            <a:prstGeom prst="rect">
-              <a:avLst/>
-            </a:prstGeom>
-          </p:spPr>
-          <p:style>
-            <a:lnRef idx="1">
-              <a:schemeClr val="accent1"/>
-            </a:lnRef>
-            <a:fillRef idx="1">
-              <a:schemeClr val="accent1"/>
-            </a:fillRef>
-            <a:effectRef idx="1">
-              <a:schemeClr val="accent1"/>
-            </a:effectRef>
-            <a:fontRef idx="minor">
-              <a:schemeClr val="lt1"/>
-            </a:fontRef>
-          </p:style>
-          <p:txBody>
-            <a:bodyPr rtlCol="0" anchor="ctr"/>
-            <a:lstStyle/>
-            <a:p>
-              <a:pPr algn="ctr"/>
-              <a:r>
-                <a:rPr lang="en-US" sz="2400" dirty="0"/>
-                <a:t>B</a:t>
-              </a:r>
-            </a:p>
-          </p:txBody>
-        </p:sp>
-        <p:sp>
-          <p:nvSpPr>
-            <p:cNvPr id="124" name="Rectangle 123"/>
-            <p:cNvSpPr/>
-            <p:nvPr/>
-          </p:nvSpPr>
-          <p:spPr>
-            <a:xfrm>
-              <a:off x="1464966" y="3979863"/>
-              <a:ext cx="493405" cy="407773"/>
-            </a:xfrm>
-            <a:prstGeom prst="rect">
-              <a:avLst/>
-            </a:prstGeom>
-          </p:spPr>
-          <p:style>
-            <a:lnRef idx="2">
-              <a:schemeClr val="dk1">
-                <a:shade val="50000"/>
-              </a:schemeClr>
-            </a:lnRef>
-            <a:fillRef idx="1">
-              <a:schemeClr val="dk1"/>
-            </a:fillRef>
-            <a:effectRef idx="0">
-              <a:schemeClr val="dk1"/>
-            </a:effectRef>
-            <a:fontRef idx="minor">
-              <a:schemeClr val="lt1"/>
-            </a:fontRef>
-          </p:style>
-          <p:txBody>
-            <a:bodyPr rtlCol="0" anchor="ctr"/>
-            <a:lstStyle/>
-            <a:p>
-              <a:pPr algn="ctr"/>
-              <a:r>
-                <a:rPr lang="en-US" sz="2400" dirty="0"/>
-                <a:t>5</a:t>
-              </a:r>
-            </a:p>
-          </p:txBody>
-        </p:sp>
-      </p:grpSp>
-      <p:grpSp>
-        <p:nvGrpSpPr>
-          <p:cNvPr id="125" name="Group 124"/>
-          <p:cNvGrpSpPr/>
-          <p:nvPr/>
-        </p:nvGrpSpPr>
-        <p:grpSpPr>
-          <a:xfrm>
-            <a:off x="3598181" y="5718204"/>
-            <a:ext cx="1036330" cy="407773"/>
-            <a:chOff x="922041" y="4513263"/>
-            <a:chExt cx="1036330" cy="407773"/>
-          </a:xfrm>
-        </p:grpSpPr>
-        <p:sp>
-          <p:nvSpPr>
-            <p:cNvPr id="126" name="Rectangle 125"/>
-            <p:cNvSpPr/>
-            <p:nvPr/>
-          </p:nvSpPr>
-          <p:spPr>
-            <a:xfrm>
-              <a:off x="922041" y="4513263"/>
-              <a:ext cx="493405" cy="407773"/>
-            </a:xfrm>
-            <a:prstGeom prst="rect">
-              <a:avLst/>
-            </a:prstGeom>
-          </p:spPr>
-          <p:style>
-            <a:lnRef idx="1">
-              <a:schemeClr val="accent1"/>
-            </a:lnRef>
-            <a:fillRef idx="1">
-              <a:schemeClr val="accent1"/>
-            </a:fillRef>
-            <a:effectRef idx="1">
-              <a:schemeClr val="accent1"/>
-            </a:effectRef>
-            <a:fontRef idx="minor">
-              <a:schemeClr val="lt1"/>
-            </a:fontRef>
-          </p:style>
-          <p:txBody>
-            <a:bodyPr rtlCol="0" anchor="ctr"/>
-            <a:lstStyle/>
-            <a:p>
-              <a:pPr algn="ctr"/>
-              <a:r>
-                <a:rPr lang="en-US" sz="2400" dirty="0"/>
-                <a:t>C</a:t>
-              </a:r>
-            </a:p>
-          </p:txBody>
-        </p:sp>
-        <p:sp>
-          <p:nvSpPr>
-            <p:cNvPr id="127" name="Rectangle 126"/>
-            <p:cNvSpPr/>
-            <p:nvPr/>
-          </p:nvSpPr>
-          <p:spPr>
-            <a:xfrm>
-              <a:off x="1464966" y="4513263"/>
-              <a:ext cx="493405" cy="407773"/>
-            </a:xfrm>
-            <a:prstGeom prst="rect">
-              <a:avLst/>
-            </a:prstGeom>
-          </p:spPr>
-          <p:style>
-            <a:lnRef idx="2">
-              <a:schemeClr val="dk1">
-                <a:shade val="50000"/>
-              </a:schemeClr>
-            </a:lnRef>
-            <a:fillRef idx="1">
-              <a:schemeClr val="dk1"/>
-            </a:fillRef>
-            <a:effectRef idx="0">
-              <a:schemeClr val="dk1"/>
-            </a:effectRef>
-            <a:fontRef idx="minor">
-              <a:schemeClr val="lt1"/>
-            </a:fontRef>
-          </p:style>
-          <p:txBody>
-            <a:bodyPr rtlCol="0" anchor="ctr"/>
-            <a:lstStyle/>
-            <a:p>
-              <a:pPr algn="ctr"/>
-              <a:r>
-                <a:rPr lang="en-US" sz="2400" dirty="0"/>
-                <a:t>9</a:t>
-              </a:r>
-            </a:p>
-          </p:txBody>
-        </p:sp>
-      </p:grpSp>
-      <p:grpSp>
-        <p:nvGrpSpPr>
-          <p:cNvPr id="128" name="Group 127"/>
-          <p:cNvGrpSpPr/>
-          <p:nvPr/>
-        </p:nvGrpSpPr>
-        <p:grpSpPr>
-          <a:xfrm>
-            <a:off x="3598181" y="4467123"/>
-            <a:ext cx="1036330" cy="407773"/>
-            <a:chOff x="922041" y="5580063"/>
-            <a:chExt cx="1036330" cy="407773"/>
-          </a:xfrm>
-        </p:grpSpPr>
-        <p:sp>
-          <p:nvSpPr>
-            <p:cNvPr id="129" name="Rectangle 128"/>
-            <p:cNvSpPr/>
-            <p:nvPr/>
-          </p:nvSpPr>
-          <p:spPr>
-            <a:xfrm>
-              <a:off x="922041" y="5580063"/>
-              <a:ext cx="493405" cy="407773"/>
-            </a:xfrm>
-            <a:prstGeom prst="rect">
-              <a:avLst/>
-            </a:prstGeom>
-          </p:spPr>
-          <p:style>
-            <a:lnRef idx="1">
-              <a:schemeClr val="accent1"/>
-            </a:lnRef>
-            <a:fillRef idx="1">
-              <a:schemeClr val="accent1"/>
-            </a:fillRef>
-            <a:effectRef idx="1">
-              <a:schemeClr val="accent1"/>
-            </a:effectRef>
-            <a:fontRef idx="minor">
-              <a:schemeClr val="lt1"/>
-            </a:fontRef>
-          </p:style>
-          <p:txBody>
-            <a:bodyPr rtlCol="0" anchor="ctr"/>
-            <a:lstStyle/>
-            <a:p>
-              <a:pPr algn="ctr"/>
-              <a:r>
-                <a:rPr lang="en-US" sz="2400" dirty="0"/>
-                <a:t>B</a:t>
-              </a:r>
-            </a:p>
-          </p:txBody>
-        </p:sp>
-        <p:sp>
-          <p:nvSpPr>
-            <p:cNvPr id="130" name="Rectangle 129"/>
-            <p:cNvSpPr/>
-            <p:nvPr/>
-          </p:nvSpPr>
-          <p:spPr>
-            <a:xfrm>
-              <a:off x="1464966" y="5580063"/>
-              <a:ext cx="493405" cy="407773"/>
-            </a:xfrm>
-            <a:prstGeom prst="rect">
-              <a:avLst/>
-            </a:prstGeom>
-          </p:spPr>
-          <p:style>
-            <a:lnRef idx="2">
-              <a:schemeClr val="dk1">
-                <a:shade val="50000"/>
-              </a:schemeClr>
-            </a:lnRef>
-            <a:fillRef idx="1">
-              <a:schemeClr val="dk1"/>
-            </a:fillRef>
-            <a:effectRef idx="0">
-              <a:schemeClr val="dk1"/>
-            </a:effectRef>
-            <a:fontRef idx="minor">
-              <a:schemeClr val="lt1"/>
-            </a:fontRef>
-          </p:style>
-          <p:txBody>
-            <a:bodyPr rtlCol="0" anchor="ctr"/>
-            <a:lstStyle/>
-            <a:p>
-              <a:pPr algn="ctr"/>
-              <a:r>
-                <a:rPr lang="en-US" sz="2400" dirty="0"/>
-                <a:t>6</a:t>
-              </a:r>
-            </a:p>
-          </p:txBody>
-        </p:sp>
-      </p:grpSp>
-      <p:grpSp>
-        <p:nvGrpSpPr>
-          <p:cNvPr id="131" name="Group 130"/>
-          <p:cNvGrpSpPr/>
-          <p:nvPr/>
-        </p:nvGrpSpPr>
-        <p:grpSpPr>
-          <a:xfrm>
-            <a:off x="3598181" y="6191722"/>
-            <a:ext cx="1036330" cy="407773"/>
-            <a:chOff x="922041" y="6113463"/>
-            <a:chExt cx="1036330" cy="407773"/>
-          </a:xfrm>
-        </p:grpSpPr>
-        <p:sp>
-          <p:nvSpPr>
-            <p:cNvPr id="132" name="Rectangle 131"/>
-            <p:cNvSpPr/>
-            <p:nvPr/>
-          </p:nvSpPr>
-          <p:spPr>
-            <a:xfrm>
-              <a:off x="922041" y="6113463"/>
-              <a:ext cx="493405" cy="407773"/>
-            </a:xfrm>
-            <a:prstGeom prst="rect">
-              <a:avLst/>
-            </a:prstGeom>
-          </p:spPr>
-          <p:style>
-            <a:lnRef idx="1">
-              <a:schemeClr val="accent1"/>
-            </a:lnRef>
-            <a:fillRef idx="1">
-              <a:schemeClr val="accent1"/>
-            </a:fillRef>
-            <a:effectRef idx="1">
-              <a:schemeClr val="accent1"/>
-            </a:effectRef>
-            <a:fontRef idx="minor">
-              <a:schemeClr val="lt1"/>
-            </a:fontRef>
-          </p:style>
-          <p:txBody>
-            <a:bodyPr rtlCol="0" anchor="ctr"/>
-            <a:lstStyle/>
-            <a:p>
-              <a:pPr algn="ctr"/>
-              <a:r>
-                <a:rPr lang="en-US" sz="2400" dirty="0"/>
-                <a:t>C</a:t>
-              </a:r>
-            </a:p>
-          </p:txBody>
-        </p:sp>
-        <p:sp>
-          <p:nvSpPr>
-            <p:cNvPr id="133" name="Rectangle 132"/>
-            <p:cNvSpPr/>
-            <p:nvPr/>
-          </p:nvSpPr>
-          <p:spPr>
-            <a:xfrm>
-              <a:off x="1464966" y="6113463"/>
-              <a:ext cx="493405" cy="407773"/>
-            </a:xfrm>
-            <a:prstGeom prst="rect">
-              <a:avLst/>
-            </a:prstGeom>
-          </p:spPr>
-          <p:style>
-            <a:lnRef idx="2">
-              <a:schemeClr val="dk1">
-                <a:shade val="50000"/>
-              </a:schemeClr>
-            </a:lnRef>
-            <a:fillRef idx="1">
-              <a:schemeClr val="dk1"/>
-            </a:fillRef>
-            <a:effectRef idx="0">
-              <a:schemeClr val="dk1"/>
-            </a:effectRef>
-            <a:fontRef idx="minor">
-              <a:schemeClr val="lt1"/>
-            </a:fontRef>
-          </p:style>
-          <p:txBody>
-            <a:bodyPr rtlCol="0" anchor="ctr"/>
-            <a:lstStyle/>
-            <a:p>
-              <a:pPr algn="ctr"/>
-              <a:r>
-                <a:rPr lang="en-US" sz="2400" dirty="0"/>
-                <a:t>5</a:t>
-              </a:r>
-            </a:p>
-          </p:txBody>
-        </p:sp>
-      </p:grpSp>
-      <p:cxnSp>
-        <p:nvCxnSpPr>
-          <p:cNvPr id="59" name="Straight Arrow Connector 58"/>
-          <p:cNvCxnSpPr/>
-          <p:nvPr/>
-        </p:nvCxnSpPr>
-        <p:spPr>
-          <a:xfrm>
-            <a:off x="2222180" y="3973515"/>
-            <a:ext cx="1109599" cy="0"/>
-          </a:xfrm>
-          <a:prstGeom prst="straightConnector1">
-            <a:avLst/>
-          </a:prstGeom>
-          <a:ln>
-            <a:tailEnd type="triangle"/>
-          </a:ln>
-        </p:spPr>
-        <p:style>
-          <a:lnRef idx="1">
-            <a:schemeClr val="accent1"/>
-          </a:lnRef>
-          <a:fillRef idx="0">
-            <a:schemeClr val="accent1"/>
-          </a:fillRef>
-          <a:effectRef idx="1">
-            <a:schemeClr val="accent1"/>
-          </a:effectRef>
-          <a:fontRef idx="minor">
-            <a:schemeClr val="tx1"/>
-          </a:fontRef>
-        </p:style>
-      </p:cxnSp>
-      <p:sp>
-        <p:nvSpPr>
-          <p:cNvPr id="60" name="TextBox 59"/>
-          <p:cNvSpPr txBox="1"/>
-          <p:nvPr/>
-        </p:nvSpPr>
-        <p:spPr>
-          <a:xfrm>
-            <a:off x="2222180" y="3650349"/>
-            <a:ext cx="1109599" cy="646331"/>
-          </a:xfrm>
-          <a:prstGeom prst="rect">
-            <a:avLst/>
-          </a:prstGeom>
-        </p:spPr>
-        <p:txBody>
-          <a:bodyPr wrap="none" rtlCol="0">
-            <a:spAutoFit/>
-          </a:bodyPr>
-          <a:lstStyle/>
-          <a:p>
-            <a:pPr algn="ctr"/>
-            <a:r>
-              <a:rPr lang="en-US" dirty="0"/>
-              <a:t>Split into</a:t>
-            </a:r>
-          </a:p>
-          <a:p>
-            <a:pPr algn="ctr"/>
-            <a:r>
-              <a:rPr lang="en-US" dirty="0"/>
-              <a:t>Groups</a:t>
-            </a:r>
-          </a:p>
-        </p:txBody>
-      </p:sp>
-      <p:sp>
-        <p:nvSpPr>
-          <p:cNvPr id="61" name="TextBox 60"/>
-          <p:cNvSpPr txBox="1"/>
-          <p:nvPr/>
-        </p:nvSpPr>
-        <p:spPr>
-          <a:xfrm>
-            <a:off x="4902547" y="2141105"/>
-            <a:ext cx="1428596" cy="646331"/>
-          </a:xfrm>
-          <a:prstGeom prst="rect">
-            <a:avLst/>
-          </a:prstGeom>
-        </p:spPr>
-        <p:txBody>
-          <a:bodyPr wrap="none" rtlCol="0">
-            <a:spAutoFit/>
-          </a:bodyPr>
-          <a:lstStyle/>
-          <a:p>
-            <a:pPr algn="ctr"/>
-            <a:r>
-              <a:rPr lang="en-US" dirty="0"/>
-              <a:t>Aggregate</a:t>
-            </a:r>
-          </a:p>
-          <a:p>
-            <a:pPr algn="ctr"/>
-            <a:r>
-              <a:rPr lang="en-US" dirty="0"/>
-              <a:t>Function</a:t>
-            </a:r>
-          </a:p>
-        </p:txBody>
-      </p:sp>
-      <p:cxnSp>
-        <p:nvCxnSpPr>
-          <p:cNvPr id="62" name="Straight Arrow Connector 61"/>
-          <p:cNvCxnSpPr/>
-          <p:nvPr/>
-        </p:nvCxnSpPr>
-        <p:spPr>
-          <a:xfrm>
-            <a:off x="4902547" y="2464271"/>
-            <a:ext cx="1428596" cy="0"/>
-          </a:xfrm>
-          <a:prstGeom prst="straightConnector1">
-            <a:avLst/>
-          </a:prstGeom>
-          <a:ln>
-            <a:tailEnd type="triangle"/>
-          </a:ln>
-        </p:spPr>
-        <p:style>
-          <a:lnRef idx="1">
-            <a:schemeClr val="accent1"/>
-          </a:lnRef>
-          <a:fillRef idx="0">
-            <a:schemeClr val="accent1"/>
-          </a:fillRef>
-          <a:effectRef idx="1">
-            <a:schemeClr val="accent1"/>
-          </a:effectRef>
-          <a:fontRef idx="minor">
-            <a:schemeClr val="tx1"/>
-          </a:fontRef>
-        </p:style>
-      </p:cxnSp>
-      <p:sp>
-        <p:nvSpPr>
-          <p:cNvPr id="81" name="TextBox 80"/>
-          <p:cNvSpPr txBox="1"/>
-          <p:nvPr/>
-        </p:nvSpPr>
-        <p:spPr>
-          <a:xfrm>
-            <a:off x="4902547" y="3854236"/>
-            <a:ext cx="1428596" cy="646331"/>
-          </a:xfrm>
-          <a:prstGeom prst="rect">
-            <a:avLst/>
-          </a:prstGeom>
-        </p:spPr>
-        <p:txBody>
-          <a:bodyPr wrap="none" rtlCol="0">
-            <a:spAutoFit/>
-          </a:bodyPr>
-          <a:lstStyle/>
-          <a:p>
-            <a:pPr algn="ctr"/>
-            <a:r>
-              <a:rPr lang="en-US" dirty="0"/>
-              <a:t>Aggregate</a:t>
-            </a:r>
-          </a:p>
-          <a:p>
-            <a:pPr algn="ctr"/>
-            <a:r>
-              <a:rPr lang="en-US" dirty="0"/>
-              <a:t>Function</a:t>
-            </a:r>
-          </a:p>
-        </p:txBody>
-      </p:sp>
-      <p:cxnSp>
-        <p:nvCxnSpPr>
-          <p:cNvPr id="82" name="Straight Arrow Connector 81"/>
-          <p:cNvCxnSpPr/>
-          <p:nvPr/>
-        </p:nvCxnSpPr>
-        <p:spPr>
-          <a:xfrm>
-            <a:off x="4902547" y="4177402"/>
-            <a:ext cx="1428596" cy="0"/>
-          </a:xfrm>
-          <a:prstGeom prst="straightConnector1">
-            <a:avLst/>
-          </a:prstGeom>
-          <a:ln>
-            <a:tailEnd type="triangle"/>
-          </a:ln>
-        </p:spPr>
-        <p:style>
-          <a:lnRef idx="1">
-            <a:schemeClr val="accent1"/>
-          </a:lnRef>
-          <a:fillRef idx="0">
-            <a:schemeClr val="accent1"/>
-          </a:fillRef>
-          <a:effectRef idx="1">
-            <a:schemeClr val="accent1"/>
-          </a:effectRef>
-          <a:fontRef idx="minor">
-            <a:schemeClr val="tx1"/>
-          </a:fontRef>
-        </p:style>
-      </p:cxnSp>
-      <p:sp>
-        <p:nvSpPr>
-          <p:cNvPr id="110" name="TextBox 109"/>
-          <p:cNvSpPr txBox="1"/>
-          <p:nvPr/>
-        </p:nvSpPr>
-        <p:spPr>
-          <a:xfrm>
-            <a:off x="4942817" y="5613772"/>
-            <a:ext cx="1428596" cy="646331"/>
-          </a:xfrm>
-          <a:prstGeom prst="rect">
-            <a:avLst/>
-          </a:prstGeom>
-        </p:spPr>
-        <p:txBody>
-          <a:bodyPr wrap="none" rtlCol="0">
-            <a:spAutoFit/>
-          </a:bodyPr>
-          <a:lstStyle/>
-          <a:p>
-            <a:pPr algn="ctr"/>
-            <a:r>
-              <a:rPr lang="en-US" dirty="0"/>
-              <a:t>Aggregate</a:t>
-            </a:r>
-          </a:p>
-          <a:p>
-            <a:pPr algn="ctr"/>
-            <a:r>
-              <a:rPr lang="en-US" dirty="0"/>
-              <a:t>Function</a:t>
-            </a:r>
-          </a:p>
-        </p:txBody>
-      </p:sp>
-      <p:cxnSp>
-        <p:nvCxnSpPr>
-          <p:cNvPr id="111" name="Straight Arrow Connector 110"/>
-          <p:cNvCxnSpPr/>
-          <p:nvPr/>
-        </p:nvCxnSpPr>
-        <p:spPr>
-          <a:xfrm>
-            <a:off x="4942817" y="5936938"/>
-            <a:ext cx="1428596" cy="0"/>
-          </a:xfrm>
-          <a:prstGeom prst="straightConnector1">
-            <a:avLst/>
-          </a:prstGeom>
-          <a:ln>
-            <a:tailEnd type="triangle"/>
-          </a:ln>
-        </p:spPr>
-        <p:style>
-          <a:lnRef idx="1">
-            <a:schemeClr val="accent1"/>
-          </a:lnRef>
-          <a:fillRef idx="0">
-            <a:schemeClr val="accent1"/>
-          </a:fillRef>
-          <a:effectRef idx="1">
-            <a:schemeClr val="accent1"/>
-          </a:effectRef>
-          <a:fontRef idx="minor">
-            <a:schemeClr val="tx1"/>
-          </a:fontRef>
-        </p:style>
-      </p:cxnSp>
-      <p:grpSp>
-        <p:nvGrpSpPr>
-          <p:cNvPr id="112" name="Group 111"/>
-          <p:cNvGrpSpPr/>
-          <p:nvPr/>
-        </p:nvGrpSpPr>
-        <p:grpSpPr>
-          <a:xfrm>
-            <a:off x="6599179" y="2211406"/>
-            <a:ext cx="1199792" cy="407773"/>
-            <a:chOff x="931566" y="1442351"/>
-            <a:chExt cx="1199792" cy="407773"/>
-          </a:xfrm>
-        </p:grpSpPr>
-        <p:sp>
-          <p:nvSpPr>
-            <p:cNvPr id="119" name="Rectangle 118"/>
-            <p:cNvSpPr/>
-            <p:nvPr/>
-          </p:nvSpPr>
-          <p:spPr>
-            <a:xfrm>
-              <a:off x="931566" y="1442351"/>
-              <a:ext cx="493405" cy="407773"/>
-            </a:xfrm>
-            <a:prstGeom prst="rect">
-              <a:avLst/>
-            </a:prstGeom>
-          </p:spPr>
-          <p:style>
-            <a:lnRef idx="1">
-              <a:schemeClr val="accent1"/>
-            </a:lnRef>
-            <a:fillRef idx="1">
-              <a:schemeClr val="accent1"/>
-            </a:fillRef>
-            <a:effectRef idx="1">
-              <a:schemeClr val="accent1"/>
-            </a:effectRef>
-            <a:fontRef idx="minor">
-              <a:schemeClr val="lt1"/>
-            </a:fontRef>
-          </p:style>
-          <p:txBody>
-            <a:bodyPr rtlCol="0" anchor="ctr"/>
-            <a:lstStyle/>
-            <a:p>
-              <a:pPr algn="ctr"/>
-              <a:r>
-                <a:rPr lang="en-US" sz="2400" dirty="0"/>
-                <a:t>A</a:t>
-              </a:r>
-            </a:p>
-          </p:txBody>
-        </p:sp>
-        <p:sp>
-          <p:nvSpPr>
-            <p:cNvPr id="120" name="Rectangle 119"/>
-            <p:cNvSpPr/>
-            <p:nvPr/>
-          </p:nvSpPr>
-          <p:spPr>
-            <a:xfrm>
-              <a:off x="1474491" y="1442351"/>
-              <a:ext cx="656867" cy="407773"/>
-            </a:xfrm>
-            <a:prstGeom prst="rect">
-              <a:avLst/>
-            </a:prstGeom>
-          </p:spPr>
-          <p:style>
-            <a:lnRef idx="2">
-              <a:schemeClr val="dk1">
-                <a:shade val="50000"/>
-              </a:schemeClr>
-            </a:lnRef>
-            <a:fillRef idx="1">
-              <a:schemeClr val="dk1"/>
-            </a:fillRef>
-            <a:effectRef idx="0">
-              <a:schemeClr val="dk1"/>
-            </a:effectRef>
-            <a:fontRef idx="minor">
-              <a:schemeClr val="lt1"/>
-            </a:fontRef>
-          </p:style>
-          <p:txBody>
-            <a:bodyPr rtlCol="0" anchor="ctr"/>
-            <a:lstStyle/>
-            <a:p>
-              <a:pPr algn="ctr"/>
-              <a:r>
-                <a:rPr lang="en-US" sz="2400" dirty="0"/>
-                <a:t>6</a:t>
-              </a:r>
-            </a:p>
-          </p:txBody>
-        </p:sp>
-      </p:grpSp>
-      <p:grpSp>
-        <p:nvGrpSpPr>
-          <p:cNvPr id="121" name="Group 120"/>
-          <p:cNvGrpSpPr/>
-          <p:nvPr/>
-        </p:nvGrpSpPr>
-        <p:grpSpPr>
-          <a:xfrm>
-            <a:off x="6599179" y="3888907"/>
-            <a:ext cx="1199792" cy="407773"/>
-            <a:chOff x="931566" y="1442351"/>
-            <a:chExt cx="1199792" cy="407773"/>
-          </a:xfrm>
-        </p:grpSpPr>
-        <p:sp>
-          <p:nvSpPr>
-            <p:cNvPr id="134" name="Rectangle 133"/>
-            <p:cNvSpPr/>
-            <p:nvPr/>
-          </p:nvSpPr>
-          <p:spPr>
-            <a:xfrm>
-              <a:off x="931566" y="1442351"/>
-              <a:ext cx="493405" cy="407773"/>
-            </a:xfrm>
-            <a:prstGeom prst="rect">
-              <a:avLst/>
-            </a:prstGeom>
-          </p:spPr>
-          <p:style>
-            <a:lnRef idx="1">
-              <a:schemeClr val="accent1"/>
-            </a:lnRef>
-            <a:fillRef idx="1">
-              <a:schemeClr val="accent1"/>
-            </a:fillRef>
-            <a:effectRef idx="1">
-              <a:schemeClr val="accent1"/>
-            </a:effectRef>
-            <a:fontRef idx="minor">
-              <a:schemeClr val="lt1"/>
-            </a:fontRef>
-          </p:style>
-          <p:txBody>
-            <a:bodyPr rtlCol="0" anchor="ctr"/>
-            <a:lstStyle/>
-            <a:p>
-              <a:pPr algn="ctr"/>
-              <a:r>
-                <a:rPr lang="en-US" sz="2400" dirty="0"/>
-                <a:t>B</a:t>
-              </a:r>
-            </a:p>
-          </p:txBody>
-        </p:sp>
-        <p:sp>
-          <p:nvSpPr>
-            <p:cNvPr id="135" name="Rectangle 134"/>
-            <p:cNvSpPr/>
-            <p:nvPr/>
-          </p:nvSpPr>
-          <p:spPr>
-            <a:xfrm>
-              <a:off x="1474491" y="1442351"/>
-              <a:ext cx="656867" cy="407773"/>
-            </a:xfrm>
-            <a:prstGeom prst="rect">
-              <a:avLst/>
-            </a:prstGeom>
-          </p:spPr>
-          <p:style>
-            <a:lnRef idx="2">
-              <a:schemeClr val="dk1">
-                <a:shade val="50000"/>
-              </a:schemeClr>
-            </a:lnRef>
-            <a:fillRef idx="1">
-              <a:schemeClr val="dk1"/>
-            </a:fillRef>
-            <a:effectRef idx="0">
-              <a:schemeClr val="dk1"/>
-            </a:effectRef>
-            <a:fontRef idx="minor">
-              <a:schemeClr val="lt1"/>
-            </a:fontRef>
-          </p:style>
-          <p:txBody>
-            <a:bodyPr rtlCol="0" anchor="ctr"/>
-            <a:lstStyle/>
-            <a:p>
-              <a:pPr algn="ctr"/>
-              <a:r>
-                <a:rPr lang="en-US" sz="2400" dirty="0"/>
-                <a:t>12</a:t>
-              </a:r>
-            </a:p>
-          </p:txBody>
-        </p:sp>
-      </p:grpSp>
-      <p:grpSp>
-        <p:nvGrpSpPr>
-          <p:cNvPr id="136" name="Group 135"/>
-          <p:cNvGrpSpPr/>
-          <p:nvPr/>
-        </p:nvGrpSpPr>
-        <p:grpSpPr>
-          <a:xfrm>
-            <a:off x="9590619" y="4177401"/>
-            <a:ext cx="1199792" cy="407773"/>
-            <a:chOff x="931566" y="1442351"/>
-            <a:chExt cx="1199792" cy="407773"/>
-          </a:xfrm>
-        </p:grpSpPr>
-        <p:sp>
-          <p:nvSpPr>
-            <p:cNvPr id="137" name="Rectangle 136"/>
-            <p:cNvSpPr/>
-            <p:nvPr/>
-          </p:nvSpPr>
-          <p:spPr>
-            <a:xfrm>
-              <a:off x="931566" y="1442351"/>
-              <a:ext cx="493405" cy="407773"/>
-            </a:xfrm>
-            <a:prstGeom prst="rect">
-              <a:avLst/>
-            </a:prstGeom>
-          </p:spPr>
-          <p:style>
-            <a:lnRef idx="1">
-              <a:schemeClr val="accent1"/>
-            </a:lnRef>
-            <a:fillRef idx="1">
-              <a:schemeClr val="accent1"/>
-            </a:fillRef>
-            <a:effectRef idx="1">
-              <a:schemeClr val="accent1"/>
-            </a:effectRef>
-            <a:fontRef idx="minor">
-              <a:schemeClr val="lt1"/>
-            </a:fontRef>
-          </p:style>
-          <p:txBody>
-            <a:bodyPr rtlCol="0" anchor="ctr"/>
-            <a:lstStyle/>
-            <a:p>
-              <a:pPr algn="ctr"/>
-              <a:r>
-                <a:rPr lang="en-US" sz="2400" dirty="0"/>
-                <a:t>C</a:t>
-              </a:r>
-            </a:p>
-          </p:txBody>
-        </p:sp>
-        <p:sp>
-          <p:nvSpPr>
-            <p:cNvPr id="138" name="Rectangle 137"/>
-            <p:cNvSpPr/>
-            <p:nvPr/>
-          </p:nvSpPr>
-          <p:spPr>
-            <a:xfrm>
-              <a:off x="1474491" y="1442351"/>
-              <a:ext cx="656867" cy="407773"/>
-            </a:xfrm>
-            <a:prstGeom prst="rect">
-              <a:avLst/>
-            </a:prstGeom>
-          </p:spPr>
-          <p:style>
-            <a:lnRef idx="2">
-              <a:schemeClr val="dk1">
-                <a:shade val="50000"/>
-              </a:schemeClr>
-            </a:lnRef>
-            <a:fillRef idx="1">
-              <a:schemeClr val="dk1"/>
-            </a:fillRef>
-            <a:effectRef idx="0">
-              <a:schemeClr val="dk1"/>
-            </a:effectRef>
-            <a:fontRef idx="minor">
-              <a:schemeClr val="lt1"/>
-            </a:fontRef>
-          </p:style>
-          <p:txBody>
-            <a:bodyPr rtlCol="0" anchor="ctr"/>
-            <a:lstStyle/>
-            <a:p>
-              <a:pPr algn="ctr"/>
-              <a:r>
-                <a:rPr lang="en-US" sz="2400" dirty="0"/>
-                <a:t>18</a:t>
-              </a:r>
-            </a:p>
-          </p:txBody>
-        </p:sp>
-      </p:grpSp>
-      <p:grpSp>
-        <p:nvGrpSpPr>
-          <p:cNvPr id="139" name="Group 138"/>
-          <p:cNvGrpSpPr/>
-          <p:nvPr/>
-        </p:nvGrpSpPr>
-        <p:grpSpPr>
-          <a:xfrm>
-            <a:off x="9590619" y="3242576"/>
-            <a:ext cx="1199792" cy="407773"/>
-            <a:chOff x="931566" y="1442351"/>
-            <a:chExt cx="1199792" cy="407773"/>
-          </a:xfrm>
-        </p:grpSpPr>
-        <p:sp>
-          <p:nvSpPr>
-            <p:cNvPr id="140" name="Rectangle 139"/>
-            <p:cNvSpPr/>
-            <p:nvPr/>
-          </p:nvSpPr>
-          <p:spPr>
-            <a:xfrm>
-              <a:off x="931566" y="1442351"/>
-              <a:ext cx="493405" cy="407773"/>
-            </a:xfrm>
-            <a:prstGeom prst="rect">
-              <a:avLst/>
-            </a:prstGeom>
-          </p:spPr>
-          <p:style>
-            <a:lnRef idx="1">
-              <a:schemeClr val="accent1"/>
-            </a:lnRef>
-            <a:fillRef idx="1">
-              <a:schemeClr val="accent1"/>
-            </a:fillRef>
-            <a:effectRef idx="1">
-              <a:schemeClr val="accent1"/>
-            </a:effectRef>
-            <a:fontRef idx="minor">
-              <a:schemeClr val="lt1"/>
-            </a:fontRef>
-          </p:style>
-          <p:txBody>
-            <a:bodyPr rtlCol="0" anchor="ctr"/>
-            <a:lstStyle/>
-            <a:p>
-              <a:pPr algn="ctr"/>
-              <a:r>
-                <a:rPr lang="en-US" sz="2400" dirty="0"/>
-                <a:t>A</a:t>
-              </a:r>
-            </a:p>
-          </p:txBody>
-        </p:sp>
-        <p:sp>
-          <p:nvSpPr>
-            <p:cNvPr id="141" name="Rectangle 140"/>
-            <p:cNvSpPr/>
-            <p:nvPr/>
-          </p:nvSpPr>
-          <p:spPr>
-            <a:xfrm>
-              <a:off x="1474491" y="1442351"/>
-              <a:ext cx="656867" cy="407773"/>
-            </a:xfrm>
-            <a:prstGeom prst="rect">
-              <a:avLst/>
-            </a:prstGeom>
-          </p:spPr>
-          <p:style>
-            <a:lnRef idx="2">
-              <a:schemeClr val="dk1">
-                <a:shade val="50000"/>
-              </a:schemeClr>
-            </a:lnRef>
-            <a:fillRef idx="1">
-              <a:schemeClr val="dk1"/>
-            </a:fillRef>
-            <a:effectRef idx="0">
-              <a:schemeClr val="dk1"/>
-            </a:effectRef>
-            <a:fontRef idx="minor">
-              <a:schemeClr val="lt1"/>
-            </a:fontRef>
-          </p:style>
-          <p:txBody>
-            <a:bodyPr rtlCol="0" anchor="ctr"/>
-            <a:lstStyle/>
-            <a:p>
-              <a:pPr algn="ctr"/>
-              <a:r>
-                <a:rPr lang="en-US" sz="2400" dirty="0"/>
-                <a:t>6</a:t>
-              </a:r>
-            </a:p>
-          </p:txBody>
-        </p:sp>
-      </p:grpSp>
-      <p:grpSp>
-        <p:nvGrpSpPr>
-          <p:cNvPr id="142" name="Group 141"/>
-          <p:cNvGrpSpPr/>
-          <p:nvPr/>
-        </p:nvGrpSpPr>
-        <p:grpSpPr>
-          <a:xfrm>
-            <a:off x="9590619" y="3715093"/>
-            <a:ext cx="1199792" cy="407773"/>
-            <a:chOff x="931566" y="1442351"/>
-            <a:chExt cx="1199792" cy="407773"/>
-          </a:xfrm>
-        </p:grpSpPr>
-        <p:sp>
-          <p:nvSpPr>
-            <p:cNvPr id="143" name="Rectangle 142"/>
-            <p:cNvSpPr/>
-            <p:nvPr/>
-          </p:nvSpPr>
-          <p:spPr>
-            <a:xfrm>
-              <a:off x="931566" y="1442351"/>
-              <a:ext cx="493405" cy="407773"/>
-            </a:xfrm>
-            <a:prstGeom prst="rect">
-              <a:avLst/>
-            </a:prstGeom>
-          </p:spPr>
-          <p:style>
-            <a:lnRef idx="1">
-              <a:schemeClr val="accent1"/>
-            </a:lnRef>
-            <a:fillRef idx="1">
-              <a:schemeClr val="accent1"/>
-            </a:fillRef>
-            <a:effectRef idx="1">
-              <a:schemeClr val="accent1"/>
-            </a:effectRef>
-            <a:fontRef idx="minor">
-              <a:schemeClr val="lt1"/>
-            </a:fontRef>
-          </p:style>
-          <p:txBody>
-            <a:bodyPr rtlCol="0" anchor="ctr"/>
-            <a:lstStyle/>
-            <a:p>
-              <a:pPr algn="ctr"/>
-              <a:r>
-                <a:rPr lang="en-US" sz="2400" dirty="0"/>
-                <a:t>B</a:t>
-              </a:r>
-            </a:p>
-          </p:txBody>
-        </p:sp>
-        <p:sp>
-          <p:nvSpPr>
-            <p:cNvPr id="144" name="Rectangle 143"/>
-            <p:cNvSpPr/>
-            <p:nvPr/>
-          </p:nvSpPr>
-          <p:spPr>
-            <a:xfrm>
-              <a:off x="1474491" y="1442351"/>
-              <a:ext cx="656867" cy="407773"/>
-            </a:xfrm>
-            <a:prstGeom prst="rect">
-              <a:avLst/>
-            </a:prstGeom>
-          </p:spPr>
-          <p:style>
-            <a:lnRef idx="2">
-              <a:schemeClr val="dk1">
-                <a:shade val="50000"/>
-              </a:schemeClr>
-            </a:lnRef>
-            <a:fillRef idx="1">
-              <a:schemeClr val="dk1"/>
-            </a:fillRef>
-            <a:effectRef idx="0">
-              <a:schemeClr val="dk1"/>
-            </a:effectRef>
-            <a:fontRef idx="minor">
-              <a:schemeClr val="lt1"/>
-            </a:fontRef>
-          </p:style>
-          <p:txBody>
-            <a:bodyPr rtlCol="0" anchor="ctr"/>
-            <a:lstStyle/>
-            <a:p>
-              <a:pPr algn="ctr"/>
-              <a:r>
-                <a:rPr lang="en-US" sz="2400" dirty="0"/>
-                <a:t>12</a:t>
-              </a:r>
-            </a:p>
-          </p:txBody>
-        </p:sp>
-      </p:grpSp>
-      <p:grpSp>
-        <p:nvGrpSpPr>
-          <p:cNvPr id="145" name="Group 144"/>
-          <p:cNvGrpSpPr/>
-          <p:nvPr/>
-        </p:nvGrpSpPr>
-        <p:grpSpPr>
-          <a:xfrm>
-            <a:off x="6599179" y="5733837"/>
-            <a:ext cx="1199792" cy="407773"/>
-            <a:chOff x="931566" y="1442351"/>
-            <a:chExt cx="1199792" cy="407773"/>
-          </a:xfrm>
-        </p:grpSpPr>
-        <p:sp>
-          <p:nvSpPr>
-            <p:cNvPr id="146" name="Rectangle 145"/>
-            <p:cNvSpPr/>
-            <p:nvPr/>
-          </p:nvSpPr>
-          <p:spPr>
-            <a:xfrm>
-              <a:off x="931566" y="1442351"/>
-              <a:ext cx="493405" cy="407773"/>
-            </a:xfrm>
-            <a:prstGeom prst="rect">
-              <a:avLst/>
-            </a:prstGeom>
-          </p:spPr>
-          <p:style>
-            <a:lnRef idx="1">
-              <a:schemeClr val="accent1"/>
-            </a:lnRef>
-            <a:fillRef idx="1">
-              <a:schemeClr val="accent1"/>
-            </a:fillRef>
-            <a:effectRef idx="1">
-              <a:schemeClr val="accent1"/>
-            </a:effectRef>
-            <a:fontRef idx="minor">
-              <a:schemeClr val="lt1"/>
-            </a:fontRef>
-          </p:style>
-          <p:txBody>
-            <a:bodyPr rtlCol="0" anchor="ctr"/>
-            <a:lstStyle/>
-            <a:p>
-              <a:pPr algn="ctr"/>
-              <a:r>
-                <a:rPr lang="en-US" sz="2400" dirty="0"/>
-                <a:t>C</a:t>
-              </a:r>
-            </a:p>
-          </p:txBody>
-        </p:sp>
-        <p:sp>
-          <p:nvSpPr>
-            <p:cNvPr id="147" name="Rectangle 146"/>
-            <p:cNvSpPr/>
-            <p:nvPr/>
-          </p:nvSpPr>
-          <p:spPr>
-            <a:xfrm>
-              <a:off x="1474491" y="1442351"/>
-              <a:ext cx="656867" cy="407773"/>
-            </a:xfrm>
-            <a:prstGeom prst="rect">
-              <a:avLst/>
-            </a:prstGeom>
-          </p:spPr>
-          <p:style>
-            <a:lnRef idx="2">
-              <a:schemeClr val="dk1">
-                <a:shade val="50000"/>
-              </a:schemeClr>
-            </a:lnRef>
-            <a:fillRef idx="1">
-              <a:schemeClr val="dk1"/>
-            </a:fillRef>
-            <a:effectRef idx="0">
-              <a:schemeClr val="dk1"/>
-            </a:effectRef>
-            <a:fontRef idx="minor">
-              <a:schemeClr val="lt1"/>
-            </a:fontRef>
-          </p:style>
-          <p:txBody>
-            <a:bodyPr rtlCol="0" anchor="ctr"/>
-            <a:lstStyle/>
-            <a:p>
-              <a:pPr algn="ctr"/>
-              <a:r>
-                <a:rPr lang="en-US" sz="2400" dirty="0"/>
-                <a:t>18</a:t>
-              </a:r>
-            </a:p>
-          </p:txBody>
-        </p:sp>
-      </p:grpSp>
-      <p:cxnSp>
-        <p:nvCxnSpPr>
-          <p:cNvPr id="148" name="Straight Arrow Connector 147"/>
-          <p:cNvCxnSpPr>
-            <a:cxnSpLocks/>
-          </p:cNvCxnSpPr>
-          <p:nvPr/>
-        </p:nvCxnSpPr>
-        <p:spPr>
-          <a:xfrm>
-            <a:off x="7929154" y="2351418"/>
-            <a:ext cx="1392959" cy="1145159"/>
-          </a:xfrm>
-          <a:prstGeom prst="straightConnector1">
-            <a:avLst/>
-          </a:prstGeom>
-          <a:ln>
-            <a:tailEnd type="triangle"/>
-          </a:ln>
-        </p:spPr>
-        <p:style>
-          <a:lnRef idx="1">
-            <a:schemeClr val="accent1"/>
-          </a:lnRef>
-          <a:fillRef idx="0">
-            <a:schemeClr val="accent1"/>
-          </a:fillRef>
-          <a:effectRef idx="1">
-            <a:schemeClr val="accent1"/>
-          </a:effectRef>
-          <a:fontRef idx="minor">
-            <a:schemeClr val="tx1"/>
-          </a:fontRef>
-        </p:style>
-      </p:cxnSp>
-      <p:cxnSp>
-        <p:nvCxnSpPr>
-          <p:cNvPr id="149" name="Straight Arrow Connector 148"/>
-          <p:cNvCxnSpPr/>
-          <p:nvPr/>
-        </p:nvCxnSpPr>
-        <p:spPr>
-          <a:xfrm>
-            <a:off x="8099632" y="3973515"/>
-            <a:ext cx="1346165" cy="0"/>
-          </a:xfrm>
-          <a:prstGeom prst="straightConnector1">
-            <a:avLst/>
-          </a:prstGeom>
-          <a:ln>
-            <a:tailEnd type="triangle"/>
-          </a:ln>
-        </p:spPr>
-        <p:style>
-          <a:lnRef idx="1">
-            <a:schemeClr val="accent1"/>
-          </a:lnRef>
-          <a:fillRef idx="0">
-            <a:schemeClr val="accent1"/>
-          </a:fillRef>
-          <a:effectRef idx="1">
-            <a:schemeClr val="accent1"/>
-          </a:effectRef>
-          <a:fontRef idx="minor">
-            <a:schemeClr val="tx1"/>
-          </a:fontRef>
-        </p:style>
-      </p:cxnSp>
-      <p:cxnSp>
-        <p:nvCxnSpPr>
-          <p:cNvPr id="150" name="Straight Arrow Connector 149"/>
-          <p:cNvCxnSpPr>
-            <a:cxnSpLocks/>
-          </p:cNvCxnSpPr>
-          <p:nvPr/>
-        </p:nvCxnSpPr>
-        <p:spPr>
-          <a:xfrm flipV="1">
-            <a:off x="7929154" y="4387636"/>
-            <a:ext cx="1392959" cy="1386148"/>
-          </a:xfrm>
-          <a:prstGeom prst="straightConnector1">
-            <a:avLst/>
-          </a:prstGeom>
-          <a:ln>
-            <a:tailEnd type="triangle"/>
-          </a:ln>
-        </p:spPr>
-        <p:style>
-          <a:lnRef idx="1">
-            <a:schemeClr val="accent1"/>
-          </a:lnRef>
-          <a:fillRef idx="0">
-            <a:schemeClr val="accent1"/>
-          </a:fillRef>
-          <a:effectRef idx="1">
-            <a:schemeClr val="accent1"/>
-          </a:effectRef>
-          <a:fontRef idx="minor">
-            <a:schemeClr val="tx1"/>
-          </a:fontRef>
-        </p:style>
-      </p:cxnSp>
-      <p:sp>
-        <p:nvSpPr>
-          <p:cNvPr id="151" name="TextBox 150"/>
-          <p:cNvSpPr txBox="1"/>
-          <p:nvPr/>
-        </p:nvSpPr>
-        <p:spPr>
-          <a:xfrm>
-            <a:off x="8021843" y="3657592"/>
-            <a:ext cx="1439754" cy="646331"/>
-          </a:xfrm>
-          <a:prstGeom prst="rect">
-            <a:avLst/>
-          </a:prstGeom>
-        </p:spPr>
-        <p:txBody>
-          <a:bodyPr wrap="none" rtlCol="0">
-            <a:spAutoFit/>
-          </a:bodyPr>
-          <a:lstStyle/>
-          <a:p>
-            <a:pPr algn="ctr"/>
-            <a:r>
-              <a:rPr lang="en-US" dirty="0"/>
-              <a:t>Put Results</a:t>
-            </a:r>
-          </a:p>
-          <a:p>
-            <a:pPr algn="ctr"/>
-            <a:r>
-              <a:rPr lang="en-US" dirty="0"/>
-              <a:t>in </a:t>
-            </a:r>
-            <a:r>
-              <a:rPr lang="en-US" dirty="0" err="1"/>
-              <a:t>DataFrame</a:t>
-            </a:r>
-            <a:endParaRPr lang="en-US" dirty="0"/>
-          </a:p>
-        </p:txBody>
-      </p:sp>
-      <p:sp>
-        <p:nvSpPr>
-          <p:cNvPr id="3" name="Slide Number Placeholder 2">
+          <p:cNvPr id="4" name="Slide Number Placeholder 3">
             <a:extLst>
               <a:ext uri="{FF2B5EF4-FFF2-40B4-BE49-F238E27FC236}">
-                <a16:creationId xmlns:a16="http://schemas.microsoft.com/office/drawing/2014/main" id="{EC49931D-713C-DE40-BF74-2AEEEC5F3650}"/>
+                <a16:creationId xmlns:a16="http://schemas.microsoft.com/office/drawing/2014/main" id="{4ABBC964-590C-3ACB-B07B-5F6D6504C6AE}"/>
               </a:ext>
             </a:extLst>
           </p:cNvPr>
@@ -6910,29 +4405,17 @@
     </p:spTree>
     <p:extLst>
       <p:ext uri="{BB962C8B-B14F-4D97-AF65-F5344CB8AC3E}">
-        <p14:creationId xmlns:p14="http://schemas.microsoft.com/office/powerpoint/2010/main" val="330096838"/>
+        <p14:creationId xmlns:p14="http://schemas.microsoft.com/office/powerpoint/2010/main" val="1520074869"/>
       </p:ext>
     </p:extLst>
   </p:cSld>
   <p:clrMapOvr>
     <a:masterClrMapping/>
   </p:clrMapOvr>
-  <mc:AlternateContent xmlns:mc="http://schemas.openxmlformats.org/markup-compatibility/2006" xmlns:p159="http://schemas.microsoft.com/office/powerpoint/2015/09/main">
-    <mc:Choice Requires="p159">
-      <p:transition xmlns:p14="http://schemas.microsoft.com/office/powerpoint/2010/main" spd="slow" p14:dur="2000">
-        <p159:morph option="byObject"/>
-      </p:transition>
-    </mc:Choice>
-    <mc:Fallback xmlns="">
-      <p:transition spd="slow">
-        <p:fade/>
-      </p:transition>
-    </mc:Fallback>
-  </mc:AlternateContent>
 </p:sld>
 </file>
 
-<file path=ppt/slides/slide2.xml><?xml version="1.0" encoding="utf-8"?>
+<file path=ppt/slides/slide11.xml><?xml version="1.0" encoding="utf-8"?>
 <p:sld xmlns:a="http://schemas.openxmlformats.org/drawingml/2006/main" xmlns:r="http://schemas.openxmlformats.org/officeDocument/2006/relationships" xmlns:p="http://schemas.openxmlformats.org/presentationml/2006/main">
   <p:cSld>
     <p:spTree>
@@ -7028,7 +4511,7 @@
           <a:p>
             <a:fld id="{934C0642-4071-7D48-AFF8-BD27182896CC}" type="slidenum">
               <a:rPr lang="en-US" smtClean="0"/>
-              <a:t>2</a:t>
+              <a:t>11</a:t>
             </a:fld>
             <a:endParaRPr lang="en-US"/>
           </a:p>
@@ -7047,7 +4530,7 @@
 </p:sld>
 </file>
 
-<file path=ppt/slides/slide3.xml><?xml version="1.0" encoding="utf-8"?>
+<file path=ppt/slides/slide12.xml><?xml version="1.0" encoding="utf-8"?>
 <p:sld xmlns:a="http://schemas.openxmlformats.org/drawingml/2006/main" xmlns:r="http://schemas.openxmlformats.org/officeDocument/2006/relationships" xmlns:p="http://schemas.openxmlformats.org/presentationml/2006/main">
   <p:cSld>
     <p:spTree>
@@ -8683,7 +6166,7 @@
           <a:p>
             <a:fld id="{934C0642-4071-7D48-AFF8-BD27182896CC}" type="slidenum">
               <a:rPr lang="en-US" smtClean="0"/>
-              <a:t>3</a:t>
+              <a:t>12</a:t>
             </a:fld>
             <a:endParaRPr lang="en-US"/>
           </a:p>
@@ -9089,7 +6572,7 @@
 </p:sld>
 </file>
 
-<file path=ppt/slides/slide4.xml><?xml version="1.0" encoding="utf-8"?>
+<file path=ppt/slides/slide13.xml><?xml version="1.0" encoding="utf-8"?>
 <p:sld xmlns:a="http://schemas.openxmlformats.org/drawingml/2006/main" xmlns:r="http://schemas.openxmlformats.org/officeDocument/2006/relationships" xmlns:p="http://schemas.openxmlformats.org/presentationml/2006/main">
   <p:cSld>
     <p:spTree>
@@ -11244,7 +8727,7 @@
           <a:p>
             <a:fld id="{934C0642-4071-7D48-AFF8-BD27182896CC}" type="slidenum">
               <a:rPr lang="en-US" smtClean="0"/>
-              <a:t>4</a:t>
+              <a:t>13</a:t>
             </a:fld>
             <a:endParaRPr lang="en-US"/>
           </a:p>
@@ -11275,7 +8758,333 @@
 </p:sld>
 </file>
 
-<file path=ppt/slides/slide5.xml><?xml version="1.0" encoding="utf-8"?>
+<file path=ppt/slides/slide14.xml><?xml version="1.0" encoding="utf-8"?>
+<p:sld xmlns:a="http://schemas.openxmlformats.org/drawingml/2006/main" xmlns:r="http://schemas.openxmlformats.org/officeDocument/2006/relationships" xmlns:p="http://schemas.openxmlformats.org/presentationml/2006/main">
+  <p:cSld>
+    <p:spTree>
+      <p:nvGrpSpPr>
+        <p:cNvPr id="1" name=""/>
+        <p:cNvGrpSpPr/>
+        <p:nvPr/>
+      </p:nvGrpSpPr>
+      <p:grpSpPr>
+        <a:xfrm>
+          <a:off x="0" y="0"/>
+          <a:ext cx="0" cy="0"/>
+          <a:chOff x="0" y="0"/>
+          <a:chExt cx="0" cy="0"/>
+        </a:xfrm>
+      </p:grpSpPr>
+      <p:sp>
+        <p:nvSpPr>
+          <p:cNvPr id="2" name="Title 1">
+            <a:extLst>
+              <a:ext uri="{FF2B5EF4-FFF2-40B4-BE49-F238E27FC236}">
+                <a16:creationId xmlns:a16="http://schemas.microsoft.com/office/drawing/2014/main" id="{CEBA15CB-928C-86BC-E273-CF08E943CF5B}"/>
+              </a:ext>
+            </a:extLst>
+          </p:cNvPr>
+          <p:cNvSpPr>
+            <a:spLocks noGrp="1"/>
+          </p:cNvSpPr>
+          <p:nvPr>
+            <p:ph type="title"/>
+          </p:nvPr>
+        </p:nvSpPr>
+        <p:spPr/>
+        <p:txBody>
+          <a:bodyPr/>
+          <a:lstStyle/>
+          <a:p>
+            <a:r>
+              <a:rPr lang="en-US" dirty="0"/>
+              <a:t>Merge types</a:t>
+            </a:r>
+          </a:p>
+        </p:txBody>
+      </p:sp>
+      <p:sp>
+        <p:nvSpPr>
+          <p:cNvPr id="3" name="Content Placeholder 2">
+            <a:extLst>
+              <a:ext uri="{FF2B5EF4-FFF2-40B4-BE49-F238E27FC236}">
+                <a16:creationId xmlns:a16="http://schemas.microsoft.com/office/drawing/2014/main" id="{EED2CE94-EEEE-0026-F471-373EB1419427}"/>
+              </a:ext>
+            </a:extLst>
+          </p:cNvPr>
+          <p:cNvSpPr>
+            <a:spLocks noGrp="1"/>
+          </p:cNvSpPr>
+          <p:nvPr>
+            <p:ph idx="1"/>
+          </p:nvPr>
+        </p:nvSpPr>
+        <p:spPr/>
+        <p:txBody>
+          <a:bodyPr/>
+          <a:lstStyle/>
+          <a:p>
+            <a:r>
+              <a:rPr lang="en-US" dirty="0"/>
+              <a:t>Inner: only keep the rows where the keys match</a:t>
+            </a:r>
+          </a:p>
+          <a:p>
+            <a:r>
+              <a:rPr lang="en-US" dirty="0"/>
+              <a:t>Right: </a:t>
+            </a:r>
+          </a:p>
+          <a:p>
+            <a:pPr lvl="1"/>
+            <a:r>
+              <a:rPr lang="en-US" dirty="0"/>
+              <a:t>Keep all the right </a:t>
+            </a:r>
+            <a:r>
+              <a:rPr lang="en-US" dirty="0" err="1"/>
+              <a:t>dataframe</a:t>
+            </a:r>
+            <a:r>
+              <a:rPr lang="en-US" dirty="0"/>
+              <a:t> rows.  </a:t>
+            </a:r>
+          </a:p>
+          <a:p>
+            <a:pPr lvl="1"/>
+            <a:r>
+              <a:rPr lang="en-US" dirty="0"/>
+              <a:t>Populate rows that didn’t have match from the left </a:t>
+            </a:r>
+            <a:r>
+              <a:rPr lang="en-US" dirty="0" err="1"/>
+              <a:t>dataframe</a:t>
+            </a:r>
+            <a:r>
+              <a:rPr lang="en-US" dirty="0"/>
+              <a:t> with </a:t>
+            </a:r>
+            <a:r>
+              <a:rPr lang="en-US" dirty="0" err="1"/>
+              <a:t>NaN</a:t>
+            </a:r>
+            <a:endParaRPr lang="en-US" dirty="0"/>
+          </a:p>
+          <a:p>
+            <a:r>
+              <a:rPr lang="en-US" dirty="0"/>
+              <a:t>Left – like right, but keep left </a:t>
+            </a:r>
+            <a:r>
+              <a:rPr lang="en-US" dirty="0" err="1"/>
+              <a:t>dataframe</a:t>
+            </a:r>
+            <a:r>
+              <a:rPr lang="en-US" dirty="0"/>
+              <a:t> rows…</a:t>
+            </a:r>
+          </a:p>
+          <a:p>
+            <a:r>
+              <a:rPr lang="en-US" dirty="0"/>
+              <a:t>Outer: </a:t>
+            </a:r>
+          </a:p>
+          <a:p>
+            <a:pPr lvl="1"/>
+            <a:r>
+              <a:rPr lang="en-US" dirty="0"/>
+              <a:t>Keep all rows</a:t>
+            </a:r>
+          </a:p>
+          <a:p>
+            <a:pPr lvl="1"/>
+            <a:r>
+              <a:rPr lang="en-US" dirty="0"/>
+              <a:t>Populate rows that don’t have matching keys with </a:t>
+            </a:r>
+            <a:r>
+              <a:rPr lang="en-US" dirty="0" err="1"/>
+              <a:t>NaN</a:t>
+            </a:r>
+            <a:r>
+              <a:rPr lang="en-US" dirty="0"/>
+              <a:t>.</a:t>
+            </a:r>
+          </a:p>
+        </p:txBody>
+      </p:sp>
+      <p:sp>
+        <p:nvSpPr>
+          <p:cNvPr id="4" name="Slide Number Placeholder 3">
+            <a:extLst>
+              <a:ext uri="{FF2B5EF4-FFF2-40B4-BE49-F238E27FC236}">
+                <a16:creationId xmlns:a16="http://schemas.microsoft.com/office/drawing/2014/main" id="{302FD2E5-BCC1-5314-8967-EBFB22D475E1}"/>
+              </a:ext>
+            </a:extLst>
+          </p:cNvPr>
+          <p:cNvSpPr>
+            <a:spLocks noGrp="1"/>
+          </p:cNvSpPr>
+          <p:nvPr>
+            <p:ph type="sldNum" sz="quarter" idx="12"/>
+          </p:nvPr>
+        </p:nvSpPr>
+        <p:spPr/>
+        <p:txBody>
+          <a:bodyPr/>
+          <a:lstStyle/>
+          <a:p>
+            <a:fld id="{934C0642-4071-7D48-AFF8-BD27182896CC}" type="slidenum">
+              <a:rPr lang="en-US" smtClean="0"/>
+              <a:t>14</a:t>
+            </a:fld>
+            <a:endParaRPr lang="en-US"/>
+          </a:p>
+        </p:txBody>
+      </p:sp>
+    </p:spTree>
+    <p:extLst>
+      <p:ext uri="{BB962C8B-B14F-4D97-AF65-F5344CB8AC3E}">
+        <p14:creationId xmlns:p14="http://schemas.microsoft.com/office/powerpoint/2010/main" val="4241429798"/>
+      </p:ext>
+    </p:extLst>
+  </p:cSld>
+  <p:clrMapOvr>
+    <a:masterClrMapping/>
+  </p:clrMapOvr>
+</p:sld>
+</file>
+
+<file path=ppt/slides/slide15.xml><?xml version="1.0" encoding="utf-8"?>
+<p:sld xmlns:a="http://schemas.openxmlformats.org/drawingml/2006/main" xmlns:r="http://schemas.openxmlformats.org/officeDocument/2006/relationships" xmlns:p="http://schemas.openxmlformats.org/presentationml/2006/main">
+  <p:cSld>
+    <p:spTree>
+      <p:nvGrpSpPr>
+        <p:cNvPr id="1" name=""/>
+        <p:cNvGrpSpPr/>
+        <p:nvPr/>
+      </p:nvGrpSpPr>
+      <p:grpSpPr>
+        <a:xfrm>
+          <a:off x="0" y="0"/>
+          <a:ext cx="0" cy="0"/>
+          <a:chOff x="0" y="0"/>
+          <a:chExt cx="0" cy="0"/>
+        </a:xfrm>
+      </p:grpSpPr>
+      <p:sp>
+        <p:nvSpPr>
+          <p:cNvPr id="2" name="Title 1">
+            <a:extLst>
+              <a:ext uri="{FF2B5EF4-FFF2-40B4-BE49-F238E27FC236}">
+                <a16:creationId xmlns:a16="http://schemas.microsoft.com/office/drawing/2014/main" id="{105645E4-89CA-E13B-31B0-5163BAC6D370}"/>
+              </a:ext>
+            </a:extLst>
+          </p:cNvPr>
+          <p:cNvSpPr>
+            <a:spLocks noGrp="1"/>
+          </p:cNvSpPr>
+          <p:nvPr>
+            <p:ph type="title"/>
+          </p:nvPr>
+        </p:nvSpPr>
+        <p:spPr/>
+        <p:txBody>
+          <a:bodyPr/>
+          <a:lstStyle/>
+          <a:p>
+            <a:r>
+              <a:rPr lang="en-US" dirty="0"/>
+              <a:t>Let’s try this in a </a:t>
+            </a:r>
+            <a:r>
+              <a:rPr lang="en-US" dirty="0" err="1"/>
+              <a:t>jupyter</a:t>
+            </a:r>
+            <a:r>
+              <a:rPr lang="en-US" dirty="0"/>
+              <a:t> notebook</a:t>
+            </a:r>
+          </a:p>
+        </p:txBody>
+      </p:sp>
+      <p:sp>
+        <p:nvSpPr>
+          <p:cNvPr id="3" name="Content Placeholder 2">
+            <a:extLst>
+              <a:ext uri="{FF2B5EF4-FFF2-40B4-BE49-F238E27FC236}">
+                <a16:creationId xmlns:a16="http://schemas.microsoft.com/office/drawing/2014/main" id="{9F09E69F-2072-BB4C-FA46-26D1BB66351B}"/>
+              </a:ext>
+            </a:extLst>
+          </p:cNvPr>
+          <p:cNvSpPr>
+            <a:spLocks noGrp="1"/>
+          </p:cNvSpPr>
+          <p:nvPr>
+            <p:ph idx="1"/>
+          </p:nvPr>
+        </p:nvSpPr>
+        <p:spPr/>
+        <p:txBody>
+          <a:bodyPr/>
+          <a:lstStyle/>
+          <a:p>
+            <a:r>
+              <a:rPr lang="en-US" dirty="0"/>
+              <a:t>We’ll come back to this slide deck in a bit to talk about </a:t>
+            </a:r>
+            <a:r>
+              <a:rPr lang="en-US" dirty="0" err="1"/>
+              <a:t>Groupby</a:t>
+            </a:r>
+            <a:endParaRPr lang="en-US" dirty="0"/>
+          </a:p>
+        </p:txBody>
+      </p:sp>
+      <p:sp>
+        <p:nvSpPr>
+          <p:cNvPr id="4" name="Slide Number Placeholder 3">
+            <a:extLst>
+              <a:ext uri="{FF2B5EF4-FFF2-40B4-BE49-F238E27FC236}">
+                <a16:creationId xmlns:a16="http://schemas.microsoft.com/office/drawing/2014/main" id="{997F9B07-BF24-B138-447E-1D3818291382}"/>
+              </a:ext>
+            </a:extLst>
+          </p:cNvPr>
+          <p:cNvSpPr>
+            <a:spLocks noGrp="1"/>
+          </p:cNvSpPr>
+          <p:nvPr>
+            <p:ph type="sldNum" sz="quarter" idx="12"/>
+          </p:nvPr>
+        </p:nvSpPr>
+        <p:spPr/>
+        <p:txBody>
+          <a:bodyPr/>
+          <a:lstStyle/>
+          <a:p>
+            <a:fld id="{934C0642-4071-7D48-AFF8-BD27182896CC}" type="slidenum">
+              <a:rPr lang="en-US" smtClean="0"/>
+              <a:t>15</a:t>
+            </a:fld>
+            <a:endParaRPr lang="en-US"/>
+          </a:p>
+        </p:txBody>
+      </p:sp>
+    </p:spTree>
+    <p:extLst>
+      <p:ext uri="{BB962C8B-B14F-4D97-AF65-F5344CB8AC3E}">
+        <p14:creationId xmlns:p14="http://schemas.microsoft.com/office/powerpoint/2010/main" val="4034622772"/>
+      </p:ext>
+    </p:extLst>
+  </p:cSld>
+  <p:clrMapOvr>
+    <a:masterClrMapping/>
+  </p:clrMapOvr>
+</p:sld>
+</file>
+
+<file path=ppt/slides/slide16.xml><?xml version="1.0" encoding="utf-8"?>
 <p:sld xmlns:a="http://schemas.openxmlformats.org/drawingml/2006/main" xmlns:r="http://schemas.openxmlformats.org/officeDocument/2006/relationships" xmlns:p="http://schemas.openxmlformats.org/presentationml/2006/main">
   <p:cSld>
     <p:spTree>
@@ -11369,7 +9178,7 @@
           <a:p>
             <a:fld id="{934C0642-4071-7D48-AFF8-BD27182896CC}" type="slidenum">
               <a:rPr lang="en-US" smtClean="0"/>
-              <a:t>5</a:t>
+              <a:t>16</a:t>
             </a:fld>
             <a:endParaRPr lang="en-US"/>
           </a:p>
@@ -11388,7 +9197,7 @@
 </p:sld>
 </file>
 
-<file path=ppt/slides/slide6.xml><?xml version="1.0" encoding="utf-8"?>
+<file path=ppt/slides/slide17.xml><?xml version="1.0" encoding="utf-8"?>
 <p:sld xmlns:a="http://schemas.openxmlformats.org/drawingml/2006/main" xmlns:r="http://schemas.openxmlformats.org/officeDocument/2006/relationships" xmlns:p="http://schemas.openxmlformats.org/presentationml/2006/main">
   <p:cSld>
     <p:spTree>
@@ -13288,7 +11097,7 @@
           <a:p>
             <a:fld id="{934C0642-4071-7D48-AFF8-BD27182896CC}" type="slidenum">
               <a:rPr lang="en-US" smtClean="0"/>
-              <a:t>6</a:t>
+              <a:t>17</a:t>
             </a:fld>
             <a:endParaRPr lang="en-US"/>
           </a:p>
@@ -13307,7 +11116,7 @@
 </p:sld>
 </file>
 
-<file path=ppt/slides/slide7.xml><?xml version="1.0" encoding="utf-8"?>
+<file path=ppt/slides/slide18.xml><?xml version="1.0" encoding="utf-8"?>
 <p:sld xmlns:a="http://schemas.openxmlformats.org/drawingml/2006/main" xmlns:r="http://schemas.openxmlformats.org/officeDocument/2006/relationships" xmlns:p="http://schemas.openxmlformats.org/presentationml/2006/main">
   <p:cSld>
     <p:spTree>
@@ -15207,7 +13016,7 @@
           <a:p>
             <a:fld id="{934C0642-4071-7D48-AFF8-BD27182896CC}" type="slidenum">
               <a:rPr lang="en-US" smtClean="0"/>
-              <a:t>7</a:t>
+              <a:t>18</a:t>
             </a:fld>
             <a:endParaRPr lang="en-US"/>
           </a:p>
@@ -15238,7 +13047,7 @@
 </p:sld>
 </file>
 
-<file path=ppt/slides/slide8.xml><?xml version="1.0" encoding="utf-8"?>
+<file path=ppt/slides/slide19.xml><?xml version="1.0" encoding="utf-8"?>
 <p:sld xmlns:a="http://schemas.openxmlformats.org/drawingml/2006/main" xmlns:r="http://schemas.openxmlformats.org/officeDocument/2006/relationships" xmlns:p="http://schemas.openxmlformats.org/presentationml/2006/main">
   <p:cSld>
     <p:spTree>
@@ -17207,7 +15016,7 @@
           <a:p>
             <a:fld id="{934C0642-4071-7D48-AFF8-BD27182896CC}" type="slidenum">
               <a:rPr lang="en-US" smtClean="0"/>
-              <a:t>8</a:t>
+              <a:t>19</a:t>
             </a:fld>
             <a:endParaRPr lang="en-US"/>
           </a:p>
@@ -17238,7 +15047,273 @@
 </p:sld>
 </file>
 
-<file path=ppt/slides/slide9.xml><?xml version="1.0" encoding="utf-8"?>
+<file path=ppt/slides/slide2.xml><?xml version="1.0" encoding="utf-8"?>
+<p:sld xmlns:a="http://schemas.openxmlformats.org/drawingml/2006/main" xmlns:r="http://schemas.openxmlformats.org/officeDocument/2006/relationships" xmlns:p="http://schemas.openxmlformats.org/presentationml/2006/main">
+  <p:cSld>
+    <p:spTree>
+      <p:nvGrpSpPr>
+        <p:cNvPr id="1" name=""/>
+        <p:cNvGrpSpPr/>
+        <p:nvPr/>
+      </p:nvGrpSpPr>
+      <p:grpSpPr>
+        <a:xfrm>
+          <a:off x="0" y="0"/>
+          <a:ext cx="0" cy="0"/>
+          <a:chOff x="0" y="0"/>
+          <a:chExt cx="0" cy="0"/>
+        </a:xfrm>
+      </p:grpSpPr>
+      <p:sp>
+        <p:nvSpPr>
+          <p:cNvPr id="2" name="Title 1">
+            <a:extLst>
+              <a:ext uri="{FF2B5EF4-FFF2-40B4-BE49-F238E27FC236}">
+                <a16:creationId xmlns:a16="http://schemas.microsoft.com/office/drawing/2014/main" id="{3B19F630-F565-2D4A-B758-2448EC28453F}"/>
+              </a:ext>
+            </a:extLst>
+          </p:cNvPr>
+          <p:cNvSpPr>
+            <a:spLocks noGrp="1"/>
+          </p:cNvSpPr>
+          <p:nvPr>
+            <p:ph type="title"/>
+          </p:nvPr>
+        </p:nvSpPr>
+        <p:spPr/>
+        <p:txBody>
+          <a:bodyPr/>
+          <a:lstStyle/>
+          <a:p>
+            <a:r>
+              <a:rPr lang="en-US" dirty="0"/>
+              <a:t>Recap – key concept from lecture 2</a:t>
+            </a:r>
+          </a:p>
+        </p:txBody>
+      </p:sp>
+      <p:sp>
+        <p:nvSpPr>
+          <p:cNvPr id="3" name="Content Placeholder 2">
+            <a:extLst>
+              <a:ext uri="{FF2B5EF4-FFF2-40B4-BE49-F238E27FC236}">
+                <a16:creationId xmlns:a16="http://schemas.microsoft.com/office/drawing/2014/main" id="{F096AC1D-521D-6F46-913D-29FA84230E17}"/>
+              </a:ext>
+            </a:extLst>
+          </p:cNvPr>
+          <p:cNvSpPr>
+            <a:spLocks noGrp="1"/>
+          </p:cNvSpPr>
+          <p:nvPr>
+            <p:ph idx="1"/>
+          </p:nvPr>
+        </p:nvSpPr>
+        <p:spPr/>
+        <p:txBody>
+          <a:bodyPr/>
+          <a:lstStyle/>
+          <a:p>
+            <a:r>
+              <a:rPr lang="en-US" dirty="0"/>
+              <a:t>Prediction versus inference (y versus </a:t>
+            </a:r>
+            <a:r>
+              <a:rPr lang="el-GR" dirty="0"/>
+              <a:t>β</a:t>
+            </a:r>
+            <a:r>
+              <a:rPr lang="en-US" dirty="0"/>
+              <a:t>)</a:t>
+            </a:r>
+          </a:p>
+          <a:p>
+            <a:pPr marL="0" indent="0">
+              <a:buNone/>
+            </a:pPr>
+            <a:endParaRPr lang="en-US" dirty="0"/>
+          </a:p>
+          <a:p>
+            <a:pPr marL="0" indent="0">
+              <a:buNone/>
+            </a:pPr>
+            <a:endParaRPr lang="en-US" dirty="0"/>
+          </a:p>
+          <a:p>
+            <a:pPr lvl="1"/>
+            <a:r>
+              <a:rPr lang="en-US" dirty="0"/>
+              <a:t>      is a </a:t>
+            </a:r>
+            <a:r>
+              <a:rPr lang="en-US" b="1" dirty="0"/>
+              <a:t>prediction</a:t>
+            </a:r>
+            <a:r>
+              <a:rPr lang="en-US" dirty="0"/>
+              <a:t> of a </a:t>
+            </a:r>
+            <a:r>
+              <a:rPr lang="en-US" i="1" dirty="0"/>
+              <a:t>target variable</a:t>
+            </a:r>
+          </a:p>
+          <a:p>
+            <a:pPr lvl="1"/>
+            <a:r>
+              <a:rPr lang="en-US" dirty="0"/>
+              <a:t>      </a:t>
+            </a:r>
+            <a:r>
+              <a:rPr lang="en-US" b="1" dirty="0"/>
+              <a:t>infers</a:t>
+            </a:r>
+            <a:r>
+              <a:rPr lang="en-US" i="1" dirty="0"/>
+              <a:t> </a:t>
+            </a:r>
+            <a:r>
+              <a:rPr lang="en-US" dirty="0"/>
+              <a:t>a relationship between two variables</a:t>
+            </a:r>
+          </a:p>
+          <a:p>
+            <a:endParaRPr lang="en-US" dirty="0"/>
+          </a:p>
+        </p:txBody>
+      </p:sp>
+      <p:sp>
+        <p:nvSpPr>
+          <p:cNvPr id="4" name="Slide Number Placeholder 3">
+            <a:extLst>
+              <a:ext uri="{FF2B5EF4-FFF2-40B4-BE49-F238E27FC236}">
+                <a16:creationId xmlns:a16="http://schemas.microsoft.com/office/drawing/2014/main" id="{7C9E763C-806C-F846-A771-4DEF1DBFDBF7}"/>
+              </a:ext>
+            </a:extLst>
+          </p:cNvPr>
+          <p:cNvSpPr>
+            <a:spLocks noGrp="1"/>
+          </p:cNvSpPr>
+          <p:nvPr>
+            <p:ph type="sldNum" sz="quarter" idx="12"/>
+          </p:nvPr>
+        </p:nvSpPr>
+        <p:spPr/>
+        <p:txBody>
+          <a:bodyPr/>
+          <a:lstStyle/>
+          <a:p>
+            <a:fld id="{934C0642-4071-7D48-AFF8-BD27182896CC}" type="slidenum">
+              <a:rPr lang="en-US" smtClean="0"/>
+              <a:t>2</a:t>
+            </a:fld>
+            <a:endParaRPr lang="en-US"/>
+          </a:p>
+        </p:txBody>
+      </p:sp>
+      <p:pic>
+        <p:nvPicPr>
+          <p:cNvPr id="5" name="Picture 4">
+            <a:extLst>
+              <a:ext uri="{FF2B5EF4-FFF2-40B4-BE49-F238E27FC236}">
+                <a16:creationId xmlns:a16="http://schemas.microsoft.com/office/drawing/2014/main" id="{44567BEB-6378-9290-3CE1-44C5742FBC8F}"/>
+              </a:ext>
+            </a:extLst>
+          </p:cNvPr>
+          <p:cNvPicPr>
+            <a:picLocks noChangeAspect="1"/>
+          </p:cNvPicPr>
+          <p:nvPr/>
+        </p:nvPicPr>
+        <p:blipFill>
+          <a:blip r:embed="rId3"/>
+          <a:stretch>
+            <a:fillRect/>
+          </a:stretch>
+        </p:blipFill>
+        <p:spPr>
+          <a:xfrm>
+            <a:off x="4728147" y="2434909"/>
+            <a:ext cx="2586716" cy="892492"/>
+          </a:xfrm>
+          <a:prstGeom prst="rect">
+            <a:avLst/>
+          </a:prstGeom>
+        </p:spPr>
+      </p:pic>
+      <p:pic>
+        <p:nvPicPr>
+          <p:cNvPr id="6" name="Picture 5">
+            <a:extLst>
+              <a:ext uri="{FF2B5EF4-FFF2-40B4-BE49-F238E27FC236}">
+                <a16:creationId xmlns:a16="http://schemas.microsoft.com/office/drawing/2014/main" id="{51961EE6-1B61-CB23-8C94-80EE740F42D2}"/>
+              </a:ext>
+            </a:extLst>
+          </p:cNvPr>
+          <p:cNvPicPr>
+            <a:picLocks noChangeAspect="1"/>
+          </p:cNvPicPr>
+          <p:nvPr/>
+        </p:nvPicPr>
+        <p:blipFill>
+          <a:blip r:embed="rId4"/>
+          <a:stretch>
+            <a:fillRect/>
+          </a:stretch>
+        </p:blipFill>
+        <p:spPr>
+          <a:xfrm>
+            <a:off x="1599647" y="3361056"/>
+            <a:ext cx="318397" cy="443483"/>
+          </a:xfrm>
+          <a:prstGeom prst="rect">
+            <a:avLst/>
+          </a:prstGeom>
+        </p:spPr>
+      </p:pic>
+      <p:pic>
+        <p:nvPicPr>
+          <p:cNvPr id="7" name="Picture 6">
+            <a:extLst>
+              <a:ext uri="{FF2B5EF4-FFF2-40B4-BE49-F238E27FC236}">
+                <a16:creationId xmlns:a16="http://schemas.microsoft.com/office/drawing/2014/main" id="{5C19D73D-7CD9-3554-8295-1A71AE8509E9}"/>
+              </a:ext>
+            </a:extLst>
+          </p:cNvPr>
+          <p:cNvPicPr>
+            <a:picLocks noChangeAspect="1"/>
+          </p:cNvPicPr>
+          <p:nvPr/>
+        </p:nvPicPr>
+        <p:blipFill>
+          <a:blip r:embed="rId5"/>
+          <a:stretch>
+            <a:fillRect/>
+          </a:stretch>
+        </p:blipFill>
+        <p:spPr>
+          <a:xfrm>
+            <a:off x="1658503" y="3715701"/>
+            <a:ext cx="318397" cy="480599"/>
+          </a:xfrm>
+          <a:prstGeom prst="rect">
+            <a:avLst/>
+          </a:prstGeom>
+        </p:spPr>
+      </p:pic>
+    </p:spTree>
+    <p:extLst>
+      <p:ext uri="{BB962C8B-B14F-4D97-AF65-F5344CB8AC3E}">
+        <p14:creationId xmlns:p14="http://schemas.microsoft.com/office/powerpoint/2010/main" val="3887816468"/>
+      </p:ext>
+    </p:extLst>
+  </p:cSld>
+  <p:clrMapOvr>
+    <a:masterClrMapping/>
+  </p:clrMapOvr>
+</p:sld>
+</file>
+
+<file path=ppt/slides/slide20.xml><?xml version="1.0" encoding="utf-8"?>
 <p:sld xmlns:a="http://schemas.openxmlformats.org/drawingml/2006/main" xmlns:r="http://schemas.openxmlformats.org/officeDocument/2006/relationships" xmlns:p="http://schemas.openxmlformats.org/presentationml/2006/main">
   <p:cSld>
     <p:spTree>
@@ -20008,7 +18083,7 @@
           <a:p>
             <a:fld id="{934C0642-4071-7D48-AFF8-BD27182896CC}" type="slidenum">
               <a:rPr lang="en-US" smtClean="0"/>
-              <a:t>9</a:t>
+              <a:t>20</a:t>
             </a:fld>
             <a:endParaRPr lang="en-US"/>
           </a:p>
@@ -20036,6 +18111,4638 @@
       </p:transition>
     </mc:Fallback>
   </mc:AlternateContent>
+</p:sld>
+</file>
+
+<file path=ppt/slides/slide21.xml><?xml version="1.0" encoding="utf-8"?>
+<p:sld xmlns:a="http://schemas.openxmlformats.org/drawingml/2006/main" xmlns:r="http://schemas.openxmlformats.org/officeDocument/2006/relationships" xmlns:p="http://schemas.openxmlformats.org/presentationml/2006/main">
+  <p:cSld>
+    <p:spTree>
+      <p:nvGrpSpPr>
+        <p:cNvPr id="1" name=""/>
+        <p:cNvGrpSpPr/>
+        <p:nvPr/>
+      </p:nvGrpSpPr>
+      <p:grpSpPr>
+        <a:xfrm>
+          <a:off x="0" y="0"/>
+          <a:ext cx="0" cy="0"/>
+          <a:chOff x="0" y="0"/>
+          <a:chExt cx="0" cy="0"/>
+        </a:xfrm>
+      </p:grpSpPr>
+      <p:sp>
+        <p:nvSpPr>
+          <p:cNvPr id="2" name="Title 1"/>
+          <p:cNvSpPr>
+            <a:spLocks noGrp="1"/>
+          </p:cNvSpPr>
+          <p:nvPr>
+            <p:ph type="title"/>
+          </p:nvPr>
+        </p:nvSpPr>
+        <p:spPr/>
+        <p:txBody>
+          <a:bodyPr/>
+          <a:lstStyle/>
+          <a:p>
+            <a:r>
+              <a:rPr lang="en-US" dirty="0"/>
+              <a:t>Manipulating Granularity: Group By</a:t>
+            </a:r>
+          </a:p>
+        </p:txBody>
+      </p:sp>
+      <p:sp>
+        <p:nvSpPr>
+          <p:cNvPr id="43" name="TextBox 42"/>
+          <p:cNvSpPr txBox="1"/>
+          <p:nvPr/>
+        </p:nvSpPr>
+        <p:spPr>
+          <a:xfrm>
+            <a:off x="820411" y="1414118"/>
+            <a:ext cx="595035" cy="369332"/>
+          </a:xfrm>
+          <a:prstGeom prst="rect">
+            <a:avLst/>
+          </a:prstGeom>
+        </p:spPr>
+        <p:txBody>
+          <a:bodyPr wrap="none" rtlCol="0">
+            <a:spAutoFit/>
+          </a:bodyPr>
+          <a:lstStyle/>
+          <a:p>
+            <a:r>
+              <a:rPr lang="en-US"/>
+              <a:t>Key</a:t>
+            </a:r>
+          </a:p>
+        </p:txBody>
+      </p:sp>
+      <p:sp>
+        <p:nvSpPr>
+          <p:cNvPr id="44" name="TextBox 43"/>
+          <p:cNvSpPr txBox="1"/>
+          <p:nvPr/>
+        </p:nvSpPr>
+        <p:spPr>
+          <a:xfrm>
+            <a:off x="1348771" y="1414118"/>
+            <a:ext cx="748923" cy="369332"/>
+          </a:xfrm>
+          <a:prstGeom prst="rect">
+            <a:avLst/>
+          </a:prstGeom>
+        </p:spPr>
+        <p:txBody>
+          <a:bodyPr wrap="none" rtlCol="0">
+            <a:spAutoFit/>
+          </a:bodyPr>
+          <a:lstStyle/>
+          <a:p>
+            <a:r>
+              <a:rPr lang="en-US"/>
+              <a:t>Data</a:t>
+            </a:r>
+          </a:p>
+        </p:txBody>
+      </p:sp>
+      <p:grpSp>
+        <p:nvGrpSpPr>
+          <p:cNvPr id="72" name="Group 71"/>
+          <p:cNvGrpSpPr/>
+          <p:nvPr/>
+        </p:nvGrpSpPr>
+        <p:grpSpPr>
+          <a:xfrm>
+            <a:off x="3598181" y="1753929"/>
+            <a:ext cx="1036330" cy="407773"/>
+            <a:chOff x="931566" y="1442351"/>
+            <a:chExt cx="1036330" cy="407773"/>
+          </a:xfrm>
+        </p:grpSpPr>
+        <p:sp>
+          <p:nvSpPr>
+            <p:cNvPr id="73" name="Rectangle 72"/>
+            <p:cNvSpPr/>
+            <p:nvPr/>
+          </p:nvSpPr>
+          <p:spPr>
+            <a:xfrm>
+              <a:off x="931566" y="1442351"/>
+              <a:ext cx="493405" cy="407773"/>
+            </a:xfrm>
+            <a:prstGeom prst="rect">
+              <a:avLst/>
+            </a:prstGeom>
+          </p:spPr>
+          <p:style>
+            <a:lnRef idx="1">
+              <a:schemeClr val="accent1"/>
+            </a:lnRef>
+            <a:fillRef idx="1">
+              <a:schemeClr val="accent1"/>
+            </a:fillRef>
+            <a:effectRef idx="1">
+              <a:schemeClr val="accent1"/>
+            </a:effectRef>
+            <a:fontRef idx="minor">
+              <a:schemeClr val="lt1"/>
+            </a:fontRef>
+          </p:style>
+          <p:txBody>
+            <a:bodyPr rtlCol="0" anchor="ctr"/>
+            <a:lstStyle/>
+            <a:p>
+              <a:pPr algn="ctr"/>
+              <a:r>
+                <a:rPr lang="en-US" sz="2400" dirty="0"/>
+                <a:t>A</a:t>
+              </a:r>
+            </a:p>
+          </p:txBody>
+        </p:sp>
+        <p:sp>
+          <p:nvSpPr>
+            <p:cNvPr id="74" name="Rectangle 73"/>
+            <p:cNvSpPr/>
+            <p:nvPr/>
+          </p:nvSpPr>
+          <p:spPr>
+            <a:xfrm>
+              <a:off x="1474491" y="1442351"/>
+              <a:ext cx="493405" cy="407773"/>
+            </a:xfrm>
+            <a:prstGeom prst="rect">
+              <a:avLst/>
+            </a:prstGeom>
+          </p:spPr>
+          <p:style>
+            <a:lnRef idx="2">
+              <a:schemeClr val="dk1">
+                <a:shade val="50000"/>
+              </a:schemeClr>
+            </a:lnRef>
+            <a:fillRef idx="1">
+              <a:schemeClr val="dk1"/>
+            </a:fillRef>
+            <a:effectRef idx="0">
+              <a:schemeClr val="dk1"/>
+            </a:effectRef>
+            <a:fontRef idx="minor">
+              <a:schemeClr val="lt1"/>
+            </a:fontRef>
+          </p:style>
+          <p:txBody>
+            <a:bodyPr rtlCol="0" anchor="ctr"/>
+            <a:lstStyle/>
+            <a:p>
+              <a:pPr algn="ctr"/>
+              <a:r>
+                <a:rPr lang="en-US" sz="2400" dirty="0"/>
+                <a:t>3</a:t>
+              </a:r>
+            </a:p>
+          </p:txBody>
+        </p:sp>
+      </p:grpSp>
+      <p:grpSp>
+        <p:nvGrpSpPr>
+          <p:cNvPr id="75" name="Group 74"/>
+          <p:cNvGrpSpPr/>
+          <p:nvPr/>
+        </p:nvGrpSpPr>
+        <p:grpSpPr>
+          <a:xfrm>
+            <a:off x="3598181" y="2233540"/>
+            <a:ext cx="1036330" cy="407773"/>
+            <a:chOff x="931566" y="3042551"/>
+            <a:chExt cx="1036330" cy="407773"/>
+          </a:xfrm>
+        </p:grpSpPr>
+        <p:sp>
+          <p:nvSpPr>
+            <p:cNvPr id="76" name="Rectangle 75"/>
+            <p:cNvSpPr/>
+            <p:nvPr/>
+          </p:nvSpPr>
+          <p:spPr>
+            <a:xfrm>
+              <a:off x="931566" y="3042551"/>
+              <a:ext cx="493405" cy="407773"/>
+            </a:xfrm>
+            <a:prstGeom prst="rect">
+              <a:avLst/>
+            </a:prstGeom>
+          </p:spPr>
+          <p:style>
+            <a:lnRef idx="1">
+              <a:schemeClr val="accent1"/>
+            </a:lnRef>
+            <a:fillRef idx="1">
+              <a:schemeClr val="accent1"/>
+            </a:fillRef>
+            <a:effectRef idx="1">
+              <a:schemeClr val="accent1"/>
+            </a:effectRef>
+            <a:fontRef idx="minor">
+              <a:schemeClr val="lt1"/>
+            </a:fontRef>
+          </p:style>
+          <p:txBody>
+            <a:bodyPr rtlCol="0" anchor="ctr"/>
+            <a:lstStyle/>
+            <a:p>
+              <a:pPr algn="ctr"/>
+              <a:r>
+                <a:rPr lang="en-US" sz="2400" dirty="0"/>
+                <a:t>A</a:t>
+              </a:r>
+            </a:p>
+          </p:txBody>
+        </p:sp>
+        <p:sp>
+          <p:nvSpPr>
+            <p:cNvPr id="77" name="Rectangle 76"/>
+            <p:cNvSpPr/>
+            <p:nvPr/>
+          </p:nvSpPr>
+          <p:spPr>
+            <a:xfrm>
+              <a:off x="1474491" y="3042551"/>
+              <a:ext cx="493405" cy="407773"/>
+            </a:xfrm>
+            <a:prstGeom prst="rect">
+              <a:avLst/>
+            </a:prstGeom>
+          </p:spPr>
+          <p:style>
+            <a:lnRef idx="2">
+              <a:schemeClr val="dk1">
+                <a:shade val="50000"/>
+              </a:schemeClr>
+            </a:lnRef>
+            <a:fillRef idx="1">
+              <a:schemeClr val="dk1"/>
+            </a:fillRef>
+            <a:effectRef idx="0">
+              <a:schemeClr val="dk1"/>
+            </a:effectRef>
+            <a:fontRef idx="minor">
+              <a:schemeClr val="lt1"/>
+            </a:fontRef>
+          </p:style>
+          <p:txBody>
+            <a:bodyPr rtlCol="0" anchor="ctr"/>
+            <a:lstStyle/>
+            <a:p>
+              <a:pPr algn="ctr"/>
+              <a:r>
+                <a:rPr lang="en-US" sz="2400" dirty="0"/>
+                <a:t>1</a:t>
+              </a:r>
+            </a:p>
+          </p:txBody>
+        </p:sp>
+      </p:grpSp>
+      <p:grpSp>
+        <p:nvGrpSpPr>
+          <p:cNvPr id="78" name="Group 77"/>
+          <p:cNvGrpSpPr/>
+          <p:nvPr/>
+        </p:nvGrpSpPr>
+        <p:grpSpPr>
+          <a:xfrm>
+            <a:off x="3598181" y="2713151"/>
+            <a:ext cx="1036330" cy="407773"/>
+            <a:chOff x="931566" y="3042551"/>
+            <a:chExt cx="1036330" cy="407773"/>
+          </a:xfrm>
+        </p:grpSpPr>
+        <p:sp>
+          <p:nvSpPr>
+            <p:cNvPr id="79" name="Rectangle 78"/>
+            <p:cNvSpPr/>
+            <p:nvPr/>
+          </p:nvSpPr>
+          <p:spPr>
+            <a:xfrm>
+              <a:off x="931566" y="3042551"/>
+              <a:ext cx="493405" cy="407773"/>
+            </a:xfrm>
+            <a:prstGeom prst="rect">
+              <a:avLst/>
+            </a:prstGeom>
+          </p:spPr>
+          <p:style>
+            <a:lnRef idx="1">
+              <a:schemeClr val="accent1"/>
+            </a:lnRef>
+            <a:fillRef idx="1">
+              <a:schemeClr val="accent1"/>
+            </a:fillRef>
+            <a:effectRef idx="1">
+              <a:schemeClr val="accent1"/>
+            </a:effectRef>
+            <a:fontRef idx="minor">
+              <a:schemeClr val="lt1"/>
+            </a:fontRef>
+          </p:style>
+          <p:txBody>
+            <a:bodyPr rtlCol="0" anchor="ctr"/>
+            <a:lstStyle/>
+            <a:p>
+              <a:pPr algn="ctr"/>
+              <a:r>
+                <a:rPr lang="en-US" sz="2400" dirty="0"/>
+                <a:t>A</a:t>
+              </a:r>
+            </a:p>
+          </p:txBody>
+        </p:sp>
+        <p:sp>
+          <p:nvSpPr>
+            <p:cNvPr id="80" name="Rectangle 79"/>
+            <p:cNvSpPr/>
+            <p:nvPr/>
+          </p:nvSpPr>
+          <p:spPr>
+            <a:xfrm>
+              <a:off x="1474491" y="3042551"/>
+              <a:ext cx="493405" cy="407773"/>
+            </a:xfrm>
+            <a:prstGeom prst="rect">
+              <a:avLst/>
+            </a:prstGeom>
+          </p:spPr>
+          <p:style>
+            <a:lnRef idx="2">
+              <a:schemeClr val="dk1">
+                <a:shade val="50000"/>
+              </a:schemeClr>
+            </a:lnRef>
+            <a:fillRef idx="1">
+              <a:schemeClr val="dk1"/>
+            </a:fillRef>
+            <a:effectRef idx="0">
+              <a:schemeClr val="dk1"/>
+            </a:effectRef>
+            <a:fontRef idx="minor">
+              <a:schemeClr val="lt1"/>
+            </a:fontRef>
+          </p:style>
+          <p:txBody>
+            <a:bodyPr rtlCol="0" anchor="ctr"/>
+            <a:lstStyle/>
+            <a:p>
+              <a:pPr algn="ctr"/>
+              <a:r>
+                <a:rPr lang="en-US" sz="2400" dirty="0"/>
+                <a:t>2</a:t>
+              </a:r>
+            </a:p>
+          </p:txBody>
+        </p:sp>
+      </p:grpSp>
+      <p:grpSp>
+        <p:nvGrpSpPr>
+          <p:cNvPr id="83" name="Group 82"/>
+          <p:cNvGrpSpPr/>
+          <p:nvPr/>
+        </p:nvGrpSpPr>
+        <p:grpSpPr>
+          <a:xfrm>
+            <a:off x="922041" y="1846263"/>
+            <a:ext cx="1036330" cy="407773"/>
+            <a:chOff x="922041" y="1846263"/>
+            <a:chExt cx="1036330" cy="407773"/>
+          </a:xfrm>
+        </p:grpSpPr>
+        <p:sp>
+          <p:nvSpPr>
+            <p:cNvPr id="84" name="Rectangle 83"/>
+            <p:cNvSpPr/>
+            <p:nvPr/>
+          </p:nvSpPr>
+          <p:spPr>
+            <a:xfrm>
+              <a:off x="922041" y="1846263"/>
+              <a:ext cx="493405" cy="407773"/>
+            </a:xfrm>
+            <a:prstGeom prst="rect">
+              <a:avLst/>
+            </a:prstGeom>
+          </p:spPr>
+          <p:style>
+            <a:lnRef idx="1">
+              <a:schemeClr val="accent1"/>
+            </a:lnRef>
+            <a:fillRef idx="1">
+              <a:schemeClr val="accent1"/>
+            </a:fillRef>
+            <a:effectRef idx="1">
+              <a:schemeClr val="accent1"/>
+            </a:effectRef>
+            <a:fontRef idx="minor">
+              <a:schemeClr val="lt1"/>
+            </a:fontRef>
+          </p:style>
+          <p:txBody>
+            <a:bodyPr rtlCol="0" anchor="ctr"/>
+            <a:lstStyle/>
+            <a:p>
+              <a:pPr algn="ctr"/>
+              <a:r>
+                <a:rPr lang="en-US" sz="2400" dirty="0"/>
+                <a:t>A</a:t>
+              </a:r>
+            </a:p>
+          </p:txBody>
+        </p:sp>
+        <p:sp>
+          <p:nvSpPr>
+            <p:cNvPr id="85" name="Rectangle 84"/>
+            <p:cNvSpPr/>
+            <p:nvPr/>
+          </p:nvSpPr>
+          <p:spPr>
+            <a:xfrm>
+              <a:off x="1464966" y="1846263"/>
+              <a:ext cx="493405" cy="407773"/>
+            </a:xfrm>
+            <a:prstGeom prst="rect">
+              <a:avLst/>
+            </a:prstGeom>
+          </p:spPr>
+          <p:style>
+            <a:lnRef idx="2">
+              <a:schemeClr val="dk1">
+                <a:shade val="50000"/>
+              </a:schemeClr>
+            </a:lnRef>
+            <a:fillRef idx="1">
+              <a:schemeClr val="dk1"/>
+            </a:fillRef>
+            <a:effectRef idx="0">
+              <a:schemeClr val="dk1"/>
+            </a:effectRef>
+            <a:fontRef idx="minor">
+              <a:schemeClr val="lt1"/>
+            </a:fontRef>
+          </p:style>
+          <p:txBody>
+            <a:bodyPr rtlCol="0" anchor="ctr"/>
+            <a:lstStyle/>
+            <a:p>
+              <a:pPr algn="ctr"/>
+              <a:r>
+                <a:rPr lang="en-US" sz="2400" dirty="0"/>
+                <a:t>3</a:t>
+              </a:r>
+            </a:p>
+          </p:txBody>
+        </p:sp>
+      </p:grpSp>
+      <p:grpSp>
+        <p:nvGrpSpPr>
+          <p:cNvPr id="86" name="Group 85"/>
+          <p:cNvGrpSpPr/>
+          <p:nvPr/>
+        </p:nvGrpSpPr>
+        <p:grpSpPr>
+          <a:xfrm>
+            <a:off x="922041" y="2379663"/>
+            <a:ext cx="1036330" cy="407773"/>
+            <a:chOff x="922041" y="2379663"/>
+            <a:chExt cx="1036330" cy="407773"/>
+          </a:xfrm>
+        </p:grpSpPr>
+        <p:sp>
+          <p:nvSpPr>
+            <p:cNvPr id="87" name="Rectangle 86"/>
+            <p:cNvSpPr/>
+            <p:nvPr/>
+          </p:nvSpPr>
+          <p:spPr>
+            <a:xfrm>
+              <a:off x="922041" y="2379663"/>
+              <a:ext cx="493405" cy="407773"/>
+            </a:xfrm>
+            <a:prstGeom prst="rect">
+              <a:avLst/>
+            </a:prstGeom>
+          </p:spPr>
+          <p:style>
+            <a:lnRef idx="1">
+              <a:schemeClr val="accent1"/>
+            </a:lnRef>
+            <a:fillRef idx="1">
+              <a:schemeClr val="accent1"/>
+            </a:fillRef>
+            <a:effectRef idx="1">
+              <a:schemeClr val="accent1"/>
+            </a:effectRef>
+            <a:fontRef idx="minor">
+              <a:schemeClr val="lt1"/>
+            </a:fontRef>
+          </p:style>
+          <p:txBody>
+            <a:bodyPr rtlCol="0" anchor="ctr"/>
+            <a:lstStyle/>
+            <a:p>
+              <a:pPr algn="ctr"/>
+              <a:r>
+                <a:rPr lang="en-US" sz="2400" dirty="0"/>
+                <a:t>B</a:t>
+              </a:r>
+            </a:p>
+          </p:txBody>
+        </p:sp>
+        <p:sp>
+          <p:nvSpPr>
+            <p:cNvPr id="88" name="Rectangle 87"/>
+            <p:cNvSpPr/>
+            <p:nvPr/>
+          </p:nvSpPr>
+          <p:spPr>
+            <a:xfrm>
+              <a:off x="1464966" y="2379663"/>
+              <a:ext cx="493405" cy="407773"/>
+            </a:xfrm>
+            <a:prstGeom prst="rect">
+              <a:avLst/>
+            </a:prstGeom>
+          </p:spPr>
+          <p:style>
+            <a:lnRef idx="2">
+              <a:schemeClr val="dk1">
+                <a:shade val="50000"/>
+              </a:schemeClr>
+            </a:lnRef>
+            <a:fillRef idx="1">
+              <a:schemeClr val="dk1"/>
+            </a:fillRef>
+            <a:effectRef idx="0">
+              <a:schemeClr val="dk1"/>
+            </a:effectRef>
+            <a:fontRef idx="minor">
+              <a:schemeClr val="lt1"/>
+            </a:fontRef>
+          </p:style>
+          <p:txBody>
+            <a:bodyPr rtlCol="0" anchor="ctr"/>
+            <a:lstStyle/>
+            <a:p>
+              <a:pPr algn="ctr"/>
+              <a:r>
+                <a:rPr lang="en-US" sz="2400" dirty="0"/>
+                <a:t>1</a:t>
+              </a:r>
+            </a:p>
+          </p:txBody>
+        </p:sp>
+      </p:grpSp>
+      <p:grpSp>
+        <p:nvGrpSpPr>
+          <p:cNvPr id="89" name="Group 88"/>
+          <p:cNvGrpSpPr/>
+          <p:nvPr/>
+        </p:nvGrpSpPr>
+        <p:grpSpPr>
+          <a:xfrm>
+            <a:off x="922041" y="2913063"/>
+            <a:ext cx="1036330" cy="407773"/>
+            <a:chOff x="922041" y="2913063"/>
+            <a:chExt cx="1036330" cy="407773"/>
+          </a:xfrm>
+        </p:grpSpPr>
+        <p:sp>
+          <p:nvSpPr>
+            <p:cNvPr id="90" name="Rectangle 89"/>
+            <p:cNvSpPr/>
+            <p:nvPr/>
+          </p:nvSpPr>
+          <p:spPr>
+            <a:xfrm>
+              <a:off x="922041" y="2913063"/>
+              <a:ext cx="493405" cy="407773"/>
+            </a:xfrm>
+            <a:prstGeom prst="rect">
+              <a:avLst/>
+            </a:prstGeom>
+          </p:spPr>
+          <p:style>
+            <a:lnRef idx="1">
+              <a:schemeClr val="accent1"/>
+            </a:lnRef>
+            <a:fillRef idx="1">
+              <a:schemeClr val="accent1"/>
+            </a:fillRef>
+            <a:effectRef idx="1">
+              <a:schemeClr val="accent1"/>
+            </a:effectRef>
+            <a:fontRef idx="minor">
+              <a:schemeClr val="lt1"/>
+            </a:fontRef>
+          </p:style>
+          <p:txBody>
+            <a:bodyPr rtlCol="0" anchor="ctr"/>
+            <a:lstStyle/>
+            <a:p>
+              <a:pPr algn="ctr"/>
+              <a:r>
+                <a:rPr lang="en-US" sz="2400" dirty="0"/>
+                <a:t>C</a:t>
+              </a:r>
+            </a:p>
+          </p:txBody>
+        </p:sp>
+        <p:sp>
+          <p:nvSpPr>
+            <p:cNvPr id="91" name="Rectangle 90"/>
+            <p:cNvSpPr/>
+            <p:nvPr/>
+          </p:nvSpPr>
+          <p:spPr>
+            <a:xfrm>
+              <a:off x="1464966" y="2913063"/>
+              <a:ext cx="493405" cy="407773"/>
+            </a:xfrm>
+            <a:prstGeom prst="rect">
+              <a:avLst/>
+            </a:prstGeom>
+          </p:spPr>
+          <p:style>
+            <a:lnRef idx="2">
+              <a:schemeClr val="dk1">
+                <a:shade val="50000"/>
+              </a:schemeClr>
+            </a:lnRef>
+            <a:fillRef idx="1">
+              <a:schemeClr val="dk1"/>
+            </a:fillRef>
+            <a:effectRef idx="0">
+              <a:schemeClr val="dk1"/>
+            </a:effectRef>
+            <a:fontRef idx="minor">
+              <a:schemeClr val="lt1"/>
+            </a:fontRef>
+          </p:style>
+          <p:txBody>
+            <a:bodyPr rtlCol="0" anchor="ctr"/>
+            <a:lstStyle/>
+            <a:p>
+              <a:pPr algn="ctr"/>
+              <a:r>
+                <a:rPr lang="en-US" sz="2400" dirty="0"/>
+                <a:t>4</a:t>
+              </a:r>
+            </a:p>
+          </p:txBody>
+        </p:sp>
+      </p:grpSp>
+      <p:grpSp>
+        <p:nvGrpSpPr>
+          <p:cNvPr id="92" name="Group 91"/>
+          <p:cNvGrpSpPr/>
+          <p:nvPr/>
+        </p:nvGrpSpPr>
+        <p:grpSpPr>
+          <a:xfrm>
+            <a:off x="922041" y="3446463"/>
+            <a:ext cx="1036330" cy="407773"/>
+            <a:chOff x="922041" y="3446463"/>
+            <a:chExt cx="1036330" cy="407773"/>
+          </a:xfrm>
+        </p:grpSpPr>
+        <p:sp>
+          <p:nvSpPr>
+            <p:cNvPr id="93" name="Rectangle 92"/>
+            <p:cNvSpPr/>
+            <p:nvPr/>
+          </p:nvSpPr>
+          <p:spPr>
+            <a:xfrm>
+              <a:off x="922041" y="3446463"/>
+              <a:ext cx="493405" cy="407773"/>
+            </a:xfrm>
+            <a:prstGeom prst="rect">
+              <a:avLst/>
+            </a:prstGeom>
+          </p:spPr>
+          <p:style>
+            <a:lnRef idx="1">
+              <a:schemeClr val="accent1"/>
+            </a:lnRef>
+            <a:fillRef idx="1">
+              <a:schemeClr val="accent1"/>
+            </a:fillRef>
+            <a:effectRef idx="1">
+              <a:schemeClr val="accent1"/>
+            </a:effectRef>
+            <a:fontRef idx="minor">
+              <a:schemeClr val="lt1"/>
+            </a:fontRef>
+          </p:style>
+          <p:txBody>
+            <a:bodyPr rtlCol="0" anchor="ctr"/>
+            <a:lstStyle/>
+            <a:p>
+              <a:pPr algn="ctr"/>
+              <a:r>
+                <a:rPr lang="en-US" sz="2400" dirty="0"/>
+                <a:t>A</a:t>
+              </a:r>
+            </a:p>
+          </p:txBody>
+        </p:sp>
+        <p:sp>
+          <p:nvSpPr>
+            <p:cNvPr id="94" name="Rectangle 93"/>
+            <p:cNvSpPr/>
+            <p:nvPr/>
+          </p:nvSpPr>
+          <p:spPr>
+            <a:xfrm>
+              <a:off x="1464966" y="3446463"/>
+              <a:ext cx="493405" cy="407773"/>
+            </a:xfrm>
+            <a:prstGeom prst="rect">
+              <a:avLst/>
+            </a:prstGeom>
+          </p:spPr>
+          <p:style>
+            <a:lnRef idx="2">
+              <a:schemeClr val="dk1">
+                <a:shade val="50000"/>
+              </a:schemeClr>
+            </a:lnRef>
+            <a:fillRef idx="1">
+              <a:schemeClr val="dk1"/>
+            </a:fillRef>
+            <a:effectRef idx="0">
+              <a:schemeClr val="dk1"/>
+            </a:effectRef>
+            <a:fontRef idx="minor">
+              <a:schemeClr val="lt1"/>
+            </a:fontRef>
+          </p:style>
+          <p:txBody>
+            <a:bodyPr rtlCol="0" anchor="ctr"/>
+            <a:lstStyle/>
+            <a:p>
+              <a:pPr algn="ctr"/>
+              <a:r>
+                <a:rPr lang="en-US" sz="2400" dirty="0"/>
+                <a:t>1</a:t>
+              </a:r>
+            </a:p>
+          </p:txBody>
+        </p:sp>
+      </p:grpSp>
+      <p:grpSp>
+        <p:nvGrpSpPr>
+          <p:cNvPr id="95" name="Group 94"/>
+          <p:cNvGrpSpPr/>
+          <p:nvPr/>
+        </p:nvGrpSpPr>
+        <p:grpSpPr>
+          <a:xfrm>
+            <a:off x="922041" y="3979863"/>
+            <a:ext cx="1036330" cy="407773"/>
+            <a:chOff x="922041" y="3979863"/>
+            <a:chExt cx="1036330" cy="407773"/>
+          </a:xfrm>
+        </p:grpSpPr>
+        <p:sp>
+          <p:nvSpPr>
+            <p:cNvPr id="96" name="Rectangle 95"/>
+            <p:cNvSpPr/>
+            <p:nvPr/>
+          </p:nvSpPr>
+          <p:spPr>
+            <a:xfrm>
+              <a:off x="922041" y="3979863"/>
+              <a:ext cx="493405" cy="407773"/>
+            </a:xfrm>
+            <a:prstGeom prst="rect">
+              <a:avLst/>
+            </a:prstGeom>
+          </p:spPr>
+          <p:style>
+            <a:lnRef idx="1">
+              <a:schemeClr val="accent1"/>
+            </a:lnRef>
+            <a:fillRef idx="1">
+              <a:schemeClr val="accent1"/>
+            </a:fillRef>
+            <a:effectRef idx="1">
+              <a:schemeClr val="accent1"/>
+            </a:effectRef>
+            <a:fontRef idx="minor">
+              <a:schemeClr val="lt1"/>
+            </a:fontRef>
+          </p:style>
+          <p:txBody>
+            <a:bodyPr rtlCol="0" anchor="ctr"/>
+            <a:lstStyle/>
+            <a:p>
+              <a:pPr algn="ctr"/>
+              <a:r>
+                <a:rPr lang="en-US" sz="2400" dirty="0"/>
+                <a:t>B</a:t>
+              </a:r>
+            </a:p>
+          </p:txBody>
+        </p:sp>
+        <p:sp>
+          <p:nvSpPr>
+            <p:cNvPr id="97" name="Rectangle 96"/>
+            <p:cNvSpPr/>
+            <p:nvPr/>
+          </p:nvSpPr>
+          <p:spPr>
+            <a:xfrm>
+              <a:off x="1464966" y="3979863"/>
+              <a:ext cx="493405" cy="407773"/>
+            </a:xfrm>
+            <a:prstGeom prst="rect">
+              <a:avLst/>
+            </a:prstGeom>
+          </p:spPr>
+          <p:style>
+            <a:lnRef idx="2">
+              <a:schemeClr val="dk1">
+                <a:shade val="50000"/>
+              </a:schemeClr>
+            </a:lnRef>
+            <a:fillRef idx="1">
+              <a:schemeClr val="dk1"/>
+            </a:fillRef>
+            <a:effectRef idx="0">
+              <a:schemeClr val="dk1"/>
+            </a:effectRef>
+            <a:fontRef idx="minor">
+              <a:schemeClr val="lt1"/>
+            </a:fontRef>
+          </p:style>
+          <p:txBody>
+            <a:bodyPr rtlCol="0" anchor="ctr"/>
+            <a:lstStyle/>
+            <a:p>
+              <a:pPr algn="ctr"/>
+              <a:r>
+                <a:rPr lang="en-US" sz="2400" dirty="0"/>
+                <a:t>5</a:t>
+              </a:r>
+            </a:p>
+          </p:txBody>
+        </p:sp>
+      </p:grpSp>
+      <p:grpSp>
+        <p:nvGrpSpPr>
+          <p:cNvPr id="98" name="Group 97"/>
+          <p:cNvGrpSpPr/>
+          <p:nvPr/>
+        </p:nvGrpSpPr>
+        <p:grpSpPr>
+          <a:xfrm>
+            <a:off x="922041" y="4513263"/>
+            <a:ext cx="1036330" cy="407773"/>
+            <a:chOff x="922041" y="4513263"/>
+            <a:chExt cx="1036330" cy="407773"/>
+          </a:xfrm>
+        </p:grpSpPr>
+        <p:sp>
+          <p:nvSpPr>
+            <p:cNvPr id="99" name="Rectangle 98"/>
+            <p:cNvSpPr/>
+            <p:nvPr/>
+          </p:nvSpPr>
+          <p:spPr>
+            <a:xfrm>
+              <a:off x="922041" y="4513263"/>
+              <a:ext cx="493405" cy="407773"/>
+            </a:xfrm>
+            <a:prstGeom prst="rect">
+              <a:avLst/>
+            </a:prstGeom>
+          </p:spPr>
+          <p:style>
+            <a:lnRef idx="1">
+              <a:schemeClr val="accent1"/>
+            </a:lnRef>
+            <a:fillRef idx="1">
+              <a:schemeClr val="accent1"/>
+            </a:fillRef>
+            <a:effectRef idx="1">
+              <a:schemeClr val="accent1"/>
+            </a:effectRef>
+            <a:fontRef idx="minor">
+              <a:schemeClr val="lt1"/>
+            </a:fontRef>
+          </p:style>
+          <p:txBody>
+            <a:bodyPr rtlCol="0" anchor="ctr"/>
+            <a:lstStyle/>
+            <a:p>
+              <a:pPr algn="ctr"/>
+              <a:r>
+                <a:rPr lang="en-US" sz="2400" dirty="0"/>
+                <a:t>C</a:t>
+              </a:r>
+            </a:p>
+          </p:txBody>
+        </p:sp>
+        <p:sp>
+          <p:nvSpPr>
+            <p:cNvPr id="100" name="Rectangle 99"/>
+            <p:cNvSpPr/>
+            <p:nvPr/>
+          </p:nvSpPr>
+          <p:spPr>
+            <a:xfrm>
+              <a:off x="1464966" y="4513263"/>
+              <a:ext cx="493405" cy="407773"/>
+            </a:xfrm>
+            <a:prstGeom prst="rect">
+              <a:avLst/>
+            </a:prstGeom>
+          </p:spPr>
+          <p:style>
+            <a:lnRef idx="2">
+              <a:schemeClr val="dk1">
+                <a:shade val="50000"/>
+              </a:schemeClr>
+            </a:lnRef>
+            <a:fillRef idx="1">
+              <a:schemeClr val="dk1"/>
+            </a:fillRef>
+            <a:effectRef idx="0">
+              <a:schemeClr val="dk1"/>
+            </a:effectRef>
+            <a:fontRef idx="minor">
+              <a:schemeClr val="lt1"/>
+            </a:fontRef>
+          </p:style>
+          <p:txBody>
+            <a:bodyPr rtlCol="0" anchor="ctr"/>
+            <a:lstStyle/>
+            <a:p>
+              <a:pPr algn="ctr"/>
+              <a:r>
+                <a:rPr lang="en-US" sz="2400" dirty="0"/>
+                <a:t>9</a:t>
+              </a:r>
+            </a:p>
+          </p:txBody>
+        </p:sp>
+      </p:grpSp>
+      <p:grpSp>
+        <p:nvGrpSpPr>
+          <p:cNvPr id="101" name="Group 100"/>
+          <p:cNvGrpSpPr/>
+          <p:nvPr/>
+        </p:nvGrpSpPr>
+        <p:grpSpPr>
+          <a:xfrm>
+            <a:off x="922041" y="5580063"/>
+            <a:ext cx="1036330" cy="407773"/>
+            <a:chOff x="922041" y="5580063"/>
+            <a:chExt cx="1036330" cy="407773"/>
+          </a:xfrm>
+        </p:grpSpPr>
+        <p:sp>
+          <p:nvSpPr>
+            <p:cNvPr id="102" name="Rectangle 101"/>
+            <p:cNvSpPr/>
+            <p:nvPr/>
+          </p:nvSpPr>
+          <p:spPr>
+            <a:xfrm>
+              <a:off x="922041" y="5580063"/>
+              <a:ext cx="493405" cy="407773"/>
+            </a:xfrm>
+            <a:prstGeom prst="rect">
+              <a:avLst/>
+            </a:prstGeom>
+          </p:spPr>
+          <p:style>
+            <a:lnRef idx="1">
+              <a:schemeClr val="accent1"/>
+            </a:lnRef>
+            <a:fillRef idx="1">
+              <a:schemeClr val="accent1"/>
+            </a:fillRef>
+            <a:effectRef idx="1">
+              <a:schemeClr val="accent1"/>
+            </a:effectRef>
+            <a:fontRef idx="minor">
+              <a:schemeClr val="lt1"/>
+            </a:fontRef>
+          </p:style>
+          <p:txBody>
+            <a:bodyPr rtlCol="0" anchor="ctr"/>
+            <a:lstStyle/>
+            <a:p>
+              <a:pPr algn="ctr"/>
+              <a:r>
+                <a:rPr lang="en-US" sz="2400" dirty="0"/>
+                <a:t>B</a:t>
+              </a:r>
+            </a:p>
+          </p:txBody>
+        </p:sp>
+        <p:sp>
+          <p:nvSpPr>
+            <p:cNvPr id="103" name="Rectangle 102"/>
+            <p:cNvSpPr/>
+            <p:nvPr/>
+          </p:nvSpPr>
+          <p:spPr>
+            <a:xfrm>
+              <a:off x="1464966" y="5580063"/>
+              <a:ext cx="493405" cy="407773"/>
+            </a:xfrm>
+            <a:prstGeom prst="rect">
+              <a:avLst/>
+            </a:prstGeom>
+          </p:spPr>
+          <p:style>
+            <a:lnRef idx="2">
+              <a:schemeClr val="dk1">
+                <a:shade val="50000"/>
+              </a:schemeClr>
+            </a:lnRef>
+            <a:fillRef idx="1">
+              <a:schemeClr val="dk1"/>
+            </a:fillRef>
+            <a:effectRef idx="0">
+              <a:schemeClr val="dk1"/>
+            </a:effectRef>
+            <a:fontRef idx="minor">
+              <a:schemeClr val="lt1"/>
+            </a:fontRef>
+          </p:style>
+          <p:txBody>
+            <a:bodyPr rtlCol="0" anchor="ctr"/>
+            <a:lstStyle/>
+            <a:p>
+              <a:pPr algn="ctr"/>
+              <a:r>
+                <a:rPr lang="en-US" sz="2400" dirty="0"/>
+                <a:t>6</a:t>
+              </a:r>
+            </a:p>
+          </p:txBody>
+        </p:sp>
+      </p:grpSp>
+      <p:grpSp>
+        <p:nvGrpSpPr>
+          <p:cNvPr id="104" name="Group 103"/>
+          <p:cNvGrpSpPr/>
+          <p:nvPr/>
+        </p:nvGrpSpPr>
+        <p:grpSpPr>
+          <a:xfrm>
+            <a:off x="922041" y="6113463"/>
+            <a:ext cx="1036330" cy="407773"/>
+            <a:chOff x="922041" y="6113463"/>
+            <a:chExt cx="1036330" cy="407773"/>
+          </a:xfrm>
+        </p:grpSpPr>
+        <p:sp>
+          <p:nvSpPr>
+            <p:cNvPr id="105" name="Rectangle 104"/>
+            <p:cNvSpPr/>
+            <p:nvPr/>
+          </p:nvSpPr>
+          <p:spPr>
+            <a:xfrm>
+              <a:off x="922041" y="6113463"/>
+              <a:ext cx="493405" cy="407773"/>
+            </a:xfrm>
+            <a:prstGeom prst="rect">
+              <a:avLst/>
+            </a:prstGeom>
+          </p:spPr>
+          <p:style>
+            <a:lnRef idx="1">
+              <a:schemeClr val="accent1"/>
+            </a:lnRef>
+            <a:fillRef idx="1">
+              <a:schemeClr val="accent1"/>
+            </a:fillRef>
+            <a:effectRef idx="1">
+              <a:schemeClr val="accent1"/>
+            </a:effectRef>
+            <a:fontRef idx="minor">
+              <a:schemeClr val="lt1"/>
+            </a:fontRef>
+          </p:style>
+          <p:txBody>
+            <a:bodyPr rtlCol="0" anchor="ctr"/>
+            <a:lstStyle/>
+            <a:p>
+              <a:pPr algn="ctr"/>
+              <a:r>
+                <a:rPr lang="en-US" sz="2400" dirty="0"/>
+                <a:t>C</a:t>
+              </a:r>
+            </a:p>
+          </p:txBody>
+        </p:sp>
+        <p:sp>
+          <p:nvSpPr>
+            <p:cNvPr id="106" name="Rectangle 105"/>
+            <p:cNvSpPr/>
+            <p:nvPr/>
+          </p:nvSpPr>
+          <p:spPr>
+            <a:xfrm>
+              <a:off x="1464966" y="6113463"/>
+              <a:ext cx="493405" cy="407773"/>
+            </a:xfrm>
+            <a:prstGeom prst="rect">
+              <a:avLst/>
+            </a:prstGeom>
+          </p:spPr>
+          <p:style>
+            <a:lnRef idx="2">
+              <a:schemeClr val="dk1">
+                <a:shade val="50000"/>
+              </a:schemeClr>
+            </a:lnRef>
+            <a:fillRef idx="1">
+              <a:schemeClr val="dk1"/>
+            </a:fillRef>
+            <a:effectRef idx="0">
+              <a:schemeClr val="dk1"/>
+            </a:effectRef>
+            <a:fontRef idx="minor">
+              <a:schemeClr val="lt1"/>
+            </a:fontRef>
+          </p:style>
+          <p:txBody>
+            <a:bodyPr rtlCol="0" anchor="ctr"/>
+            <a:lstStyle/>
+            <a:p>
+              <a:pPr algn="ctr"/>
+              <a:r>
+                <a:rPr lang="en-US" sz="2400" dirty="0"/>
+                <a:t>5</a:t>
+              </a:r>
+            </a:p>
+          </p:txBody>
+        </p:sp>
+      </p:grpSp>
+      <p:grpSp>
+        <p:nvGrpSpPr>
+          <p:cNvPr id="107" name="Group 106"/>
+          <p:cNvGrpSpPr/>
+          <p:nvPr/>
+        </p:nvGrpSpPr>
+        <p:grpSpPr>
+          <a:xfrm>
+            <a:off x="922041" y="5046663"/>
+            <a:ext cx="1036330" cy="407773"/>
+            <a:chOff x="922041" y="5046663"/>
+            <a:chExt cx="1036330" cy="407773"/>
+          </a:xfrm>
+        </p:grpSpPr>
+        <p:sp>
+          <p:nvSpPr>
+            <p:cNvPr id="108" name="Rectangle 107"/>
+            <p:cNvSpPr/>
+            <p:nvPr/>
+          </p:nvSpPr>
+          <p:spPr>
+            <a:xfrm>
+              <a:off x="922041" y="5046663"/>
+              <a:ext cx="493405" cy="407773"/>
+            </a:xfrm>
+            <a:prstGeom prst="rect">
+              <a:avLst/>
+            </a:prstGeom>
+          </p:spPr>
+          <p:style>
+            <a:lnRef idx="1">
+              <a:schemeClr val="accent1"/>
+            </a:lnRef>
+            <a:fillRef idx="1">
+              <a:schemeClr val="accent1"/>
+            </a:fillRef>
+            <a:effectRef idx="1">
+              <a:schemeClr val="accent1"/>
+            </a:effectRef>
+            <a:fontRef idx="minor">
+              <a:schemeClr val="lt1"/>
+            </a:fontRef>
+          </p:style>
+          <p:txBody>
+            <a:bodyPr rtlCol="0" anchor="ctr"/>
+            <a:lstStyle/>
+            <a:p>
+              <a:pPr algn="ctr"/>
+              <a:r>
+                <a:rPr lang="en-US" sz="2400" dirty="0"/>
+                <a:t>A</a:t>
+              </a:r>
+            </a:p>
+          </p:txBody>
+        </p:sp>
+        <p:sp>
+          <p:nvSpPr>
+            <p:cNvPr id="109" name="Rectangle 108"/>
+            <p:cNvSpPr/>
+            <p:nvPr/>
+          </p:nvSpPr>
+          <p:spPr>
+            <a:xfrm>
+              <a:off x="1464966" y="5046663"/>
+              <a:ext cx="493405" cy="407773"/>
+            </a:xfrm>
+            <a:prstGeom prst="rect">
+              <a:avLst/>
+            </a:prstGeom>
+          </p:spPr>
+          <p:style>
+            <a:lnRef idx="2">
+              <a:schemeClr val="dk1">
+                <a:shade val="50000"/>
+              </a:schemeClr>
+            </a:lnRef>
+            <a:fillRef idx="1">
+              <a:schemeClr val="dk1"/>
+            </a:fillRef>
+            <a:effectRef idx="0">
+              <a:schemeClr val="dk1"/>
+            </a:effectRef>
+            <a:fontRef idx="minor">
+              <a:schemeClr val="lt1"/>
+            </a:fontRef>
+          </p:style>
+          <p:txBody>
+            <a:bodyPr rtlCol="0" anchor="ctr"/>
+            <a:lstStyle/>
+            <a:p>
+              <a:pPr algn="ctr"/>
+              <a:r>
+                <a:rPr lang="en-US" sz="2400" dirty="0"/>
+                <a:t>2</a:t>
+              </a:r>
+            </a:p>
+          </p:txBody>
+        </p:sp>
+      </p:grpSp>
+      <p:grpSp>
+        <p:nvGrpSpPr>
+          <p:cNvPr id="113" name="Group 112"/>
+          <p:cNvGrpSpPr/>
+          <p:nvPr/>
+        </p:nvGrpSpPr>
+        <p:grpSpPr>
+          <a:xfrm>
+            <a:off x="3598181" y="3496577"/>
+            <a:ext cx="1036330" cy="407773"/>
+            <a:chOff x="922041" y="2379663"/>
+            <a:chExt cx="1036330" cy="407773"/>
+          </a:xfrm>
+        </p:grpSpPr>
+        <p:sp>
+          <p:nvSpPr>
+            <p:cNvPr id="114" name="Rectangle 113"/>
+            <p:cNvSpPr/>
+            <p:nvPr/>
+          </p:nvSpPr>
+          <p:spPr>
+            <a:xfrm>
+              <a:off x="922041" y="2379663"/>
+              <a:ext cx="493405" cy="407773"/>
+            </a:xfrm>
+            <a:prstGeom prst="rect">
+              <a:avLst/>
+            </a:prstGeom>
+          </p:spPr>
+          <p:style>
+            <a:lnRef idx="1">
+              <a:schemeClr val="accent1"/>
+            </a:lnRef>
+            <a:fillRef idx="1">
+              <a:schemeClr val="accent1"/>
+            </a:fillRef>
+            <a:effectRef idx="1">
+              <a:schemeClr val="accent1"/>
+            </a:effectRef>
+            <a:fontRef idx="minor">
+              <a:schemeClr val="lt1"/>
+            </a:fontRef>
+          </p:style>
+          <p:txBody>
+            <a:bodyPr rtlCol="0" anchor="ctr"/>
+            <a:lstStyle/>
+            <a:p>
+              <a:pPr algn="ctr"/>
+              <a:r>
+                <a:rPr lang="en-US" sz="2400" dirty="0"/>
+                <a:t>B</a:t>
+              </a:r>
+            </a:p>
+          </p:txBody>
+        </p:sp>
+        <p:sp>
+          <p:nvSpPr>
+            <p:cNvPr id="115" name="Rectangle 114"/>
+            <p:cNvSpPr/>
+            <p:nvPr/>
+          </p:nvSpPr>
+          <p:spPr>
+            <a:xfrm>
+              <a:off x="1464966" y="2379663"/>
+              <a:ext cx="493405" cy="407773"/>
+            </a:xfrm>
+            <a:prstGeom prst="rect">
+              <a:avLst/>
+            </a:prstGeom>
+          </p:spPr>
+          <p:style>
+            <a:lnRef idx="2">
+              <a:schemeClr val="dk1">
+                <a:shade val="50000"/>
+              </a:schemeClr>
+            </a:lnRef>
+            <a:fillRef idx="1">
+              <a:schemeClr val="dk1"/>
+            </a:fillRef>
+            <a:effectRef idx="0">
+              <a:schemeClr val="dk1"/>
+            </a:effectRef>
+            <a:fontRef idx="minor">
+              <a:schemeClr val="lt1"/>
+            </a:fontRef>
+          </p:style>
+          <p:txBody>
+            <a:bodyPr rtlCol="0" anchor="ctr"/>
+            <a:lstStyle/>
+            <a:p>
+              <a:pPr algn="ctr"/>
+              <a:r>
+                <a:rPr lang="en-US" sz="2400" dirty="0"/>
+                <a:t>1</a:t>
+              </a:r>
+            </a:p>
+          </p:txBody>
+        </p:sp>
+      </p:grpSp>
+      <p:grpSp>
+        <p:nvGrpSpPr>
+          <p:cNvPr id="116" name="Group 115"/>
+          <p:cNvGrpSpPr/>
+          <p:nvPr/>
+        </p:nvGrpSpPr>
+        <p:grpSpPr>
+          <a:xfrm>
+            <a:off x="3601516" y="5250549"/>
+            <a:ext cx="1036330" cy="407773"/>
+            <a:chOff x="922041" y="2913063"/>
+            <a:chExt cx="1036330" cy="407773"/>
+          </a:xfrm>
+        </p:grpSpPr>
+        <p:sp>
+          <p:nvSpPr>
+            <p:cNvPr id="117" name="Rectangle 116"/>
+            <p:cNvSpPr/>
+            <p:nvPr/>
+          </p:nvSpPr>
+          <p:spPr>
+            <a:xfrm>
+              <a:off x="922041" y="2913063"/>
+              <a:ext cx="493405" cy="407773"/>
+            </a:xfrm>
+            <a:prstGeom prst="rect">
+              <a:avLst/>
+            </a:prstGeom>
+          </p:spPr>
+          <p:style>
+            <a:lnRef idx="1">
+              <a:schemeClr val="accent1"/>
+            </a:lnRef>
+            <a:fillRef idx="1">
+              <a:schemeClr val="accent1"/>
+            </a:fillRef>
+            <a:effectRef idx="1">
+              <a:schemeClr val="accent1"/>
+            </a:effectRef>
+            <a:fontRef idx="minor">
+              <a:schemeClr val="lt1"/>
+            </a:fontRef>
+          </p:style>
+          <p:txBody>
+            <a:bodyPr rtlCol="0" anchor="ctr"/>
+            <a:lstStyle/>
+            <a:p>
+              <a:pPr algn="ctr"/>
+              <a:r>
+                <a:rPr lang="en-US" sz="2400" dirty="0"/>
+                <a:t>C</a:t>
+              </a:r>
+            </a:p>
+          </p:txBody>
+        </p:sp>
+        <p:sp>
+          <p:nvSpPr>
+            <p:cNvPr id="118" name="Rectangle 117"/>
+            <p:cNvSpPr/>
+            <p:nvPr/>
+          </p:nvSpPr>
+          <p:spPr>
+            <a:xfrm>
+              <a:off x="1464966" y="2913063"/>
+              <a:ext cx="493405" cy="407773"/>
+            </a:xfrm>
+            <a:prstGeom prst="rect">
+              <a:avLst/>
+            </a:prstGeom>
+          </p:spPr>
+          <p:style>
+            <a:lnRef idx="2">
+              <a:schemeClr val="dk1">
+                <a:shade val="50000"/>
+              </a:schemeClr>
+            </a:lnRef>
+            <a:fillRef idx="1">
+              <a:schemeClr val="dk1"/>
+            </a:fillRef>
+            <a:effectRef idx="0">
+              <a:schemeClr val="dk1"/>
+            </a:effectRef>
+            <a:fontRef idx="minor">
+              <a:schemeClr val="lt1"/>
+            </a:fontRef>
+          </p:style>
+          <p:txBody>
+            <a:bodyPr rtlCol="0" anchor="ctr"/>
+            <a:lstStyle/>
+            <a:p>
+              <a:pPr algn="ctr"/>
+              <a:r>
+                <a:rPr lang="en-US" sz="2400" dirty="0"/>
+                <a:t>4</a:t>
+              </a:r>
+            </a:p>
+          </p:txBody>
+        </p:sp>
+      </p:grpSp>
+      <p:grpSp>
+        <p:nvGrpSpPr>
+          <p:cNvPr id="122" name="Group 121"/>
+          <p:cNvGrpSpPr/>
+          <p:nvPr/>
+        </p:nvGrpSpPr>
+        <p:grpSpPr>
+          <a:xfrm>
+            <a:off x="3598181" y="3981850"/>
+            <a:ext cx="1036330" cy="407773"/>
+            <a:chOff x="922041" y="3979863"/>
+            <a:chExt cx="1036330" cy="407773"/>
+          </a:xfrm>
+        </p:grpSpPr>
+        <p:sp>
+          <p:nvSpPr>
+            <p:cNvPr id="123" name="Rectangle 122"/>
+            <p:cNvSpPr/>
+            <p:nvPr/>
+          </p:nvSpPr>
+          <p:spPr>
+            <a:xfrm>
+              <a:off x="922041" y="3979863"/>
+              <a:ext cx="493405" cy="407773"/>
+            </a:xfrm>
+            <a:prstGeom prst="rect">
+              <a:avLst/>
+            </a:prstGeom>
+          </p:spPr>
+          <p:style>
+            <a:lnRef idx="1">
+              <a:schemeClr val="accent1"/>
+            </a:lnRef>
+            <a:fillRef idx="1">
+              <a:schemeClr val="accent1"/>
+            </a:fillRef>
+            <a:effectRef idx="1">
+              <a:schemeClr val="accent1"/>
+            </a:effectRef>
+            <a:fontRef idx="minor">
+              <a:schemeClr val="lt1"/>
+            </a:fontRef>
+          </p:style>
+          <p:txBody>
+            <a:bodyPr rtlCol="0" anchor="ctr"/>
+            <a:lstStyle/>
+            <a:p>
+              <a:pPr algn="ctr"/>
+              <a:r>
+                <a:rPr lang="en-US" sz="2400" dirty="0"/>
+                <a:t>B</a:t>
+              </a:r>
+            </a:p>
+          </p:txBody>
+        </p:sp>
+        <p:sp>
+          <p:nvSpPr>
+            <p:cNvPr id="124" name="Rectangle 123"/>
+            <p:cNvSpPr/>
+            <p:nvPr/>
+          </p:nvSpPr>
+          <p:spPr>
+            <a:xfrm>
+              <a:off x="1464966" y="3979863"/>
+              <a:ext cx="493405" cy="407773"/>
+            </a:xfrm>
+            <a:prstGeom prst="rect">
+              <a:avLst/>
+            </a:prstGeom>
+          </p:spPr>
+          <p:style>
+            <a:lnRef idx="2">
+              <a:schemeClr val="dk1">
+                <a:shade val="50000"/>
+              </a:schemeClr>
+            </a:lnRef>
+            <a:fillRef idx="1">
+              <a:schemeClr val="dk1"/>
+            </a:fillRef>
+            <a:effectRef idx="0">
+              <a:schemeClr val="dk1"/>
+            </a:effectRef>
+            <a:fontRef idx="minor">
+              <a:schemeClr val="lt1"/>
+            </a:fontRef>
+          </p:style>
+          <p:txBody>
+            <a:bodyPr rtlCol="0" anchor="ctr"/>
+            <a:lstStyle/>
+            <a:p>
+              <a:pPr algn="ctr"/>
+              <a:r>
+                <a:rPr lang="en-US" sz="2400" dirty="0"/>
+                <a:t>5</a:t>
+              </a:r>
+            </a:p>
+          </p:txBody>
+        </p:sp>
+      </p:grpSp>
+      <p:grpSp>
+        <p:nvGrpSpPr>
+          <p:cNvPr id="125" name="Group 124"/>
+          <p:cNvGrpSpPr/>
+          <p:nvPr/>
+        </p:nvGrpSpPr>
+        <p:grpSpPr>
+          <a:xfrm>
+            <a:off x="3598181" y="5718204"/>
+            <a:ext cx="1036330" cy="407773"/>
+            <a:chOff x="922041" y="4513263"/>
+            <a:chExt cx="1036330" cy="407773"/>
+          </a:xfrm>
+        </p:grpSpPr>
+        <p:sp>
+          <p:nvSpPr>
+            <p:cNvPr id="126" name="Rectangle 125"/>
+            <p:cNvSpPr/>
+            <p:nvPr/>
+          </p:nvSpPr>
+          <p:spPr>
+            <a:xfrm>
+              <a:off x="922041" y="4513263"/>
+              <a:ext cx="493405" cy="407773"/>
+            </a:xfrm>
+            <a:prstGeom prst="rect">
+              <a:avLst/>
+            </a:prstGeom>
+          </p:spPr>
+          <p:style>
+            <a:lnRef idx="1">
+              <a:schemeClr val="accent1"/>
+            </a:lnRef>
+            <a:fillRef idx="1">
+              <a:schemeClr val="accent1"/>
+            </a:fillRef>
+            <a:effectRef idx="1">
+              <a:schemeClr val="accent1"/>
+            </a:effectRef>
+            <a:fontRef idx="minor">
+              <a:schemeClr val="lt1"/>
+            </a:fontRef>
+          </p:style>
+          <p:txBody>
+            <a:bodyPr rtlCol="0" anchor="ctr"/>
+            <a:lstStyle/>
+            <a:p>
+              <a:pPr algn="ctr"/>
+              <a:r>
+                <a:rPr lang="en-US" sz="2400" dirty="0"/>
+                <a:t>C</a:t>
+              </a:r>
+            </a:p>
+          </p:txBody>
+        </p:sp>
+        <p:sp>
+          <p:nvSpPr>
+            <p:cNvPr id="127" name="Rectangle 126"/>
+            <p:cNvSpPr/>
+            <p:nvPr/>
+          </p:nvSpPr>
+          <p:spPr>
+            <a:xfrm>
+              <a:off x="1464966" y="4513263"/>
+              <a:ext cx="493405" cy="407773"/>
+            </a:xfrm>
+            <a:prstGeom prst="rect">
+              <a:avLst/>
+            </a:prstGeom>
+          </p:spPr>
+          <p:style>
+            <a:lnRef idx="2">
+              <a:schemeClr val="dk1">
+                <a:shade val="50000"/>
+              </a:schemeClr>
+            </a:lnRef>
+            <a:fillRef idx="1">
+              <a:schemeClr val="dk1"/>
+            </a:fillRef>
+            <a:effectRef idx="0">
+              <a:schemeClr val="dk1"/>
+            </a:effectRef>
+            <a:fontRef idx="minor">
+              <a:schemeClr val="lt1"/>
+            </a:fontRef>
+          </p:style>
+          <p:txBody>
+            <a:bodyPr rtlCol="0" anchor="ctr"/>
+            <a:lstStyle/>
+            <a:p>
+              <a:pPr algn="ctr"/>
+              <a:r>
+                <a:rPr lang="en-US" sz="2400" dirty="0"/>
+                <a:t>9</a:t>
+              </a:r>
+            </a:p>
+          </p:txBody>
+        </p:sp>
+      </p:grpSp>
+      <p:grpSp>
+        <p:nvGrpSpPr>
+          <p:cNvPr id="128" name="Group 127"/>
+          <p:cNvGrpSpPr/>
+          <p:nvPr/>
+        </p:nvGrpSpPr>
+        <p:grpSpPr>
+          <a:xfrm>
+            <a:off x="3598181" y="4467123"/>
+            <a:ext cx="1036330" cy="407773"/>
+            <a:chOff x="922041" y="5580063"/>
+            <a:chExt cx="1036330" cy="407773"/>
+          </a:xfrm>
+        </p:grpSpPr>
+        <p:sp>
+          <p:nvSpPr>
+            <p:cNvPr id="129" name="Rectangle 128"/>
+            <p:cNvSpPr/>
+            <p:nvPr/>
+          </p:nvSpPr>
+          <p:spPr>
+            <a:xfrm>
+              <a:off x="922041" y="5580063"/>
+              <a:ext cx="493405" cy="407773"/>
+            </a:xfrm>
+            <a:prstGeom prst="rect">
+              <a:avLst/>
+            </a:prstGeom>
+          </p:spPr>
+          <p:style>
+            <a:lnRef idx="1">
+              <a:schemeClr val="accent1"/>
+            </a:lnRef>
+            <a:fillRef idx="1">
+              <a:schemeClr val="accent1"/>
+            </a:fillRef>
+            <a:effectRef idx="1">
+              <a:schemeClr val="accent1"/>
+            </a:effectRef>
+            <a:fontRef idx="minor">
+              <a:schemeClr val="lt1"/>
+            </a:fontRef>
+          </p:style>
+          <p:txBody>
+            <a:bodyPr rtlCol="0" anchor="ctr"/>
+            <a:lstStyle/>
+            <a:p>
+              <a:pPr algn="ctr"/>
+              <a:r>
+                <a:rPr lang="en-US" sz="2400" dirty="0"/>
+                <a:t>B</a:t>
+              </a:r>
+            </a:p>
+          </p:txBody>
+        </p:sp>
+        <p:sp>
+          <p:nvSpPr>
+            <p:cNvPr id="130" name="Rectangle 129"/>
+            <p:cNvSpPr/>
+            <p:nvPr/>
+          </p:nvSpPr>
+          <p:spPr>
+            <a:xfrm>
+              <a:off x="1464966" y="5580063"/>
+              <a:ext cx="493405" cy="407773"/>
+            </a:xfrm>
+            <a:prstGeom prst="rect">
+              <a:avLst/>
+            </a:prstGeom>
+          </p:spPr>
+          <p:style>
+            <a:lnRef idx="2">
+              <a:schemeClr val="dk1">
+                <a:shade val="50000"/>
+              </a:schemeClr>
+            </a:lnRef>
+            <a:fillRef idx="1">
+              <a:schemeClr val="dk1"/>
+            </a:fillRef>
+            <a:effectRef idx="0">
+              <a:schemeClr val="dk1"/>
+            </a:effectRef>
+            <a:fontRef idx="minor">
+              <a:schemeClr val="lt1"/>
+            </a:fontRef>
+          </p:style>
+          <p:txBody>
+            <a:bodyPr rtlCol="0" anchor="ctr"/>
+            <a:lstStyle/>
+            <a:p>
+              <a:pPr algn="ctr"/>
+              <a:r>
+                <a:rPr lang="en-US" sz="2400" dirty="0"/>
+                <a:t>6</a:t>
+              </a:r>
+            </a:p>
+          </p:txBody>
+        </p:sp>
+      </p:grpSp>
+      <p:grpSp>
+        <p:nvGrpSpPr>
+          <p:cNvPr id="131" name="Group 130"/>
+          <p:cNvGrpSpPr/>
+          <p:nvPr/>
+        </p:nvGrpSpPr>
+        <p:grpSpPr>
+          <a:xfrm>
+            <a:off x="3598181" y="6191722"/>
+            <a:ext cx="1036330" cy="407773"/>
+            <a:chOff x="922041" y="6113463"/>
+            <a:chExt cx="1036330" cy="407773"/>
+          </a:xfrm>
+        </p:grpSpPr>
+        <p:sp>
+          <p:nvSpPr>
+            <p:cNvPr id="132" name="Rectangle 131"/>
+            <p:cNvSpPr/>
+            <p:nvPr/>
+          </p:nvSpPr>
+          <p:spPr>
+            <a:xfrm>
+              <a:off x="922041" y="6113463"/>
+              <a:ext cx="493405" cy="407773"/>
+            </a:xfrm>
+            <a:prstGeom prst="rect">
+              <a:avLst/>
+            </a:prstGeom>
+          </p:spPr>
+          <p:style>
+            <a:lnRef idx="1">
+              <a:schemeClr val="accent1"/>
+            </a:lnRef>
+            <a:fillRef idx="1">
+              <a:schemeClr val="accent1"/>
+            </a:fillRef>
+            <a:effectRef idx="1">
+              <a:schemeClr val="accent1"/>
+            </a:effectRef>
+            <a:fontRef idx="minor">
+              <a:schemeClr val="lt1"/>
+            </a:fontRef>
+          </p:style>
+          <p:txBody>
+            <a:bodyPr rtlCol="0" anchor="ctr"/>
+            <a:lstStyle/>
+            <a:p>
+              <a:pPr algn="ctr"/>
+              <a:r>
+                <a:rPr lang="en-US" sz="2400" dirty="0"/>
+                <a:t>C</a:t>
+              </a:r>
+            </a:p>
+          </p:txBody>
+        </p:sp>
+        <p:sp>
+          <p:nvSpPr>
+            <p:cNvPr id="133" name="Rectangle 132"/>
+            <p:cNvSpPr/>
+            <p:nvPr/>
+          </p:nvSpPr>
+          <p:spPr>
+            <a:xfrm>
+              <a:off x="1464966" y="6113463"/>
+              <a:ext cx="493405" cy="407773"/>
+            </a:xfrm>
+            <a:prstGeom prst="rect">
+              <a:avLst/>
+            </a:prstGeom>
+          </p:spPr>
+          <p:style>
+            <a:lnRef idx="2">
+              <a:schemeClr val="dk1">
+                <a:shade val="50000"/>
+              </a:schemeClr>
+            </a:lnRef>
+            <a:fillRef idx="1">
+              <a:schemeClr val="dk1"/>
+            </a:fillRef>
+            <a:effectRef idx="0">
+              <a:schemeClr val="dk1"/>
+            </a:effectRef>
+            <a:fontRef idx="minor">
+              <a:schemeClr val="lt1"/>
+            </a:fontRef>
+          </p:style>
+          <p:txBody>
+            <a:bodyPr rtlCol="0" anchor="ctr"/>
+            <a:lstStyle/>
+            <a:p>
+              <a:pPr algn="ctr"/>
+              <a:r>
+                <a:rPr lang="en-US" sz="2400" dirty="0"/>
+                <a:t>5</a:t>
+              </a:r>
+            </a:p>
+          </p:txBody>
+        </p:sp>
+      </p:grpSp>
+      <p:cxnSp>
+        <p:nvCxnSpPr>
+          <p:cNvPr id="59" name="Straight Arrow Connector 58"/>
+          <p:cNvCxnSpPr/>
+          <p:nvPr/>
+        </p:nvCxnSpPr>
+        <p:spPr>
+          <a:xfrm>
+            <a:off x="2222180" y="3973515"/>
+            <a:ext cx="1109599" cy="0"/>
+          </a:xfrm>
+          <a:prstGeom prst="straightConnector1">
+            <a:avLst/>
+          </a:prstGeom>
+          <a:ln>
+            <a:tailEnd type="triangle"/>
+          </a:ln>
+        </p:spPr>
+        <p:style>
+          <a:lnRef idx="1">
+            <a:schemeClr val="accent1"/>
+          </a:lnRef>
+          <a:fillRef idx="0">
+            <a:schemeClr val="accent1"/>
+          </a:fillRef>
+          <a:effectRef idx="1">
+            <a:schemeClr val="accent1"/>
+          </a:effectRef>
+          <a:fontRef idx="minor">
+            <a:schemeClr val="tx1"/>
+          </a:fontRef>
+        </p:style>
+      </p:cxnSp>
+      <p:sp>
+        <p:nvSpPr>
+          <p:cNvPr id="60" name="TextBox 59"/>
+          <p:cNvSpPr txBox="1"/>
+          <p:nvPr/>
+        </p:nvSpPr>
+        <p:spPr>
+          <a:xfrm>
+            <a:off x="2222180" y="3650349"/>
+            <a:ext cx="1109599" cy="646331"/>
+          </a:xfrm>
+          <a:prstGeom prst="rect">
+            <a:avLst/>
+          </a:prstGeom>
+        </p:spPr>
+        <p:txBody>
+          <a:bodyPr wrap="none" rtlCol="0">
+            <a:spAutoFit/>
+          </a:bodyPr>
+          <a:lstStyle/>
+          <a:p>
+            <a:pPr algn="ctr"/>
+            <a:r>
+              <a:rPr lang="en-US" dirty="0"/>
+              <a:t>Split into</a:t>
+            </a:r>
+          </a:p>
+          <a:p>
+            <a:pPr algn="ctr"/>
+            <a:r>
+              <a:rPr lang="en-US" dirty="0"/>
+              <a:t>Groups</a:t>
+            </a:r>
+          </a:p>
+        </p:txBody>
+      </p:sp>
+      <p:sp>
+        <p:nvSpPr>
+          <p:cNvPr id="61" name="TextBox 60"/>
+          <p:cNvSpPr txBox="1"/>
+          <p:nvPr/>
+        </p:nvSpPr>
+        <p:spPr>
+          <a:xfrm>
+            <a:off x="4902547" y="2141105"/>
+            <a:ext cx="1428596" cy="646331"/>
+          </a:xfrm>
+          <a:prstGeom prst="rect">
+            <a:avLst/>
+          </a:prstGeom>
+        </p:spPr>
+        <p:txBody>
+          <a:bodyPr wrap="none" rtlCol="0">
+            <a:spAutoFit/>
+          </a:bodyPr>
+          <a:lstStyle/>
+          <a:p>
+            <a:pPr algn="ctr"/>
+            <a:r>
+              <a:rPr lang="en-US" dirty="0"/>
+              <a:t>Aggregate</a:t>
+            </a:r>
+          </a:p>
+          <a:p>
+            <a:pPr algn="ctr"/>
+            <a:r>
+              <a:rPr lang="en-US" dirty="0"/>
+              <a:t>Function</a:t>
+            </a:r>
+          </a:p>
+        </p:txBody>
+      </p:sp>
+      <p:cxnSp>
+        <p:nvCxnSpPr>
+          <p:cNvPr id="62" name="Straight Arrow Connector 61"/>
+          <p:cNvCxnSpPr/>
+          <p:nvPr/>
+        </p:nvCxnSpPr>
+        <p:spPr>
+          <a:xfrm>
+            <a:off x="4902547" y="2464271"/>
+            <a:ext cx="1428596" cy="0"/>
+          </a:xfrm>
+          <a:prstGeom prst="straightConnector1">
+            <a:avLst/>
+          </a:prstGeom>
+          <a:ln>
+            <a:tailEnd type="triangle"/>
+          </a:ln>
+        </p:spPr>
+        <p:style>
+          <a:lnRef idx="1">
+            <a:schemeClr val="accent1"/>
+          </a:lnRef>
+          <a:fillRef idx="0">
+            <a:schemeClr val="accent1"/>
+          </a:fillRef>
+          <a:effectRef idx="1">
+            <a:schemeClr val="accent1"/>
+          </a:effectRef>
+          <a:fontRef idx="minor">
+            <a:schemeClr val="tx1"/>
+          </a:fontRef>
+        </p:style>
+      </p:cxnSp>
+      <p:sp>
+        <p:nvSpPr>
+          <p:cNvPr id="81" name="TextBox 80"/>
+          <p:cNvSpPr txBox="1"/>
+          <p:nvPr/>
+        </p:nvSpPr>
+        <p:spPr>
+          <a:xfrm>
+            <a:off x="4902547" y="3854236"/>
+            <a:ext cx="1428596" cy="646331"/>
+          </a:xfrm>
+          <a:prstGeom prst="rect">
+            <a:avLst/>
+          </a:prstGeom>
+        </p:spPr>
+        <p:txBody>
+          <a:bodyPr wrap="none" rtlCol="0">
+            <a:spAutoFit/>
+          </a:bodyPr>
+          <a:lstStyle/>
+          <a:p>
+            <a:pPr algn="ctr"/>
+            <a:r>
+              <a:rPr lang="en-US" dirty="0"/>
+              <a:t>Aggregate</a:t>
+            </a:r>
+          </a:p>
+          <a:p>
+            <a:pPr algn="ctr"/>
+            <a:r>
+              <a:rPr lang="en-US" dirty="0"/>
+              <a:t>Function</a:t>
+            </a:r>
+          </a:p>
+        </p:txBody>
+      </p:sp>
+      <p:cxnSp>
+        <p:nvCxnSpPr>
+          <p:cNvPr id="82" name="Straight Arrow Connector 81"/>
+          <p:cNvCxnSpPr/>
+          <p:nvPr/>
+        </p:nvCxnSpPr>
+        <p:spPr>
+          <a:xfrm>
+            <a:off x="4902547" y="4177402"/>
+            <a:ext cx="1428596" cy="0"/>
+          </a:xfrm>
+          <a:prstGeom prst="straightConnector1">
+            <a:avLst/>
+          </a:prstGeom>
+          <a:ln>
+            <a:tailEnd type="triangle"/>
+          </a:ln>
+        </p:spPr>
+        <p:style>
+          <a:lnRef idx="1">
+            <a:schemeClr val="accent1"/>
+          </a:lnRef>
+          <a:fillRef idx="0">
+            <a:schemeClr val="accent1"/>
+          </a:fillRef>
+          <a:effectRef idx="1">
+            <a:schemeClr val="accent1"/>
+          </a:effectRef>
+          <a:fontRef idx="minor">
+            <a:schemeClr val="tx1"/>
+          </a:fontRef>
+        </p:style>
+      </p:cxnSp>
+      <p:sp>
+        <p:nvSpPr>
+          <p:cNvPr id="110" name="TextBox 109"/>
+          <p:cNvSpPr txBox="1"/>
+          <p:nvPr/>
+        </p:nvSpPr>
+        <p:spPr>
+          <a:xfrm>
+            <a:off x="4942817" y="5613772"/>
+            <a:ext cx="1428596" cy="646331"/>
+          </a:xfrm>
+          <a:prstGeom prst="rect">
+            <a:avLst/>
+          </a:prstGeom>
+        </p:spPr>
+        <p:txBody>
+          <a:bodyPr wrap="none" rtlCol="0">
+            <a:spAutoFit/>
+          </a:bodyPr>
+          <a:lstStyle/>
+          <a:p>
+            <a:pPr algn="ctr"/>
+            <a:r>
+              <a:rPr lang="en-US" dirty="0"/>
+              <a:t>Aggregate</a:t>
+            </a:r>
+          </a:p>
+          <a:p>
+            <a:pPr algn="ctr"/>
+            <a:r>
+              <a:rPr lang="en-US" dirty="0"/>
+              <a:t>Function</a:t>
+            </a:r>
+          </a:p>
+        </p:txBody>
+      </p:sp>
+      <p:cxnSp>
+        <p:nvCxnSpPr>
+          <p:cNvPr id="111" name="Straight Arrow Connector 110"/>
+          <p:cNvCxnSpPr/>
+          <p:nvPr/>
+        </p:nvCxnSpPr>
+        <p:spPr>
+          <a:xfrm>
+            <a:off x="4942817" y="5936938"/>
+            <a:ext cx="1428596" cy="0"/>
+          </a:xfrm>
+          <a:prstGeom prst="straightConnector1">
+            <a:avLst/>
+          </a:prstGeom>
+          <a:ln>
+            <a:tailEnd type="triangle"/>
+          </a:ln>
+        </p:spPr>
+        <p:style>
+          <a:lnRef idx="1">
+            <a:schemeClr val="accent1"/>
+          </a:lnRef>
+          <a:fillRef idx="0">
+            <a:schemeClr val="accent1"/>
+          </a:fillRef>
+          <a:effectRef idx="1">
+            <a:schemeClr val="accent1"/>
+          </a:effectRef>
+          <a:fontRef idx="minor">
+            <a:schemeClr val="tx1"/>
+          </a:fontRef>
+        </p:style>
+      </p:cxnSp>
+      <p:grpSp>
+        <p:nvGrpSpPr>
+          <p:cNvPr id="112" name="Group 111"/>
+          <p:cNvGrpSpPr/>
+          <p:nvPr/>
+        </p:nvGrpSpPr>
+        <p:grpSpPr>
+          <a:xfrm>
+            <a:off x="6599179" y="2211406"/>
+            <a:ext cx="1199792" cy="407773"/>
+            <a:chOff x="931566" y="1442351"/>
+            <a:chExt cx="1199792" cy="407773"/>
+          </a:xfrm>
+        </p:grpSpPr>
+        <p:sp>
+          <p:nvSpPr>
+            <p:cNvPr id="119" name="Rectangle 118"/>
+            <p:cNvSpPr/>
+            <p:nvPr/>
+          </p:nvSpPr>
+          <p:spPr>
+            <a:xfrm>
+              <a:off x="931566" y="1442351"/>
+              <a:ext cx="493405" cy="407773"/>
+            </a:xfrm>
+            <a:prstGeom prst="rect">
+              <a:avLst/>
+            </a:prstGeom>
+          </p:spPr>
+          <p:style>
+            <a:lnRef idx="1">
+              <a:schemeClr val="accent1"/>
+            </a:lnRef>
+            <a:fillRef idx="1">
+              <a:schemeClr val="accent1"/>
+            </a:fillRef>
+            <a:effectRef idx="1">
+              <a:schemeClr val="accent1"/>
+            </a:effectRef>
+            <a:fontRef idx="minor">
+              <a:schemeClr val="lt1"/>
+            </a:fontRef>
+          </p:style>
+          <p:txBody>
+            <a:bodyPr rtlCol="0" anchor="ctr"/>
+            <a:lstStyle/>
+            <a:p>
+              <a:pPr algn="ctr"/>
+              <a:r>
+                <a:rPr lang="en-US" sz="2400" dirty="0"/>
+                <a:t>A</a:t>
+              </a:r>
+            </a:p>
+          </p:txBody>
+        </p:sp>
+        <p:sp>
+          <p:nvSpPr>
+            <p:cNvPr id="120" name="Rectangle 119"/>
+            <p:cNvSpPr/>
+            <p:nvPr/>
+          </p:nvSpPr>
+          <p:spPr>
+            <a:xfrm>
+              <a:off x="1474491" y="1442351"/>
+              <a:ext cx="656867" cy="407773"/>
+            </a:xfrm>
+            <a:prstGeom prst="rect">
+              <a:avLst/>
+            </a:prstGeom>
+          </p:spPr>
+          <p:style>
+            <a:lnRef idx="2">
+              <a:schemeClr val="dk1">
+                <a:shade val="50000"/>
+              </a:schemeClr>
+            </a:lnRef>
+            <a:fillRef idx="1">
+              <a:schemeClr val="dk1"/>
+            </a:fillRef>
+            <a:effectRef idx="0">
+              <a:schemeClr val="dk1"/>
+            </a:effectRef>
+            <a:fontRef idx="minor">
+              <a:schemeClr val="lt1"/>
+            </a:fontRef>
+          </p:style>
+          <p:txBody>
+            <a:bodyPr rtlCol="0" anchor="ctr"/>
+            <a:lstStyle/>
+            <a:p>
+              <a:pPr algn="ctr"/>
+              <a:r>
+                <a:rPr lang="en-US" sz="2400" dirty="0"/>
+                <a:t>6</a:t>
+              </a:r>
+            </a:p>
+          </p:txBody>
+        </p:sp>
+      </p:grpSp>
+      <p:grpSp>
+        <p:nvGrpSpPr>
+          <p:cNvPr id="121" name="Group 120"/>
+          <p:cNvGrpSpPr/>
+          <p:nvPr/>
+        </p:nvGrpSpPr>
+        <p:grpSpPr>
+          <a:xfrm>
+            <a:off x="6599179" y="3888907"/>
+            <a:ext cx="1199792" cy="407773"/>
+            <a:chOff x="931566" y="1442351"/>
+            <a:chExt cx="1199792" cy="407773"/>
+          </a:xfrm>
+        </p:grpSpPr>
+        <p:sp>
+          <p:nvSpPr>
+            <p:cNvPr id="134" name="Rectangle 133"/>
+            <p:cNvSpPr/>
+            <p:nvPr/>
+          </p:nvSpPr>
+          <p:spPr>
+            <a:xfrm>
+              <a:off x="931566" y="1442351"/>
+              <a:ext cx="493405" cy="407773"/>
+            </a:xfrm>
+            <a:prstGeom prst="rect">
+              <a:avLst/>
+            </a:prstGeom>
+          </p:spPr>
+          <p:style>
+            <a:lnRef idx="1">
+              <a:schemeClr val="accent1"/>
+            </a:lnRef>
+            <a:fillRef idx="1">
+              <a:schemeClr val="accent1"/>
+            </a:fillRef>
+            <a:effectRef idx="1">
+              <a:schemeClr val="accent1"/>
+            </a:effectRef>
+            <a:fontRef idx="minor">
+              <a:schemeClr val="lt1"/>
+            </a:fontRef>
+          </p:style>
+          <p:txBody>
+            <a:bodyPr rtlCol="0" anchor="ctr"/>
+            <a:lstStyle/>
+            <a:p>
+              <a:pPr algn="ctr"/>
+              <a:r>
+                <a:rPr lang="en-US" sz="2400" dirty="0"/>
+                <a:t>B</a:t>
+              </a:r>
+            </a:p>
+          </p:txBody>
+        </p:sp>
+        <p:sp>
+          <p:nvSpPr>
+            <p:cNvPr id="135" name="Rectangle 134"/>
+            <p:cNvSpPr/>
+            <p:nvPr/>
+          </p:nvSpPr>
+          <p:spPr>
+            <a:xfrm>
+              <a:off x="1474491" y="1442351"/>
+              <a:ext cx="656867" cy="407773"/>
+            </a:xfrm>
+            <a:prstGeom prst="rect">
+              <a:avLst/>
+            </a:prstGeom>
+          </p:spPr>
+          <p:style>
+            <a:lnRef idx="2">
+              <a:schemeClr val="dk1">
+                <a:shade val="50000"/>
+              </a:schemeClr>
+            </a:lnRef>
+            <a:fillRef idx="1">
+              <a:schemeClr val="dk1"/>
+            </a:fillRef>
+            <a:effectRef idx="0">
+              <a:schemeClr val="dk1"/>
+            </a:effectRef>
+            <a:fontRef idx="minor">
+              <a:schemeClr val="lt1"/>
+            </a:fontRef>
+          </p:style>
+          <p:txBody>
+            <a:bodyPr rtlCol="0" anchor="ctr"/>
+            <a:lstStyle/>
+            <a:p>
+              <a:pPr algn="ctr"/>
+              <a:r>
+                <a:rPr lang="en-US" sz="2400" dirty="0"/>
+                <a:t>12</a:t>
+              </a:r>
+            </a:p>
+          </p:txBody>
+        </p:sp>
+      </p:grpSp>
+      <p:grpSp>
+        <p:nvGrpSpPr>
+          <p:cNvPr id="136" name="Group 135"/>
+          <p:cNvGrpSpPr/>
+          <p:nvPr/>
+        </p:nvGrpSpPr>
+        <p:grpSpPr>
+          <a:xfrm>
+            <a:off x="9590619" y="4177401"/>
+            <a:ext cx="1199792" cy="407773"/>
+            <a:chOff x="931566" y="1442351"/>
+            <a:chExt cx="1199792" cy="407773"/>
+          </a:xfrm>
+        </p:grpSpPr>
+        <p:sp>
+          <p:nvSpPr>
+            <p:cNvPr id="137" name="Rectangle 136"/>
+            <p:cNvSpPr/>
+            <p:nvPr/>
+          </p:nvSpPr>
+          <p:spPr>
+            <a:xfrm>
+              <a:off x="931566" y="1442351"/>
+              <a:ext cx="493405" cy="407773"/>
+            </a:xfrm>
+            <a:prstGeom prst="rect">
+              <a:avLst/>
+            </a:prstGeom>
+          </p:spPr>
+          <p:style>
+            <a:lnRef idx="1">
+              <a:schemeClr val="accent1"/>
+            </a:lnRef>
+            <a:fillRef idx="1">
+              <a:schemeClr val="accent1"/>
+            </a:fillRef>
+            <a:effectRef idx="1">
+              <a:schemeClr val="accent1"/>
+            </a:effectRef>
+            <a:fontRef idx="minor">
+              <a:schemeClr val="lt1"/>
+            </a:fontRef>
+          </p:style>
+          <p:txBody>
+            <a:bodyPr rtlCol="0" anchor="ctr"/>
+            <a:lstStyle/>
+            <a:p>
+              <a:pPr algn="ctr"/>
+              <a:r>
+                <a:rPr lang="en-US" sz="2400" dirty="0"/>
+                <a:t>C</a:t>
+              </a:r>
+            </a:p>
+          </p:txBody>
+        </p:sp>
+        <p:sp>
+          <p:nvSpPr>
+            <p:cNvPr id="138" name="Rectangle 137"/>
+            <p:cNvSpPr/>
+            <p:nvPr/>
+          </p:nvSpPr>
+          <p:spPr>
+            <a:xfrm>
+              <a:off x="1474491" y="1442351"/>
+              <a:ext cx="656867" cy="407773"/>
+            </a:xfrm>
+            <a:prstGeom prst="rect">
+              <a:avLst/>
+            </a:prstGeom>
+          </p:spPr>
+          <p:style>
+            <a:lnRef idx="2">
+              <a:schemeClr val="dk1">
+                <a:shade val="50000"/>
+              </a:schemeClr>
+            </a:lnRef>
+            <a:fillRef idx="1">
+              <a:schemeClr val="dk1"/>
+            </a:fillRef>
+            <a:effectRef idx="0">
+              <a:schemeClr val="dk1"/>
+            </a:effectRef>
+            <a:fontRef idx="minor">
+              <a:schemeClr val="lt1"/>
+            </a:fontRef>
+          </p:style>
+          <p:txBody>
+            <a:bodyPr rtlCol="0" anchor="ctr"/>
+            <a:lstStyle/>
+            <a:p>
+              <a:pPr algn="ctr"/>
+              <a:r>
+                <a:rPr lang="en-US" sz="2400" dirty="0"/>
+                <a:t>18</a:t>
+              </a:r>
+            </a:p>
+          </p:txBody>
+        </p:sp>
+      </p:grpSp>
+      <p:grpSp>
+        <p:nvGrpSpPr>
+          <p:cNvPr id="139" name="Group 138"/>
+          <p:cNvGrpSpPr/>
+          <p:nvPr/>
+        </p:nvGrpSpPr>
+        <p:grpSpPr>
+          <a:xfrm>
+            <a:off x="9590619" y="3242576"/>
+            <a:ext cx="1199792" cy="407773"/>
+            <a:chOff x="931566" y="1442351"/>
+            <a:chExt cx="1199792" cy="407773"/>
+          </a:xfrm>
+        </p:grpSpPr>
+        <p:sp>
+          <p:nvSpPr>
+            <p:cNvPr id="140" name="Rectangle 139"/>
+            <p:cNvSpPr/>
+            <p:nvPr/>
+          </p:nvSpPr>
+          <p:spPr>
+            <a:xfrm>
+              <a:off x="931566" y="1442351"/>
+              <a:ext cx="493405" cy="407773"/>
+            </a:xfrm>
+            <a:prstGeom prst="rect">
+              <a:avLst/>
+            </a:prstGeom>
+          </p:spPr>
+          <p:style>
+            <a:lnRef idx="1">
+              <a:schemeClr val="accent1"/>
+            </a:lnRef>
+            <a:fillRef idx="1">
+              <a:schemeClr val="accent1"/>
+            </a:fillRef>
+            <a:effectRef idx="1">
+              <a:schemeClr val="accent1"/>
+            </a:effectRef>
+            <a:fontRef idx="minor">
+              <a:schemeClr val="lt1"/>
+            </a:fontRef>
+          </p:style>
+          <p:txBody>
+            <a:bodyPr rtlCol="0" anchor="ctr"/>
+            <a:lstStyle/>
+            <a:p>
+              <a:pPr algn="ctr"/>
+              <a:r>
+                <a:rPr lang="en-US" sz="2400" dirty="0"/>
+                <a:t>A</a:t>
+              </a:r>
+            </a:p>
+          </p:txBody>
+        </p:sp>
+        <p:sp>
+          <p:nvSpPr>
+            <p:cNvPr id="141" name="Rectangle 140"/>
+            <p:cNvSpPr/>
+            <p:nvPr/>
+          </p:nvSpPr>
+          <p:spPr>
+            <a:xfrm>
+              <a:off x="1474491" y="1442351"/>
+              <a:ext cx="656867" cy="407773"/>
+            </a:xfrm>
+            <a:prstGeom prst="rect">
+              <a:avLst/>
+            </a:prstGeom>
+          </p:spPr>
+          <p:style>
+            <a:lnRef idx="2">
+              <a:schemeClr val="dk1">
+                <a:shade val="50000"/>
+              </a:schemeClr>
+            </a:lnRef>
+            <a:fillRef idx="1">
+              <a:schemeClr val="dk1"/>
+            </a:fillRef>
+            <a:effectRef idx="0">
+              <a:schemeClr val="dk1"/>
+            </a:effectRef>
+            <a:fontRef idx="minor">
+              <a:schemeClr val="lt1"/>
+            </a:fontRef>
+          </p:style>
+          <p:txBody>
+            <a:bodyPr rtlCol="0" anchor="ctr"/>
+            <a:lstStyle/>
+            <a:p>
+              <a:pPr algn="ctr"/>
+              <a:r>
+                <a:rPr lang="en-US" sz="2400" dirty="0"/>
+                <a:t>6</a:t>
+              </a:r>
+            </a:p>
+          </p:txBody>
+        </p:sp>
+      </p:grpSp>
+      <p:grpSp>
+        <p:nvGrpSpPr>
+          <p:cNvPr id="142" name="Group 141"/>
+          <p:cNvGrpSpPr/>
+          <p:nvPr/>
+        </p:nvGrpSpPr>
+        <p:grpSpPr>
+          <a:xfrm>
+            <a:off x="9590619" y="3715093"/>
+            <a:ext cx="1199792" cy="407773"/>
+            <a:chOff x="931566" y="1442351"/>
+            <a:chExt cx="1199792" cy="407773"/>
+          </a:xfrm>
+        </p:grpSpPr>
+        <p:sp>
+          <p:nvSpPr>
+            <p:cNvPr id="143" name="Rectangle 142"/>
+            <p:cNvSpPr/>
+            <p:nvPr/>
+          </p:nvSpPr>
+          <p:spPr>
+            <a:xfrm>
+              <a:off x="931566" y="1442351"/>
+              <a:ext cx="493405" cy="407773"/>
+            </a:xfrm>
+            <a:prstGeom prst="rect">
+              <a:avLst/>
+            </a:prstGeom>
+          </p:spPr>
+          <p:style>
+            <a:lnRef idx="1">
+              <a:schemeClr val="accent1"/>
+            </a:lnRef>
+            <a:fillRef idx="1">
+              <a:schemeClr val="accent1"/>
+            </a:fillRef>
+            <a:effectRef idx="1">
+              <a:schemeClr val="accent1"/>
+            </a:effectRef>
+            <a:fontRef idx="minor">
+              <a:schemeClr val="lt1"/>
+            </a:fontRef>
+          </p:style>
+          <p:txBody>
+            <a:bodyPr rtlCol="0" anchor="ctr"/>
+            <a:lstStyle/>
+            <a:p>
+              <a:pPr algn="ctr"/>
+              <a:r>
+                <a:rPr lang="en-US" sz="2400" dirty="0"/>
+                <a:t>B</a:t>
+              </a:r>
+            </a:p>
+          </p:txBody>
+        </p:sp>
+        <p:sp>
+          <p:nvSpPr>
+            <p:cNvPr id="144" name="Rectangle 143"/>
+            <p:cNvSpPr/>
+            <p:nvPr/>
+          </p:nvSpPr>
+          <p:spPr>
+            <a:xfrm>
+              <a:off x="1474491" y="1442351"/>
+              <a:ext cx="656867" cy="407773"/>
+            </a:xfrm>
+            <a:prstGeom prst="rect">
+              <a:avLst/>
+            </a:prstGeom>
+          </p:spPr>
+          <p:style>
+            <a:lnRef idx="2">
+              <a:schemeClr val="dk1">
+                <a:shade val="50000"/>
+              </a:schemeClr>
+            </a:lnRef>
+            <a:fillRef idx="1">
+              <a:schemeClr val="dk1"/>
+            </a:fillRef>
+            <a:effectRef idx="0">
+              <a:schemeClr val="dk1"/>
+            </a:effectRef>
+            <a:fontRef idx="minor">
+              <a:schemeClr val="lt1"/>
+            </a:fontRef>
+          </p:style>
+          <p:txBody>
+            <a:bodyPr rtlCol="0" anchor="ctr"/>
+            <a:lstStyle/>
+            <a:p>
+              <a:pPr algn="ctr"/>
+              <a:r>
+                <a:rPr lang="en-US" sz="2400" dirty="0"/>
+                <a:t>12</a:t>
+              </a:r>
+            </a:p>
+          </p:txBody>
+        </p:sp>
+      </p:grpSp>
+      <p:grpSp>
+        <p:nvGrpSpPr>
+          <p:cNvPr id="145" name="Group 144"/>
+          <p:cNvGrpSpPr/>
+          <p:nvPr/>
+        </p:nvGrpSpPr>
+        <p:grpSpPr>
+          <a:xfrm>
+            <a:off x="6599179" y="5733837"/>
+            <a:ext cx="1199792" cy="407773"/>
+            <a:chOff x="931566" y="1442351"/>
+            <a:chExt cx="1199792" cy="407773"/>
+          </a:xfrm>
+        </p:grpSpPr>
+        <p:sp>
+          <p:nvSpPr>
+            <p:cNvPr id="146" name="Rectangle 145"/>
+            <p:cNvSpPr/>
+            <p:nvPr/>
+          </p:nvSpPr>
+          <p:spPr>
+            <a:xfrm>
+              <a:off x="931566" y="1442351"/>
+              <a:ext cx="493405" cy="407773"/>
+            </a:xfrm>
+            <a:prstGeom prst="rect">
+              <a:avLst/>
+            </a:prstGeom>
+          </p:spPr>
+          <p:style>
+            <a:lnRef idx="1">
+              <a:schemeClr val="accent1"/>
+            </a:lnRef>
+            <a:fillRef idx="1">
+              <a:schemeClr val="accent1"/>
+            </a:fillRef>
+            <a:effectRef idx="1">
+              <a:schemeClr val="accent1"/>
+            </a:effectRef>
+            <a:fontRef idx="minor">
+              <a:schemeClr val="lt1"/>
+            </a:fontRef>
+          </p:style>
+          <p:txBody>
+            <a:bodyPr rtlCol="0" anchor="ctr"/>
+            <a:lstStyle/>
+            <a:p>
+              <a:pPr algn="ctr"/>
+              <a:r>
+                <a:rPr lang="en-US" sz="2400" dirty="0"/>
+                <a:t>C</a:t>
+              </a:r>
+            </a:p>
+          </p:txBody>
+        </p:sp>
+        <p:sp>
+          <p:nvSpPr>
+            <p:cNvPr id="147" name="Rectangle 146"/>
+            <p:cNvSpPr/>
+            <p:nvPr/>
+          </p:nvSpPr>
+          <p:spPr>
+            <a:xfrm>
+              <a:off x="1474491" y="1442351"/>
+              <a:ext cx="656867" cy="407773"/>
+            </a:xfrm>
+            <a:prstGeom prst="rect">
+              <a:avLst/>
+            </a:prstGeom>
+          </p:spPr>
+          <p:style>
+            <a:lnRef idx="2">
+              <a:schemeClr val="dk1">
+                <a:shade val="50000"/>
+              </a:schemeClr>
+            </a:lnRef>
+            <a:fillRef idx="1">
+              <a:schemeClr val="dk1"/>
+            </a:fillRef>
+            <a:effectRef idx="0">
+              <a:schemeClr val="dk1"/>
+            </a:effectRef>
+            <a:fontRef idx="minor">
+              <a:schemeClr val="lt1"/>
+            </a:fontRef>
+          </p:style>
+          <p:txBody>
+            <a:bodyPr rtlCol="0" anchor="ctr"/>
+            <a:lstStyle/>
+            <a:p>
+              <a:pPr algn="ctr"/>
+              <a:r>
+                <a:rPr lang="en-US" sz="2400" dirty="0"/>
+                <a:t>18</a:t>
+              </a:r>
+            </a:p>
+          </p:txBody>
+        </p:sp>
+      </p:grpSp>
+      <p:cxnSp>
+        <p:nvCxnSpPr>
+          <p:cNvPr id="148" name="Straight Arrow Connector 147"/>
+          <p:cNvCxnSpPr>
+            <a:cxnSpLocks/>
+          </p:cNvCxnSpPr>
+          <p:nvPr/>
+        </p:nvCxnSpPr>
+        <p:spPr>
+          <a:xfrm>
+            <a:off x="7929154" y="2351418"/>
+            <a:ext cx="1392959" cy="1145159"/>
+          </a:xfrm>
+          <a:prstGeom prst="straightConnector1">
+            <a:avLst/>
+          </a:prstGeom>
+          <a:ln>
+            <a:tailEnd type="triangle"/>
+          </a:ln>
+        </p:spPr>
+        <p:style>
+          <a:lnRef idx="1">
+            <a:schemeClr val="accent1"/>
+          </a:lnRef>
+          <a:fillRef idx="0">
+            <a:schemeClr val="accent1"/>
+          </a:fillRef>
+          <a:effectRef idx="1">
+            <a:schemeClr val="accent1"/>
+          </a:effectRef>
+          <a:fontRef idx="minor">
+            <a:schemeClr val="tx1"/>
+          </a:fontRef>
+        </p:style>
+      </p:cxnSp>
+      <p:cxnSp>
+        <p:nvCxnSpPr>
+          <p:cNvPr id="149" name="Straight Arrow Connector 148"/>
+          <p:cNvCxnSpPr/>
+          <p:nvPr/>
+        </p:nvCxnSpPr>
+        <p:spPr>
+          <a:xfrm>
+            <a:off x="8099632" y="3973515"/>
+            <a:ext cx="1346165" cy="0"/>
+          </a:xfrm>
+          <a:prstGeom prst="straightConnector1">
+            <a:avLst/>
+          </a:prstGeom>
+          <a:ln>
+            <a:tailEnd type="triangle"/>
+          </a:ln>
+        </p:spPr>
+        <p:style>
+          <a:lnRef idx="1">
+            <a:schemeClr val="accent1"/>
+          </a:lnRef>
+          <a:fillRef idx="0">
+            <a:schemeClr val="accent1"/>
+          </a:fillRef>
+          <a:effectRef idx="1">
+            <a:schemeClr val="accent1"/>
+          </a:effectRef>
+          <a:fontRef idx="minor">
+            <a:schemeClr val="tx1"/>
+          </a:fontRef>
+        </p:style>
+      </p:cxnSp>
+      <p:cxnSp>
+        <p:nvCxnSpPr>
+          <p:cNvPr id="150" name="Straight Arrow Connector 149"/>
+          <p:cNvCxnSpPr>
+            <a:cxnSpLocks/>
+          </p:cNvCxnSpPr>
+          <p:nvPr/>
+        </p:nvCxnSpPr>
+        <p:spPr>
+          <a:xfrm flipV="1">
+            <a:off x="7929154" y="4387636"/>
+            <a:ext cx="1392959" cy="1386148"/>
+          </a:xfrm>
+          <a:prstGeom prst="straightConnector1">
+            <a:avLst/>
+          </a:prstGeom>
+          <a:ln>
+            <a:tailEnd type="triangle"/>
+          </a:ln>
+        </p:spPr>
+        <p:style>
+          <a:lnRef idx="1">
+            <a:schemeClr val="accent1"/>
+          </a:lnRef>
+          <a:fillRef idx="0">
+            <a:schemeClr val="accent1"/>
+          </a:fillRef>
+          <a:effectRef idx="1">
+            <a:schemeClr val="accent1"/>
+          </a:effectRef>
+          <a:fontRef idx="minor">
+            <a:schemeClr val="tx1"/>
+          </a:fontRef>
+        </p:style>
+      </p:cxnSp>
+      <p:sp>
+        <p:nvSpPr>
+          <p:cNvPr id="151" name="TextBox 150"/>
+          <p:cNvSpPr txBox="1"/>
+          <p:nvPr/>
+        </p:nvSpPr>
+        <p:spPr>
+          <a:xfrm>
+            <a:off x="8021843" y="3657592"/>
+            <a:ext cx="1439754" cy="646331"/>
+          </a:xfrm>
+          <a:prstGeom prst="rect">
+            <a:avLst/>
+          </a:prstGeom>
+        </p:spPr>
+        <p:txBody>
+          <a:bodyPr wrap="none" rtlCol="0">
+            <a:spAutoFit/>
+          </a:bodyPr>
+          <a:lstStyle/>
+          <a:p>
+            <a:pPr algn="ctr"/>
+            <a:r>
+              <a:rPr lang="en-US" dirty="0"/>
+              <a:t>Put Results</a:t>
+            </a:r>
+          </a:p>
+          <a:p>
+            <a:pPr algn="ctr"/>
+            <a:r>
+              <a:rPr lang="en-US" dirty="0"/>
+              <a:t>in </a:t>
+            </a:r>
+            <a:r>
+              <a:rPr lang="en-US" dirty="0" err="1"/>
+              <a:t>DataFrame</a:t>
+            </a:r>
+            <a:endParaRPr lang="en-US" dirty="0"/>
+          </a:p>
+        </p:txBody>
+      </p:sp>
+      <p:sp>
+        <p:nvSpPr>
+          <p:cNvPr id="3" name="Slide Number Placeholder 2">
+            <a:extLst>
+              <a:ext uri="{FF2B5EF4-FFF2-40B4-BE49-F238E27FC236}">
+                <a16:creationId xmlns:a16="http://schemas.microsoft.com/office/drawing/2014/main" id="{EC49931D-713C-DE40-BF74-2AEEEC5F3650}"/>
+              </a:ext>
+            </a:extLst>
+          </p:cNvPr>
+          <p:cNvSpPr>
+            <a:spLocks noGrp="1"/>
+          </p:cNvSpPr>
+          <p:nvPr>
+            <p:ph type="sldNum" sz="quarter" idx="12"/>
+          </p:nvPr>
+        </p:nvSpPr>
+        <p:spPr/>
+        <p:txBody>
+          <a:bodyPr/>
+          <a:lstStyle/>
+          <a:p>
+            <a:fld id="{934C0642-4071-7D48-AFF8-BD27182896CC}" type="slidenum">
+              <a:rPr lang="en-US" smtClean="0"/>
+              <a:t>21</a:t>
+            </a:fld>
+            <a:endParaRPr lang="en-US"/>
+          </a:p>
+        </p:txBody>
+      </p:sp>
+    </p:spTree>
+    <p:extLst>
+      <p:ext uri="{BB962C8B-B14F-4D97-AF65-F5344CB8AC3E}">
+        <p14:creationId xmlns:p14="http://schemas.microsoft.com/office/powerpoint/2010/main" val="330096838"/>
+      </p:ext>
+    </p:extLst>
+  </p:cSld>
+  <p:clrMapOvr>
+    <a:masterClrMapping/>
+  </p:clrMapOvr>
+  <mc:AlternateContent xmlns:mc="http://schemas.openxmlformats.org/markup-compatibility/2006" xmlns:p159="http://schemas.microsoft.com/office/powerpoint/2015/09/main">
+    <mc:Choice Requires="p159">
+      <p:transition xmlns:p14="http://schemas.microsoft.com/office/powerpoint/2010/main" spd="slow" p14:dur="2000">
+        <p159:morph option="byObject"/>
+      </p:transition>
+    </mc:Choice>
+    <mc:Fallback xmlns="">
+      <p:transition spd="slow">
+        <p:fade/>
+      </p:transition>
+    </mc:Fallback>
+  </mc:AlternateContent>
+</p:sld>
+</file>
+
+<file path=ppt/slides/slide3.xml><?xml version="1.0" encoding="utf-8"?>
+<p:sld xmlns:a="http://schemas.openxmlformats.org/drawingml/2006/main" xmlns:r="http://schemas.openxmlformats.org/officeDocument/2006/relationships" xmlns:p="http://schemas.openxmlformats.org/presentationml/2006/main">
+  <p:cSld>
+    <p:spTree>
+      <p:nvGrpSpPr>
+        <p:cNvPr id="1" name=""/>
+        <p:cNvGrpSpPr/>
+        <p:nvPr/>
+      </p:nvGrpSpPr>
+      <p:grpSpPr>
+        <a:xfrm>
+          <a:off x="0" y="0"/>
+          <a:ext cx="0" cy="0"/>
+          <a:chOff x="0" y="0"/>
+          <a:chExt cx="0" cy="0"/>
+        </a:xfrm>
+      </p:grpSpPr>
+      <p:sp>
+        <p:nvSpPr>
+          <p:cNvPr id="2" name="Title 1">
+            <a:extLst>
+              <a:ext uri="{FF2B5EF4-FFF2-40B4-BE49-F238E27FC236}">
+                <a16:creationId xmlns:a16="http://schemas.microsoft.com/office/drawing/2014/main" id="{CA29FD69-D189-1383-E7C5-190A28658728}"/>
+              </a:ext>
+            </a:extLst>
+          </p:cNvPr>
+          <p:cNvSpPr>
+            <a:spLocks noGrp="1"/>
+          </p:cNvSpPr>
+          <p:nvPr>
+            <p:ph type="title"/>
+          </p:nvPr>
+        </p:nvSpPr>
+        <p:spPr/>
+        <p:txBody>
+          <a:bodyPr/>
+          <a:lstStyle/>
+          <a:p>
+            <a:r>
+              <a:rPr lang="en-US" dirty="0"/>
+              <a:t>Side note: Electricity infrastructure </a:t>
+            </a:r>
+          </a:p>
+        </p:txBody>
+      </p:sp>
+      <p:sp>
+        <p:nvSpPr>
+          <p:cNvPr id="3" name="Content Placeholder 2">
+            <a:extLst>
+              <a:ext uri="{FF2B5EF4-FFF2-40B4-BE49-F238E27FC236}">
+                <a16:creationId xmlns:a16="http://schemas.microsoft.com/office/drawing/2014/main" id="{DAD5F895-8CB5-9A7F-D789-1CD409B64EE6}"/>
+              </a:ext>
+            </a:extLst>
+          </p:cNvPr>
+          <p:cNvSpPr>
+            <a:spLocks noGrp="1"/>
+          </p:cNvSpPr>
+          <p:nvPr>
+            <p:ph idx="1"/>
+          </p:nvPr>
+        </p:nvSpPr>
+        <p:spPr/>
+        <p:txBody>
+          <a:bodyPr/>
+          <a:lstStyle/>
+          <a:p>
+            <a:endParaRPr lang="en-US"/>
+          </a:p>
+        </p:txBody>
+      </p:sp>
+      <p:sp>
+        <p:nvSpPr>
+          <p:cNvPr id="4" name="Slide Number Placeholder 3">
+            <a:extLst>
+              <a:ext uri="{FF2B5EF4-FFF2-40B4-BE49-F238E27FC236}">
+                <a16:creationId xmlns:a16="http://schemas.microsoft.com/office/drawing/2014/main" id="{2E29B63B-5976-5F8B-2162-025DF733BC5B}"/>
+              </a:ext>
+            </a:extLst>
+          </p:cNvPr>
+          <p:cNvSpPr>
+            <a:spLocks noGrp="1"/>
+          </p:cNvSpPr>
+          <p:nvPr>
+            <p:ph type="sldNum" sz="quarter" idx="12"/>
+          </p:nvPr>
+        </p:nvSpPr>
+        <p:spPr/>
+        <p:txBody>
+          <a:bodyPr/>
+          <a:lstStyle/>
+          <a:p>
+            <a:fld id="{934C0642-4071-7D48-AFF8-BD27182896CC}" type="slidenum">
+              <a:rPr lang="en-US" smtClean="0"/>
+              <a:t>3</a:t>
+            </a:fld>
+            <a:endParaRPr lang="en-US"/>
+          </a:p>
+        </p:txBody>
+      </p:sp>
+      <p:pic>
+        <p:nvPicPr>
+          <p:cNvPr id="5" name="Google Shape;91;p18">
+            <a:extLst>
+              <a:ext uri="{FF2B5EF4-FFF2-40B4-BE49-F238E27FC236}">
+                <a16:creationId xmlns:a16="http://schemas.microsoft.com/office/drawing/2014/main" id="{99035472-8115-4991-8E0B-94028121A6F1}"/>
+              </a:ext>
+            </a:extLst>
+          </p:cNvPr>
+          <p:cNvPicPr preferRelativeResize="0"/>
+          <p:nvPr/>
+        </p:nvPicPr>
+        <p:blipFill>
+          <a:blip r:embed="rId2">
+            <a:alphaModFix/>
+          </a:blip>
+          <a:stretch>
+            <a:fillRect/>
+          </a:stretch>
+        </p:blipFill>
+        <p:spPr>
+          <a:xfrm>
+            <a:off x="1792535" y="2042526"/>
+            <a:ext cx="8189665" cy="4134437"/>
+          </a:xfrm>
+          <a:prstGeom prst="rect">
+            <a:avLst/>
+          </a:prstGeom>
+          <a:noFill/>
+          <a:ln>
+            <a:noFill/>
+          </a:ln>
+        </p:spPr>
+      </p:pic>
+    </p:spTree>
+    <p:extLst>
+      <p:ext uri="{BB962C8B-B14F-4D97-AF65-F5344CB8AC3E}">
+        <p14:creationId xmlns:p14="http://schemas.microsoft.com/office/powerpoint/2010/main" val="2706034966"/>
+      </p:ext>
+    </p:extLst>
+  </p:cSld>
+  <p:clrMapOvr>
+    <a:masterClrMapping/>
+  </p:clrMapOvr>
+</p:sld>
+</file>
+
+<file path=ppt/slides/slide4.xml><?xml version="1.0" encoding="utf-8"?>
+<p:sld xmlns:a="http://schemas.openxmlformats.org/drawingml/2006/main" xmlns:r="http://schemas.openxmlformats.org/officeDocument/2006/relationships" xmlns:p="http://schemas.openxmlformats.org/presentationml/2006/main">
+  <p:cSld>
+    <p:spTree>
+      <p:nvGrpSpPr>
+        <p:cNvPr id="1" name=""/>
+        <p:cNvGrpSpPr/>
+        <p:nvPr/>
+      </p:nvGrpSpPr>
+      <p:grpSpPr>
+        <a:xfrm>
+          <a:off x="0" y="0"/>
+          <a:ext cx="0" cy="0"/>
+          <a:chOff x="0" y="0"/>
+          <a:chExt cx="0" cy="0"/>
+        </a:xfrm>
+      </p:grpSpPr>
+      <p:sp>
+        <p:nvSpPr>
+          <p:cNvPr id="2" name="Title 1">
+            <a:extLst>
+              <a:ext uri="{FF2B5EF4-FFF2-40B4-BE49-F238E27FC236}">
+                <a16:creationId xmlns:a16="http://schemas.microsoft.com/office/drawing/2014/main" id="{B31D1233-4C4A-D71B-BE25-3B46AC47784C}"/>
+              </a:ext>
+            </a:extLst>
+          </p:cNvPr>
+          <p:cNvSpPr>
+            <a:spLocks noGrp="1"/>
+          </p:cNvSpPr>
+          <p:nvPr>
+            <p:ph type="title"/>
+          </p:nvPr>
+        </p:nvSpPr>
+        <p:spPr/>
+        <p:txBody>
+          <a:bodyPr/>
+          <a:lstStyle/>
+          <a:p>
+            <a:r>
+              <a:rPr lang="en-US" dirty="0"/>
+              <a:t>Example problem: Prediction or inference?</a:t>
+            </a:r>
+          </a:p>
+        </p:txBody>
+      </p:sp>
+      <p:sp>
+        <p:nvSpPr>
+          <p:cNvPr id="3" name="Content Placeholder 2">
+            <a:extLst>
+              <a:ext uri="{FF2B5EF4-FFF2-40B4-BE49-F238E27FC236}">
+                <a16:creationId xmlns:a16="http://schemas.microsoft.com/office/drawing/2014/main" id="{60E1C829-044E-4227-1423-1B47DB397A69}"/>
+              </a:ext>
+            </a:extLst>
+          </p:cNvPr>
+          <p:cNvSpPr>
+            <a:spLocks noGrp="1"/>
+          </p:cNvSpPr>
+          <p:nvPr>
+            <p:ph idx="1"/>
+          </p:nvPr>
+        </p:nvSpPr>
+        <p:spPr/>
+        <p:txBody>
+          <a:bodyPr/>
+          <a:lstStyle/>
+          <a:p>
+            <a:pPr marL="0" indent="0">
+              <a:buNone/>
+            </a:pPr>
+            <a:r>
+              <a:rPr lang="en-US" b="0" i="0" u="none" strike="noStrike" dirty="0">
+                <a:solidFill>
+                  <a:srgbClr val="000000"/>
+                </a:solidFill>
+                <a:effectLst/>
+                <a:latin typeface="Calibri" panose="020F0502020204030204" pitchFamily="34" charset="0"/>
+              </a:rPr>
+              <a:t>Researchers at UC Berkeley are studying PG&amp;E’s wildfire mitigation efforts in distribution feeders.  They have data on (</a:t>
+            </a:r>
+            <a:r>
+              <a:rPr lang="en-US" b="0" i="0" u="none" strike="noStrike" dirty="0" err="1">
+                <a:solidFill>
+                  <a:srgbClr val="000000"/>
+                </a:solidFill>
+                <a:effectLst/>
+                <a:latin typeface="Calibri" panose="020F0502020204030204" pitchFamily="34" charset="0"/>
+              </a:rPr>
+              <a:t>i</a:t>
+            </a:r>
+            <a:r>
+              <a:rPr lang="en-US" b="0" i="0" u="none" strike="noStrike" dirty="0">
+                <a:solidFill>
+                  <a:srgbClr val="000000"/>
+                </a:solidFill>
+                <a:effectLst/>
+                <a:latin typeface="Calibri" panose="020F0502020204030204" pitchFamily="34" charset="0"/>
+              </a:rPr>
+              <a:t>) the time and location of historical wildfire ignitions caused by PG&amp;E’s feeders, (ii) daily weather, (iii) data on vegetation conditions near each feeder, and (iv) the characteristics of PG&amp;E’s electrical system. They also have data on the timing and location of PG&amp;E’s wildfire mitigation actions (e.g. tree trimming, burying lines, and covering wires with insulation so falling trees don’t spark).  They use all this data to calculate how much each type of wildfire mitigation action reduced the risk of ignitions in PG&amp;E’s network.  They then present their findings to PG&amp;E, explaining which mitigation action has the greatest ability to reduce wildfire rates.</a:t>
+            </a:r>
+            <a:endParaRPr lang="en-US" dirty="0"/>
+          </a:p>
+        </p:txBody>
+      </p:sp>
+      <p:sp>
+        <p:nvSpPr>
+          <p:cNvPr id="4" name="Slide Number Placeholder 3">
+            <a:extLst>
+              <a:ext uri="{FF2B5EF4-FFF2-40B4-BE49-F238E27FC236}">
+                <a16:creationId xmlns:a16="http://schemas.microsoft.com/office/drawing/2014/main" id="{C14D4FAF-FD87-2142-A6EE-AE6D783AF0A0}"/>
+              </a:ext>
+            </a:extLst>
+          </p:cNvPr>
+          <p:cNvSpPr>
+            <a:spLocks noGrp="1"/>
+          </p:cNvSpPr>
+          <p:nvPr>
+            <p:ph type="sldNum" sz="quarter" idx="12"/>
+          </p:nvPr>
+        </p:nvSpPr>
+        <p:spPr/>
+        <p:txBody>
+          <a:bodyPr/>
+          <a:lstStyle/>
+          <a:p>
+            <a:fld id="{934C0642-4071-7D48-AFF8-BD27182896CC}" type="slidenum">
+              <a:rPr lang="en-US" smtClean="0"/>
+              <a:t>4</a:t>
+            </a:fld>
+            <a:endParaRPr lang="en-US"/>
+          </a:p>
+        </p:txBody>
+      </p:sp>
+    </p:spTree>
+    <p:extLst>
+      <p:ext uri="{BB962C8B-B14F-4D97-AF65-F5344CB8AC3E}">
+        <p14:creationId xmlns:p14="http://schemas.microsoft.com/office/powerpoint/2010/main" val="1669359166"/>
+      </p:ext>
+    </p:extLst>
+  </p:cSld>
+  <p:clrMapOvr>
+    <a:masterClrMapping/>
+  </p:clrMapOvr>
+</p:sld>
+</file>
+
+<file path=ppt/slides/slide5.xml><?xml version="1.0" encoding="utf-8"?>
+<p:sld xmlns:a="http://schemas.openxmlformats.org/drawingml/2006/main" xmlns:r="http://schemas.openxmlformats.org/officeDocument/2006/relationships" xmlns:p="http://schemas.openxmlformats.org/presentationml/2006/main">
+  <p:cSld>
+    <p:spTree>
+      <p:nvGrpSpPr>
+        <p:cNvPr id="1" name=""/>
+        <p:cNvGrpSpPr/>
+        <p:nvPr/>
+      </p:nvGrpSpPr>
+      <p:grpSpPr>
+        <a:xfrm>
+          <a:off x="0" y="0"/>
+          <a:ext cx="0" cy="0"/>
+          <a:chOff x="0" y="0"/>
+          <a:chExt cx="0" cy="0"/>
+        </a:xfrm>
+      </p:grpSpPr>
+      <p:sp>
+        <p:nvSpPr>
+          <p:cNvPr id="2" name="Title 1">
+            <a:extLst>
+              <a:ext uri="{FF2B5EF4-FFF2-40B4-BE49-F238E27FC236}">
+                <a16:creationId xmlns:a16="http://schemas.microsoft.com/office/drawing/2014/main" id="{C7CD7AC2-9B45-AFED-4B72-3979D285FDD0}"/>
+              </a:ext>
+            </a:extLst>
+          </p:cNvPr>
+          <p:cNvSpPr>
+            <a:spLocks noGrp="1"/>
+          </p:cNvSpPr>
+          <p:nvPr>
+            <p:ph type="title"/>
+          </p:nvPr>
+        </p:nvSpPr>
+        <p:spPr/>
+        <p:txBody>
+          <a:bodyPr/>
+          <a:lstStyle/>
+          <a:p>
+            <a:r>
+              <a:rPr lang="en-US" dirty="0"/>
+              <a:t>Example problem: Prediction or inference?</a:t>
+            </a:r>
+          </a:p>
+        </p:txBody>
+      </p:sp>
+      <p:sp>
+        <p:nvSpPr>
+          <p:cNvPr id="3" name="Content Placeholder 2">
+            <a:extLst>
+              <a:ext uri="{FF2B5EF4-FFF2-40B4-BE49-F238E27FC236}">
+                <a16:creationId xmlns:a16="http://schemas.microsoft.com/office/drawing/2014/main" id="{E2B49042-6358-F5AC-B8B0-5D227C9093FA}"/>
+              </a:ext>
+            </a:extLst>
+          </p:cNvPr>
+          <p:cNvSpPr>
+            <a:spLocks noGrp="1"/>
+          </p:cNvSpPr>
+          <p:nvPr>
+            <p:ph idx="1"/>
+          </p:nvPr>
+        </p:nvSpPr>
+        <p:spPr/>
+        <p:txBody>
+          <a:bodyPr/>
+          <a:lstStyle/>
+          <a:p>
+            <a:r>
+              <a:rPr lang="en-US" dirty="0"/>
+              <a:t>This is </a:t>
+            </a:r>
+            <a:r>
+              <a:rPr lang="en-US" i="1" dirty="0"/>
+              <a:t>inference</a:t>
+            </a:r>
+            <a:r>
+              <a:rPr lang="en-US" dirty="0"/>
+              <a:t> because researchers are identifying the relationship between ignitions and efforts to prevent them.  </a:t>
+            </a:r>
+          </a:p>
+        </p:txBody>
+      </p:sp>
+      <p:sp>
+        <p:nvSpPr>
+          <p:cNvPr id="4" name="Slide Number Placeholder 3">
+            <a:extLst>
+              <a:ext uri="{FF2B5EF4-FFF2-40B4-BE49-F238E27FC236}">
+                <a16:creationId xmlns:a16="http://schemas.microsoft.com/office/drawing/2014/main" id="{02FE5803-B57E-DD4F-58D0-08AE4340A8DA}"/>
+              </a:ext>
+            </a:extLst>
+          </p:cNvPr>
+          <p:cNvSpPr>
+            <a:spLocks noGrp="1"/>
+          </p:cNvSpPr>
+          <p:nvPr>
+            <p:ph type="sldNum" sz="quarter" idx="12"/>
+          </p:nvPr>
+        </p:nvSpPr>
+        <p:spPr/>
+        <p:txBody>
+          <a:bodyPr/>
+          <a:lstStyle/>
+          <a:p>
+            <a:fld id="{934C0642-4071-7D48-AFF8-BD27182896CC}" type="slidenum">
+              <a:rPr lang="en-US" smtClean="0"/>
+              <a:t>5</a:t>
+            </a:fld>
+            <a:endParaRPr lang="en-US"/>
+          </a:p>
+        </p:txBody>
+      </p:sp>
+    </p:spTree>
+    <p:extLst>
+      <p:ext uri="{BB962C8B-B14F-4D97-AF65-F5344CB8AC3E}">
+        <p14:creationId xmlns:p14="http://schemas.microsoft.com/office/powerpoint/2010/main" val="3828187924"/>
+      </p:ext>
+    </p:extLst>
+  </p:cSld>
+  <p:clrMapOvr>
+    <a:masterClrMapping/>
+  </p:clrMapOvr>
+  <p:timing>
+    <p:tnLst>
+      <p:par>
+        <p:cTn id="1" dur="indefinite" restart="never" nodeType="tmRoot">
+          <p:childTnLst>
+            <p:seq concurrent="1" nextAc="seek">
+              <p:cTn id="2" dur="indefinite" nodeType="mainSeq">
+                <p:childTnLst>
+                  <p:par>
+                    <p:cTn id="3" fill="hold">
+                      <p:stCondLst>
+                        <p:cond delay="indefinite"/>
+                      </p:stCondLst>
+                      <p:childTnLst>
+                        <p:par>
+                          <p:cTn id="4" fill="hold">
+                            <p:stCondLst>
+                              <p:cond delay="0"/>
+                            </p:stCondLst>
+                            <p:childTnLst>
+                              <p:par>
+                                <p:cTn id="5" presetID="1" presetClass="entr" presetSubtype="0" fill="hold" nodeType="clickEffect">
+                                  <p:stCondLst>
+                                    <p:cond delay="0"/>
+                                  </p:stCondLst>
+                                  <p:childTnLst>
+                                    <p:set>
+                                      <p:cBhvr>
+                                        <p:cTn id="6" dur="1" fill="hold">
+                                          <p:stCondLst>
+                                            <p:cond delay="0"/>
+                                          </p:stCondLst>
+                                        </p:cTn>
+                                        <p:tgtEl>
+                                          <p:spTgt spid="3">
+                                            <p:txEl>
+                                              <p:pRg st="0" end="0"/>
+                                            </p:txEl>
+                                          </p:spTgt>
+                                        </p:tgtEl>
+                                        <p:attrNameLst>
+                                          <p:attrName>style.visibility</p:attrName>
+                                        </p:attrNameLst>
+                                      </p:cBhvr>
+                                      <p:to>
+                                        <p:strVal val="visible"/>
+                                      </p:to>
+                                    </p:set>
+                                  </p:childTnLst>
+                                </p:cTn>
+                              </p:par>
+                            </p:childTnLst>
+                          </p:cTn>
+                        </p:par>
+                      </p:childTnLst>
+                    </p:cTn>
+                  </p:par>
+                </p:childTnLst>
+              </p:cTn>
+              <p:prevCondLst>
+                <p:cond evt="onPrev" delay="0">
+                  <p:tgtEl>
+                    <p:sldTgt/>
+                  </p:tgtEl>
+                </p:cond>
+              </p:prevCondLst>
+              <p:nextCondLst>
+                <p:cond evt="onNext" delay="0">
+                  <p:tgtEl>
+                    <p:sldTgt/>
+                  </p:tgtEl>
+                </p:cond>
+              </p:nextCondLst>
+            </p:seq>
+          </p:childTnLst>
+        </p:cTn>
+      </p:par>
+    </p:tnLst>
+  </p:timing>
+</p:sld>
+</file>
+
+<file path=ppt/slides/slide6.xml><?xml version="1.0" encoding="utf-8"?>
+<p:sld xmlns:a="http://schemas.openxmlformats.org/drawingml/2006/main" xmlns:r="http://schemas.openxmlformats.org/officeDocument/2006/relationships" xmlns:p="http://schemas.openxmlformats.org/presentationml/2006/main">
+  <p:cSld>
+    <p:spTree>
+      <p:nvGrpSpPr>
+        <p:cNvPr id="1" name=""/>
+        <p:cNvGrpSpPr/>
+        <p:nvPr/>
+      </p:nvGrpSpPr>
+      <p:grpSpPr>
+        <a:xfrm>
+          <a:off x="0" y="0"/>
+          <a:ext cx="0" cy="0"/>
+          <a:chOff x="0" y="0"/>
+          <a:chExt cx="0" cy="0"/>
+        </a:xfrm>
+      </p:grpSpPr>
+      <p:sp>
+        <p:nvSpPr>
+          <p:cNvPr id="2" name="Title 1">
+            <a:extLst>
+              <a:ext uri="{FF2B5EF4-FFF2-40B4-BE49-F238E27FC236}">
+                <a16:creationId xmlns:a16="http://schemas.microsoft.com/office/drawing/2014/main" id="{7E60427A-3E41-C1D4-1E34-F7AE64E4731F}"/>
+              </a:ext>
+            </a:extLst>
+          </p:cNvPr>
+          <p:cNvSpPr>
+            <a:spLocks noGrp="1"/>
+          </p:cNvSpPr>
+          <p:nvPr>
+            <p:ph type="title"/>
+          </p:nvPr>
+        </p:nvSpPr>
+        <p:spPr/>
+        <p:txBody>
+          <a:bodyPr/>
+          <a:lstStyle/>
+          <a:p>
+            <a:r>
+              <a:rPr lang="en-US" dirty="0"/>
+              <a:t>Some terminology: Prediction</a:t>
+            </a:r>
+          </a:p>
+        </p:txBody>
+      </p:sp>
+      <p:sp>
+        <p:nvSpPr>
+          <p:cNvPr id="3" name="Content Placeholder 2">
+            <a:extLst>
+              <a:ext uri="{FF2B5EF4-FFF2-40B4-BE49-F238E27FC236}">
+                <a16:creationId xmlns:a16="http://schemas.microsoft.com/office/drawing/2014/main" id="{B1A127B3-75B1-58E4-8B20-1A5733743396}"/>
+              </a:ext>
+            </a:extLst>
+          </p:cNvPr>
+          <p:cNvSpPr>
+            <a:spLocks noGrp="1"/>
+          </p:cNvSpPr>
+          <p:nvPr>
+            <p:ph idx="1"/>
+          </p:nvPr>
+        </p:nvSpPr>
+        <p:spPr>
+          <a:xfrm>
+            <a:off x="838200" y="1825625"/>
+            <a:ext cx="10515600" cy="4667250"/>
+          </a:xfrm>
+        </p:spPr>
+        <p:txBody>
+          <a:bodyPr>
+            <a:normAutofit/>
+          </a:bodyPr>
+          <a:lstStyle/>
+          <a:p>
+            <a:r>
+              <a:rPr lang="en-US" dirty="0"/>
+              <a:t>The </a:t>
+            </a:r>
+            <a:r>
+              <a:rPr lang="en-US" b="1" i="1" dirty="0"/>
+              <a:t>target variable</a:t>
+            </a:r>
+            <a:r>
+              <a:rPr lang="en-US" b="1" dirty="0"/>
+              <a:t> </a:t>
+            </a:r>
+            <a:r>
+              <a:rPr lang="en-US" dirty="0"/>
+              <a:t>is the thing you’re trying to predict</a:t>
+            </a:r>
+          </a:p>
+          <a:p>
+            <a:r>
+              <a:rPr lang="en-US" dirty="0"/>
+              <a:t>The </a:t>
+            </a:r>
+            <a:r>
+              <a:rPr lang="en-US" b="1" i="1" dirty="0"/>
+              <a:t>features</a:t>
+            </a:r>
+            <a:r>
+              <a:rPr lang="en-US" b="1" dirty="0"/>
+              <a:t> </a:t>
+            </a:r>
+            <a:r>
+              <a:rPr lang="en-US" dirty="0"/>
+              <a:t>are the data you have to make the prediction</a:t>
+            </a:r>
+          </a:p>
+          <a:p>
+            <a:r>
+              <a:rPr lang="en-US" dirty="0"/>
+              <a:t>Which is which in the following?</a:t>
+            </a:r>
+          </a:p>
+          <a:p>
+            <a:endParaRPr lang="en-US" dirty="0"/>
+          </a:p>
+          <a:p>
+            <a:pPr marL="0" indent="0">
+              <a:buNone/>
+            </a:pPr>
+            <a:endParaRPr lang="en-US" dirty="0"/>
+          </a:p>
+          <a:p>
+            <a:r>
+              <a:rPr lang="en-US" dirty="0" err="1"/>
+              <a:t>yhat</a:t>
+            </a:r>
+            <a:r>
+              <a:rPr lang="en-US" dirty="0"/>
+              <a:t>: target</a:t>
+            </a:r>
+          </a:p>
+          <a:p>
+            <a:r>
+              <a:rPr lang="en-US" dirty="0"/>
+              <a:t>x: feature</a:t>
+            </a:r>
+          </a:p>
+          <a:p>
+            <a:r>
+              <a:rPr lang="en-US" dirty="0"/>
+              <a:t>More terminology: </a:t>
+            </a:r>
+            <a:r>
+              <a:rPr lang="en-US" i="1" dirty="0" err="1"/>
+              <a:t>i</a:t>
+            </a:r>
+            <a:r>
+              <a:rPr lang="en-US" dirty="0"/>
+              <a:t> indexes each </a:t>
+            </a:r>
+            <a:r>
+              <a:rPr lang="en-US" b="1" i="1" dirty="0"/>
+              <a:t>observation</a:t>
+            </a:r>
+            <a:r>
+              <a:rPr lang="en-US" i="1" dirty="0"/>
+              <a:t>.  </a:t>
+            </a:r>
+            <a:r>
+              <a:rPr lang="en-US" dirty="0"/>
+              <a:t>A location, a person, a community.  Those could be observed at many different times.</a:t>
+            </a:r>
+            <a:endParaRPr lang="en-US" i="1" dirty="0"/>
+          </a:p>
+        </p:txBody>
+      </p:sp>
+      <p:sp>
+        <p:nvSpPr>
+          <p:cNvPr id="4" name="Slide Number Placeholder 3">
+            <a:extLst>
+              <a:ext uri="{FF2B5EF4-FFF2-40B4-BE49-F238E27FC236}">
+                <a16:creationId xmlns:a16="http://schemas.microsoft.com/office/drawing/2014/main" id="{1D9CA6DD-77B6-F972-F15E-6FA3FC8AE527}"/>
+              </a:ext>
+            </a:extLst>
+          </p:cNvPr>
+          <p:cNvSpPr>
+            <a:spLocks noGrp="1"/>
+          </p:cNvSpPr>
+          <p:nvPr>
+            <p:ph type="sldNum" sz="quarter" idx="12"/>
+          </p:nvPr>
+        </p:nvSpPr>
+        <p:spPr/>
+        <p:txBody>
+          <a:bodyPr/>
+          <a:lstStyle/>
+          <a:p>
+            <a:fld id="{934C0642-4071-7D48-AFF8-BD27182896CC}" type="slidenum">
+              <a:rPr lang="en-US" smtClean="0"/>
+              <a:t>6</a:t>
+            </a:fld>
+            <a:endParaRPr lang="en-US"/>
+          </a:p>
+        </p:txBody>
+      </p:sp>
+      <p:pic>
+        <p:nvPicPr>
+          <p:cNvPr id="5" name="Picture 4">
+            <a:extLst>
+              <a:ext uri="{FF2B5EF4-FFF2-40B4-BE49-F238E27FC236}">
+                <a16:creationId xmlns:a16="http://schemas.microsoft.com/office/drawing/2014/main" id="{93338145-4388-3B0A-567D-7B4C5A91A385}"/>
+              </a:ext>
+            </a:extLst>
+          </p:cNvPr>
+          <p:cNvPicPr>
+            <a:picLocks noChangeAspect="1"/>
+          </p:cNvPicPr>
+          <p:nvPr/>
+        </p:nvPicPr>
+        <p:blipFill>
+          <a:blip r:embed="rId2"/>
+          <a:stretch>
+            <a:fillRect/>
+          </a:stretch>
+        </p:blipFill>
+        <p:spPr>
+          <a:xfrm>
+            <a:off x="4317076" y="3429000"/>
+            <a:ext cx="2586716" cy="892492"/>
+          </a:xfrm>
+          <a:prstGeom prst="rect">
+            <a:avLst/>
+          </a:prstGeom>
+        </p:spPr>
+      </p:pic>
+    </p:spTree>
+    <p:extLst>
+      <p:ext uri="{BB962C8B-B14F-4D97-AF65-F5344CB8AC3E}">
+        <p14:creationId xmlns:p14="http://schemas.microsoft.com/office/powerpoint/2010/main" val="3614046952"/>
+      </p:ext>
+    </p:extLst>
+  </p:cSld>
+  <p:clrMapOvr>
+    <a:masterClrMapping/>
+  </p:clrMapOvr>
+  <p:timing>
+    <p:tnLst>
+      <p:par>
+        <p:cTn id="1" dur="indefinite" restart="never" nodeType="tmRoot">
+          <p:childTnLst>
+            <p:seq concurrent="1" nextAc="seek">
+              <p:cTn id="2" dur="indefinite" nodeType="mainSeq">
+                <p:childTnLst>
+                  <p:par>
+                    <p:cTn id="3" fill="hold">
+                      <p:stCondLst>
+                        <p:cond delay="indefinite"/>
+                      </p:stCondLst>
+                      <p:childTnLst>
+                        <p:par>
+                          <p:cTn id="4" fill="hold">
+                            <p:stCondLst>
+                              <p:cond delay="0"/>
+                            </p:stCondLst>
+                            <p:childTnLst>
+                              <p:par>
+                                <p:cTn id="5" presetID="1" presetClass="entr" presetSubtype="0" fill="hold" nodeType="clickEffect">
+                                  <p:stCondLst>
+                                    <p:cond delay="0"/>
+                                  </p:stCondLst>
+                                  <p:childTnLst>
+                                    <p:set>
+                                      <p:cBhvr>
+                                        <p:cTn id="6" dur="1" fill="hold">
+                                          <p:stCondLst>
+                                            <p:cond delay="0"/>
+                                          </p:stCondLst>
+                                        </p:cTn>
+                                        <p:tgtEl>
+                                          <p:spTgt spid="3">
+                                            <p:txEl>
+                                              <p:pRg st="5" end="5"/>
+                                            </p:txEl>
+                                          </p:spTgt>
+                                        </p:tgtEl>
+                                        <p:attrNameLst>
+                                          <p:attrName>style.visibility</p:attrName>
+                                        </p:attrNameLst>
+                                      </p:cBhvr>
+                                      <p:to>
+                                        <p:strVal val="visible"/>
+                                      </p:to>
+                                    </p:set>
+                                  </p:childTnLst>
+                                </p:cTn>
+                              </p:par>
+                              <p:par>
+                                <p:cTn id="7" presetID="1" presetClass="entr" presetSubtype="0" fill="hold" nodeType="withEffect">
+                                  <p:stCondLst>
+                                    <p:cond delay="0"/>
+                                  </p:stCondLst>
+                                  <p:childTnLst>
+                                    <p:set>
+                                      <p:cBhvr>
+                                        <p:cTn id="8" dur="1" fill="hold">
+                                          <p:stCondLst>
+                                            <p:cond delay="0"/>
+                                          </p:stCondLst>
+                                        </p:cTn>
+                                        <p:tgtEl>
+                                          <p:spTgt spid="3">
+                                            <p:txEl>
+                                              <p:pRg st="6" end="6"/>
+                                            </p:txEl>
+                                          </p:spTgt>
+                                        </p:tgtEl>
+                                        <p:attrNameLst>
+                                          <p:attrName>style.visibility</p:attrName>
+                                        </p:attrNameLst>
+                                      </p:cBhvr>
+                                      <p:to>
+                                        <p:strVal val="visible"/>
+                                      </p:to>
+                                    </p:set>
+                                  </p:childTnLst>
+                                </p:cTn>
+                              </p:par>
+                            </p:childTnLst>
+                          </p:cTn>
+                        </p:par>
+                      </p:childTnLst>
+                    </p:cTn>
+                  </p:par>
+                  <p:par>
+                    <p:cTn id="9" fill="hold">
+                      <p:stCondLst>
+                        <p:cond delay="indefinite"/>
+                      </p:stCondLst>
+                      <p:childTnLst>
+                        <p:par>
+                          <p:cTn id="10" fill="hold">
+                            <p:stCondLst>
+                              <p:cond delay="0"/>
+                            </p:stCondLst>
+                            <p:childTnLst>
+                              <p:par>
+                                <p:cTn id="11" presetID="1" presetClass="entr" presetSubtype="0" fill="hold" nodeType="clickEffect">
+                                  <p:stCondLst>
+                                    <p:cond delay="0"/>
+                                  </p:stCondLst>
+                                  <p:childTnLst>
+                                    <p:set>
+                                      <p:cBhvr>
+                                        <p:cTn id="12" dur="1" fill="hold">
+                                          <p:stCondLst>
+                                            <p:cond delay="0"/>
+                                          </p:stCondLst>
+                                        </p:cTn>
+                                        <p:tgtEl>
+                                          <p:spTgt spid="3">
+                                            <p:txEl>
+                                              <p:pRg st="7" end="7"/>
+                                            </p:txEl>
+                                          </p:spTgt>
+                                        </p:tgtEl>
+                                        <p:attrNameLst>
+                                          <p:attrName>style.visibility</p:attrName>
+                                        </p:attrNameLst>
+                                      </p:cBhvr>
+                                      <p:to>
+                                        <p:strVal val="visible"/>
+                                      </p:to>
+                                    </p:set>
+                                  </p:childTnLst>
+                                </p:cTn>
+                              </p:par>
+                            </p:childTnLst>
+                          </p:cTn>
+                        </p:par>
+                      </p:childTnLst>
+                    </p:cTn>
+                  </p:par>
+                </p:childTnLst>
+              </p:cTn>
+              <p:prevCondLst>
+                <p:cond evt="onPrev" delay="0">
+                  <p:tgtEl>
+                    <p:sldTgt/>
+                  </p:tgtEl>
+                </p:cond>
+              </p:prevCondLst>
+              <p:nextCondLst>
+                <p:cond evt="onNext" delay="0">
+                  <p:tgtEl>
+                    <p:sldTgt/>
+                  </p:tgtEl>
+                </p:cond>
+              </p:nextCondLst>
+            </p:seq>
+          </p:childTnLst>
+        </p:cTn>
+      </p:par>
+    </p:tnLst>
+  </p:timing>
+</p:sld>
+</file>
+
+<file path=ppt/slides/slide7.xml><?xml version="1.0" encoding="utf-8"?>
+<p:sld xmlns:a="http://schemas.openxmlformats.org/drawingml/2006/main" xmlns:r="http://schemas.openxmlformats.org/officeDocument/2006/relationships" xmlns:p="http://schemas.openxmlformats.org/presentationml/2006/main">
+  <p:cSld>
+    <p:spTree>
+      <p:nvGrpSpPr>
+        <p:cNvPr id="1" name=""/>
+        <p:cNvGrpSpPr/>
+        <p:nvPr/>
+      </p:nvGrpSpPr>
+      <p:grpSpPr>
+        <a:xfrm>
+          <a:off x="0" y="0"/>
+          <a:ext cx="0" cy="0"/>
+          <a:chOff x="0" y="0"/>
+          <a:chExt cx="0" cy="0"/>
+        </a:xfrm>
+      </p:grpSpPr>
+      <p:sp>
+        <p:nvSpPr>
+          <p:cNvPr id="2" name="Title 1">
+            <a:extLst>
+              <a:ext uri="{FF2B5EF4-FFF2-40B4-BE49-F238E27FC236}">
+                <a16:creationId xmlns:a16="http://schemas.microsoft.com/office/drawing/2014/main" id="{15098467-CA6F-0D5B-78D0-9D252DAEEF16}"/>
+              </a:ext>
+            </a:extLst>
+          </p:cNvPr>
+          <p:cNvSpPr>
+            <a:spLocks noGrp="1"/>
+          </p:cNvSpPr>
+          <p:nvPr>
+            <p:ph type="title"/>
+          </p:nvPr>
+        </p:nvSpPr>
+        <p:spPr/>
+        <p:txBody>
+          <a:bodyPr/>
+          <a:lstStyle/>
+          <a:p>
+            <a:r>
+              <a:rPr lang="en-US" dirty="0"/>
+              <a:t>What’s an observation in this </a:t>
+            </a:r>
+            <a:r>
+              <a:rPr lang="en-US" dirty="0" err="1"/>
+              <a:t>dataframe</a:t>
+            </a:r>
+            <a:r>
+              <a:rPr lang="en-US" dirty="0"/>
+              <a:t>?</a:t>
+            </a:r>
+          </a:p>
+        </p:txBody>
+      </p:sp>
+      <p:sp>
+        <p:nvSpPr>
+          <p:cNvPr id="3" name="Content Placeholder 2">
+            <a:extLst>
+              <a:ext uri="{FF2B5EF4-FFF2-40B4-BE49-F238E27FC236}">
+                <a16:creationId xmlns:a16="http://schemas.microsoft.com/office/drawing/2014/main" id="{AA8AC37A-73AD-B5B1-4264-C634AE2299F7}"/>
+              </a:ext>
+            </a:extLst>
+          </p:cNvPr>
+          <p:cNvSpPr>
+            <a:spLocks noGrp="1"/>
+          </p:cNvSpPr>
+          <p:nvPr>
+            <p:ph idx="1"/>
+          </p:nvPr>
+        </p:nvSpPr>
+        <p:spPr/>
+        <p:txBody>
+          <a:bodyPr/>
+          <a:lstStyle/>
+          <a:p>
+            <a:endParaRPr lang="en-US"/>
+          </a:p>
+        </p:txBody>
+      </p:sp>
+      <p:sp>
+        <p:nvSpPr>
+          <p:cNvPr id="4" name="Slide Number Placeholder 3">
+            <a:extLst>
+              <a:ext uri="{FF2B5EF4-FFF2-40B4-BE49-F238E27FC236}">
+                <a16:creationId xmlns:a16="http://schemas.microsoft.com/office/drawing/2014/main" id="{60546CE6-03EE-A263-4423-3AAFFAA8C6C5}"/>
+              </a:ext>
+            </a:extLst>
+          </p:cNvPr>
+          <p:cNvSpPr>
+            <a:spLocks noGrp="1"/>
+          </p:cNvSpPr>
+          <p:nvPr>
+            <p:ph type="sldNum" sz="quarter" idx="12"/>
+          </p:nvPr>
+        </p:nvSpPr>
+        <p:spPr/>
+        <p:txBody>
+          <a:bodyPr/>
+          <a:lstStyle/>
+          <a:p>
+            <a:fld id="{934C0642-4071-7D48-AFF8-BD27182896CC}" type="slidenum">
+              <a:rPr lang="en-US" smtClean="0"/>
+              <a:t>7</a:t>
+            </a:fld>
+            <a:endParaRPr lang="en-US"/>
+          </a:p>
+        </p:txBody>
+      </p:sp>
+      <p:pic>
+        <p:nvPicPr>
+          <p:cNvPr id="5" name="Picture 4">
+            <a:extLst>
+              <a:ext uri="{FF2B5EF4-FFF2-40B4-BE49-F238E27FC236}">
+                <a16:creationId xmlns:a16="http://schemas.microsoft.com/office/drawing/2014/main" id="{1D2CCE54-EF46-AC75-9167-7004DC2C5075}"/>
+              </a:ext>
+            </a:extLst>
+          </p:cNvPr>
+          <p:cNvPicPr>
+            <a:picLocks noChangeAspect="1"/>
+          </p:cNvPicPr>
+          <p:nvPr/>
+        </p:nvPicPr>
+        <p:blipFill>
+          <a:blip r:embed="rId3"/>
+          <a:stretch>
+            <a:fillRect/>
+          </a:stretch>
+        </p:blipFill>
+        <p:spPr>
+          <a:xfrm>
+            <a:off x="2061557" y="1361994"/>
+            <a:ext cx="7358925" cy="5176918"/>
+          </a:xfrm>
+          <a:prstGeom prst="rect">
+            <a:avLst/>
+          </a:prstGeom>
+        </p:spPr>
+      </p:pic>
+    </p:spTree>
+    <p:extLst>
+      <p:ext uri="{BB962C8B-B14F-4D97-AF65-F5344CB8AC3E}">
+        <p14:creationId xmlns:p14="http://schemas.microsoft.com/office/powerpoint/2010/main" val="287336490"/>
+      </p:ext>
+    </p:extLst>
+  </p:cSld>
+  <p:clrMapOvr>
+    <a:masterClrMapping/>
+  </p:clrMapOvr>
+</p:sld>
+</file>
+
+<file path=ppt/slides/slide8.xml><?xml version="1.0" encoding="utf-8"?>
+<p:sld xmlns:a="http://schemas.openxmlformats.org/drawingml/2006/main" xmlns:r="http://schemas.openxmlformats.org/officeDocument/2006/relationships" xmlns:p="http://schemas.openxmlformats.org/presentationml/2006/main">
+  <p:cSld>
+    <p:spTree>
+      <p:nvGrpSpPr>
+        <p:cNvPr id="1" name=""/>
+        <p:cNvGrpSpPr/>
+        <p:nvPr/>
+      </p:nvGrpSpPr>
+      <p:grpSpPr>
+        <a:xfrm>
+          <a:off x="0" y="0"/>
+          <a:ext cx="0" cy="0"/>
+          <a:chOff x="0" y="0"/>
+          <a:chExt cx="0" cy="0"/>
+        </a:xfrm>
+      </p:grpSpPr>
+      <p:sp>
+        <p:nvSpPr>
+          <p:cNvPr id="2" name="Title 1">
+            <a:extLst>
+              <a:ext uri="{FF2B5EF4-FFF2-40B4-BE49-F238E27FC236}">
+                <a16:creationId xmlns:a16="http://schemas.microsoft.com/office/drawing/2014/main" id="{BDA428F6-ABDA-FEB2-5669-5BDE6728DB05}"/>
+              </a:ext>
+            </a:extLst>
+          </p:cNvPr>
+          <p:cNvSpPr>
+            <a:spLocks noGrp="1"/>
+          </p:cNvSpPr>
+          <p:nvPr>
+            <p:ph type="title"/>
+          </p:nvPr>
+        </p:nvSpPr>
+        <p:spPr/>
+        <p:txBody>
+          <a:bodyPr/>
+          <a:lstStyle/>
+          <a:p>
+            <a:r>
+              <a:rPr lang="en-US" dirty="0"/>
+              <a:t>Prediction with PG&amp;E data</a:t>
+            </a:r>
+          </a:p>
+        </p:txBody>
+      </p:sp>
+      <p:sp>
+        <p:nvSpPr>
+          <p:cNvPr id="3" name="Content Placeholder 2">
+            <a:extLst>
+              <a:ext uri="{FF2B5EF4-FFF2-40B4-BE49-F238E27FC236}">
+                <a16:creationId xmlns:a16="http://schemas.microsoft.com/office/drawing/2014/main" id="{D6E06B48-6949-762C-4175-7DF6FE73F63C}"/>
+              </a:ext>
+            </a:extLst>
+          </p:cNvPr>
+          <p:cNvSpPr>
+            <a:spLocks noGrp="1"/>
+          </p:cNvSpPr>
+          <p:nvPr>
+            <p:ph idx="1"/>
+          </p:nvPr>
+        </p:nvSpPr>
+        <p:spPr>
+          <a:xfrm>
+            <a:off x="838200" y="1825624"/>
+            <a:ext cx="10515600" cy="4803775"/>
+          </a:xfrm>
+        </p:spPr>
+        <p:txBody>
+          <a:bodyPr>
+            <a:normAutofit fontScale="85000" lnSpcReduction="20000"/>
+          </a:bodyPr>
+          <a:lstStyle/>
+          <a:p>
+            <a:r>
+              <a:rPr lang="en-US" dirty="0"/>
+              <a:t>Suppose we use the same data as in the prior example to </a:t>
+            </a:r>
+            <a:r>
+              <a:rPr lang="en-US" i="1" dirty="0"/>
+              <a:t>predict</a:t>
+            </a:r>
+            <a:r>
+              <a:rPr lang="en-US" dirty="0"/>
+              <a:t> when and where the next wildfire ignition will be.  </a:t>
+            </a:r>
+          </a:p>
+          <a:p>
+            <a:r>
+              <a:rPr lang="en-US" b="0" i="0" u="none" strike="noStrike" dirty="0">
+                <a:solidFill>
+                  <a:srgbClr val="000000"/>
+                </a:solidFill>
+                <a:effectLst/>
+                <a:latin typeface="Calibri" panose="020F0502020204030204" pitchFamily="34" charset="0"/>
+              </a:rPr>
+              <a:t>We have data on </a:t>
+            </a:r>
+          </a:p>
+          <a:p>
+            <a:pPr lvl="1"/>
+            <a:r>
+              <a:rPr lang="en-US" b="0" i="0" u="none" strike="noStrike" dirty="0">
+                <a:solidFill>
+                  <a:srgbClr val="000000"/>
+                </a:solidFill>
+                <a:effectLst/>
+                <a:latin typeface="Calibri" panose="020F0502020204030204" pitchFamily="34" charset="0"/>
+              </a:rPr>
+              <a:t>the time and location of historical wildfire ignitions caused by PG&amp;E’s feeders </a:t>
+            </a:r>
+          </a:p>
+          <a:p>
+            <a:pPr lvl="1"/>
+            <a:r>
+              <a:rPr lang="en-US" b="0" i="0" u="none" strike="noStrike" dirty="0">
+                <a:solidFill>
+                  <a:srgbClr val="000000"/>
+                </a:solidFill>
+                <a:effectLst/>
+                <a:latin typeface="Calibri" panose="020F0502020204030204" pitchFamily="34" charset="0"/>
+              </a:rPr>
+              <a:t>daily weather</a:t>
+            </a:r>
+          </a:p>
+          <a:p>
+            <a:pPr lvl="1"/>
+            <a:r>
+              <a:rPr lang="en-US" b="0" i="0" u="none" strike="noStrike" dirty="0">
+                <a:solidFill>
+                  <a:srgbClr val="000000"/>
+                </a:solidFill>
+                <a:effectLst/>
+                <a:latin typeface="Calibri" panose="020F0502020204030204" pitchFamily="34" charset="0"/>
+              </a:rPr>
+              <a:t>data on vegetation conditions near each feeder</a:t>
+            </a:r>
+          </a:p>
+          <a:p>
+            <a:pPr lvl="1"/>
+            <a:r>
+              <a:rPr lang="en-US" b="0" i="0" u="none" strike="noStrike" dirty="0">
+                <a:solidFill>
+                  <a:srgbClr val="000000"/>
+                </a:solidFill>
+                <a:effectLst/>
+                <a:latin typeface="Calibri" panose="020F0502020204030204" pitchFamily="34" charset="0"/>
+              </a:rPr>
+              <a:t>the characteristics of PG&amp;E’s electrical system</a:t>
+            </a:r>
+          </a:p>
+          <a:p>
+            <a:pPr lvl="1"/>
+            <a:r>
+              <a:rPr lang="en-US" b="0" i="0" u="none" strike="noStrike" dirty="0">
+                <a:solidFill>
+                  <a:srgbClr val="000000"/>
+                </a:solidFill>
+                <a:effectLst/>
+                <a:latin typeface="Calibri" panose="020F0502020204030204" pitchFamily="34" charset="0"/>
+              </a:rPr>
+              <a:t>the timing and location of PG&amp;E’s wildfire mitigation actions</a:t>
+            </a:r>
+            <a:endParaRPr lang="en-US" dirty="0"/>
+          </a:p>
+          <a:p>
+            <a:r>
+              <a:rPr lang="en-US" dirty="0"/>
+              <a:t>What is the </a:t>
+            </a:r>
+            <a:r>
+              <a:rPr lang="en-US" i="1" dirty="0"/>
+              <a:t>target</a:t>
+            </a:r>
+            <a:r>
+              <a:rPr lang="en-US" dirty="0"/>
+              <a:t>?</a:t>
+            </a:r>
+          </a:p>
+          <a:p>
+            <a:pPr lvl="1"/>
+            <a:r>
+              <a:rPr lang="en-US" b="0" i="0" u="none" strike="noStrike" dirty="0">
+                <a:solidFill>
+                  <a:srgbClr val="000000"/>
+                </a:solidFill>
+                <a:effectLst/>
+                <a:latin typeface="Calibri" panose="020F0502020204030204" pitchFamily="34" charset="0"/>
+              </a:rPr>
+              <a:t>Whether or not an ignition occurred at a time and location on PG&amp;E’s grid </a:t>
+            </a:r>
+          </a:p>
+          <a:p>
+            <a:pPr lvl="1"/>
+            <a:r>
+              <a:rPr lang="en-US" b="0" i="0" u="none" strike="noStrike" dirty="0">
+                <a:solidFill>
+                  <a:srgbClr val="000000"/>
+                </a:solidFill>
+                <a:effectLst/>
+                <a:latin typeface="Calibri" panose="020F0502020204030204" pitchFamily="34" charset="0"/>
+              </a:rPr>
+              <a:t>data could be structured as 0 or 1 for each location / time pair</a:t>
+            </a:r>
+            <a:endParaRPr lang="en-US" dirty="0"/>
+          </a:p>
+          <a:p>
+            <a:r>
+              <a:rPr lang="en-US" dirty="0"/>
+              <a:t>What are the </a:t>
+            </a:r>
+            <a:r>
+              <a:rPr lang="en-US" i="1" dirty="0"/>
+              <a:t>features</a:t>
+            </a:r>
+            <a:r>
+              <a:rPr lang="en-US" dirty="0"/>
+              <a:t>?</a:t>
+            </a:r>
+          </a:p>
+          <a:p>
+            <a:pPr lvl="1"/>
+            <a:r>
+              <a:rPr lang="en-US" dirty="0"/>
+              <a:t>everything else!</a:t>
+            </a:r>
+          </a:p>
+          <a:p>
+            <a:r>
+              <a:rPr lang="en-US" dirty="0"/>
+              <a:t>What constitutes an </a:t>
+            </a:r>
+            <a:r>
+              <a:rPr lang="en-US" i="1" dirty="0"/>
+              <a:t>observation?</a:t>
+            </a:r>
+          </a:p>
+          <a:p>
+            <a:pPr lvl="1"/>
+            <a:r>
+              <a:rPr lang="en-US" dirty="0"/>
+              <a:t>For a specific time and location, the value of both the target variable and the features.</a:t>
+            </a:r>
+          </a:p>
+        </p:txBody>
+      </p:sp>
+      <p:sp>
+        <p:nvSpPr>
+          <p:cNvPr id="4" name="Slide Number Placeholder 3">
+            <a:extLst>
+              <a:ext uri="{FF2B5EF4-FFF2-40B4-BE49-F238E27FC236}">
+                <a16:creationId xmlns:a16="http://schemas.microsoft.com/office/drawing/2014/main" id="{81C7EFCD-8EEB-B661-D22A-7CF604860817}"/>
+              </a:ext>
+            </a:extLst>
+          </p:cNvPr>
+          <p:cNvSpPr>
+            <a:spLocks noGrp="1"/>
+          </p:cNvSpPr>
+          <p:nvPr>
+            <p:ph type="sldNum" sz="quarter" idx="12"/>
+          </p:nvPr>
+        </p:nvSpPr>
+        <p:spPr/>
+        <p:txBody>
+          <a:bodyPr/>
+          <a:lstStyle/>
+          <a:p>
+            <a:fld id="{934C0642-4071-7D48-AFF8-BD27182896CC}" type="slidenum">
+              <a:rPr lang="en-US" smtClean="0"/>
+              <a:t>8</a:t>
+            </a:fld>
+            <a:endParaRPr lang="en-US"/>
+          </a:p>
+        </p:txBody>
+      </p:sp>
+    </p:spTree>
+    <p:extLst>
+      <p:ext uri="{BB962C8B-B14F-4D97-AF65-F5344CB8AC3E}">
+        <p14:creationId xmlns:p14="http://schemas.microsoft.com/office/powerpoint/2010/main" val="2998552385"/>
+      </p:ext>
+    </p:extLst>
+  </p:cSld>
+  <p:clrMapOvr>
+    <a:masterClrMapping/>
+  </p:clrMapOvr>
+  <p:timing>
+    <p:tnLst>
+      <p:par>
+        <p:cTn id="1" dur="indefinite" restart="never" nodeType="tmRoot">
+          <p:childTnLst>
+            <p:seq concurrent="1" nextAc="seek">
+              <p:cTn id="2" dur="indefinite" nodeType="mainSeq">
+                <p:childTnLst>
+                  <p:par>
+                    <p:cTn id="3" fill="hold">
+                      <p:stCondLst>
+                        <p:cond delay="indefinite"/>
+                      </p:stCondLst>
+                      <p:childTnLst>
+                        <p:par>
+                          <p:cTn id="4" fill="hold">
+                            <p:stCondLst>
+                              <p:cond delay="0"/>
+                            </p:stCondLst>
+                            <p:childTnLst>
+                              <p:par>
+                                <p:cTn id="5" presetID="1" presetClass="entr" presetSubtype="0" fill="hold" nodeType="clickEffect">
+                                  <p:stCondLst>
+                                    <p:cond delay="0"/>
+                                  </p:stCondLst>
+                                  <p:childTnLst>
+                                    <p:set>
+                                      <p:cBhvr>
+                                        <p:cTn id="6" dur="1" fill="hold">
+                                          <p:stCondLst>
+                                            <p:cond delay="0"/>
+                                          </p:stCondLst>
+                                        </p:cTn>
+                                        <p:tgtEl>
+                                          <p:spTgt spid="3">
+                                            <p:txEl>
+                                              <p:pRg st="8" end="8"/>
+                                            </p:txEl>
+                                          </p:spTgt>
+                                        </p:tgtEl>
+                                        <p:attrNameLst>
+                                          <p:attrName>style.visibility</p:attrName>
+                                        </p:attrNameLst>
+                                      </p:cBhvr>
+                                      <p:to>
+                                        <p:strVal val="visible"/>
+                                      </p:to>
+                                    </p:set>
+                                  </p:childTnLst>
+                                </p:cTn>
+                              </p:par>
+                              <p:par>
+                                <p:cTn id="7" presetID="1" presetClass="entr" presetSubtype="0" fill="hold" nodeType="withEffect">
+                                  <p:stCondLst>
+                                    <p:cond delay="0"/>
+                                  </p:stCondLst>
+                                  <p:childTnLst>
+                                    <p:set>
+                                      <p:cBhvr>
+                                        <p:cTn id="8" dur="1" fill="hold">
+                                          <p:stCondLst>
+                                            <p:cond delay="0"/>
+                                          </p:stCondLst>
+                                        </p:cTn>
+                                        <p:tgtEl>
+                                          <p:spTgt spid="3">
+                                            <p:txEl>
+                                              <p:pRg st="9" end="9"/>
+                                            </p:txEl>
+                                          </p:spTgt>
+                                        </p:tgtEl>
+                                        <p:attrNameLst>
+                                          <p:attrName>style.visibility</p:attrName>
+                                        </p:attrNameLst>
+                                      </p:cBhvr>
+                                      <p:to>
+                                        <p:strVal val="visible"/>
+                                      </p:to>
+                                    </p:set>
+                                  </p:childTnLst>
+                                </p:cTn>
+                              </p:par>
+                            </p:childTnLst>
+                          </p:cTn>
+                        </p:par>
+                      </p:childTnLst>
+                    </p:cTn>
+                  </p:par>
+                  <p:par>
+                    <p:cTn id="9" fill="hold">
+                      <p:stCondLst>
+                        <p:cond delay="indefinite"/>
+                      </p:stCondLst>
+                      <p:childTnLst>
+                        <p:par>
+                          <p:cTn id="10" fill="hold">
+                            <p:stCondLst>
+                              <p:cond delay="0"/>
+                            </p:stCondLst>
+                            <p:childTnLst>
+                              <p:par>
+                                <p:cTn id="11" presetID="1" presetClass="entr" presetSubtype="0" fill="hold" nodeType="clickEffect">
+                                  <p:stCondLst>
+                                    <p:cond delay="0"/>
+                                  </p:stCondLst>
+                                  <p:childTnLst>
+                                    <p:set>
+                                      <p:cBhvr>
+                                        <p:cTn id="12" dur="1" fill="hold">
+                                          <p:stCondLst>
+                                            <p:cond delay="0"/>
+                                          </p:stCondLst>
+                                        </p:cTn>
+                                        <p:tgtEl>
+                                          <p:spTgt spid="3">
+                                            <p:txEl>
+                                              <p:pRg st="11" end="11"/>
+                                            </p:txEl>
+                                          </p:spTgt>
+                                        </p:tgtEl>
+                                        <p:attrNameLst>
+                                          <p:attrName>style.visibility</p:attrName>
+                                        </p:attrNameLst>
+                                      </p:cBhvr>
+                                      <p:to>
+                                        <p:strVal val="visible"/>
+                                      </p:to>
+                                    </p:set>
+                                  </p:childTnLst>
+                                </p:cTn>
+                              </p:par>
+                            </p:childTnLst>
+                          </p:cTn>
+                        </p:par>
+                      </p:childTnLst>
+                    </p:cTn>
+                  </p:par>
+                  <p:par>
+                    <p:cTn id="13" fill="hold">
+                      <p:stCondLst>
+                        <p:cond delay="indefinite"/>
+                      </p:stCondLst>
+                      <p:childTnLst>
+                        <p:par>
+                          <p:cTn id="14" fill="hold">
+                            <p:stCondLst>
+                              <p:cond delay="0"/>
+                            </p:stCondLst>
+                            <p:childTnLst>
+                              <p:par>
+                                <p:cTn id="15" presetID="1" presetClass="entr" presetSubtype="0" fill="hold" nodeType="clickEffect">
+                                  <p:stCondLst>
+                                    <p:cond delay="0"/>
+                                  </p:stCondLst>
+                                  <p:childTnLst>
+                                    <p:set>
+                                      <p:cBhvr>
+                                        <p:cTn id="16" dur="1" fill="hold">
+                                          <p:stCondLst>
+                                            <p:cond delay="0"/>
+                                          </p:stCondLst>
+                                        </p:cTn>
+                                        <p:tgtEl>
+                                          <p:spTgt spid="3">
+                                            <p:txEl>
+                                              <p:pRg st="13" end="13"/>
+                                            </p:txEl>
+                                          </p:spTgt>
+                                        </p:tgtEl>
+                                        <p:attrNameLst>
+                                          <p:attrName>style.visibility</p:attrName>
+                                        </p:attrNameLst>
+                                      </p:cBhvr>
+                                      <p:to>
+                                        <p:strVal val="visible"/>
+                                      </p:to>
+                                    </p:set>
+                                  </p:childTnLst>
+                                </p:cTn>
+                              </p:par>
+                            </p:childTnLst>
+                          </p:cTn>
+                        </p:par>
+                      </p:childTnLst>
+                    </p:cTn>
+                  </p:par>
+                </p:childTnLst>
+              </p:cTn>
+              <p:prevCondLst>
+                <p:cond evt="onPrev" delay="0">
+                  <p:tgtEl>
+                    <p:sldTgt/>
+                  </p:tgtEl>
+                </p:cond>
+              </p:prevCondLst>
+              <p:nextCondLst>
+                <p:cond evt="onNext" delay="0">
+                  <p:tgtEl>
+                    <p:sldTgt/>
+                  </p:tgtEl>
+                </p:cond>
+              </p:nextCondLst>
+            </p:seq>
+          </p:childTnLst>
+        </p:cTn>
+      </p:par>
+    </p:tnLst>
+  </p:timing>
+</p:sld>
+</file>
+
+<file path=ppt/slides/slide9.xml><?xml version="1.0" encoding="utf-8"?>
+<p:sld xmlns:a="http://schemas.openxmlformats.org/drawingml/2006/main" xmlns:r="http://schemas.openxmlformats.org/officeDocument/2006/relationships" xmlns:p="http://schemas.openxmlformats.org/presentationml/2006/main">
+  <p:cSld>
+    <p:spTree>
+      <p:nvGrpSpPr>
+        <p:cNvPr id="1" name=""/>
+        <p:cNvGrpSpPr/>
+        <p:nvPr/>
+      </p:nvGrpSpPr>
+      <p:grpSpPr>
+        <a:xfrm>
+          <a:off x="0" y="0"/>
+          <a:ext cx="0" cy="0"/>
+          <a:chOff x="0" y="0"/>
+          <a:chExt cx="0" cy="0"/>
+        </a:xfrm>
+      </p:grpSpPr>
+      <p:sp>
+        <p:nvSpPr>
+          <p:cNvPr id="2" name="Title 1">
+            <a:extLst>
+              <a:ext uri="{FF2B5EF4-FFF2-40B4-BE49-F238E27FC236}">
+                <a16:creationId xmlns:a16="http://schemas.microsoft.com/office/drawing/2014/main" id="{15098467-CA6F-0D5B-78D0-9D252DAEEF16}"/>
+              </a:ext>
+            </a:extLst>
+          </p:cNvPr>
+          <p:cNvSpPr>
+            <a:spLocks noGrp="1"/>
+          </p:cNvSpPr>
+          <p:nvPr>
+            <p:ph type="title"/>
+          </p:nvPr>
+        </p:nvSpPr>
+        <p:spPr/>
+        <p:txBody>
+          <a:bodyPr/>
+          <a:lstStyle/>
+          <a:p>
+            <a:r>
+              <a:rPr lang="en-US" dirty="0"/>
+              <a:t>Example </a:t>
+            </a:r>
+            <a:r>
+              <a:rPr lang="en-US" dirty="0" err="1"/>
+              <a:t>dataframe</a:t>
+            </a:r>
+            <a:r>
+              <a:rPr lang="en-US" dirty="0"/>
+              <a:t>, again</a:t>
+            </a:r>
+          </a:p>
+        </p:txBody>
+      </p:sp>
+      <p:sp>
+        <p:nvSpPr>
+          <p:cNvPr id="3" name="Content Placeholder 2">
+            <a:extLst>
+              <a:ext uri="{FF2B5EF4-FFF2-40B4-BE49-F238E27FC236}">
+                <a16:creationId xmlns:a16="http://schemas.microsoft.com/office/drawing/2014/main" id="{AA8AC37A-73AD-B5B1-4264-C634AE2299F7}"/>
+              </a:ext>
+            </a:extLst>
+          </p:cNvPr>
+          <p:cNvSpPr>
+            <a:spLocks noGrp="1"/>
+          </p:cNvSpPr>
+          <p:nvPr>
+            <p:ph idx="1"/>
+          </p:nvPr>
+        </p:nvSpPr>
+        <p:spPr/>
+        <p:txBody>
+          <a:bodyPr/>
+          <a:lstStyle/>
+          <a:p>
+            <a:endParaRPr lang="en-US"/>
+          </a:p>
+        </p:txBody>
+      </p:sp>
+      <p:sp>
+        <p:nvSpPr>
+          <p:cNvPr id="4" name="Slide Number Placeholder 3">
+            <a:extLst>
+              <a:ext uri="{FF2B5EF4-FFF2-40B4-BE49-F238E27FC236}">
+                <a16:creationId xmlns:a16="http://schemas.microsoft.com/office/drawing/2014/main" id="{60546CE6-03EE-A263-4423-3AAFFAA8C6C5}"/>
+              </a:ext>
+            </a:extLst>
+          </p:cNvPr>
+          <p:cNvSpPr>
+            <a:spLocks noGrp="1"/>
+          </p:cNvSpPr>
+          <p:nvPr>
+            <p:ph type="sldNum" sz="quarter" idx="12"/>
+          </p:nvPr>
+        </p:nvSpPr>
+        <p:spPr/>
+        <p:txBody>
+          <a:bodyPr/>
+          <a:lstStyle/>
+          <a:p>
+            <a:fld id="{934C0642-4071-7D48-AFF8-BD27182896CC}" type="slidenum">
+              <a:rPr lang="en-US" smtClean="0"/>
+              <a:t>9</a:t>
+            </a:fld>
+            <a:endParaRPr lang="en-US"/>
+          </a:p>
+        </p:txBody>
+      </p:sp>
+      <p:pic>
+        <p:nvPicPr>
+          <p:cNvPr id="5" name="Picture 4">
+            <a:extLst>
+              <a:ext uri="{FF2B5EF4-FFF2-40B4-BE49-F238E27FC236}">
+                <a16:creationId xmlns:a16="http://schemas.microsoft.com/office/drawing/2014/main" id="{1D2CCE54-EF46-AC75-9167-7004DC2C5075}"/>
+              </a:ext>
+            </a:extLst>
+          </p:cNvPr>
+          <p:cNvPicPr>
+            <a:picLocks noChangeAspect="1"/>
+          </p:cNvPicPr>
+          <p:nvPr/>
+        </p:nvPicPr>
+        <p:blipFill>
+          <a:blip r:embed="rId3"/>
+          <a:stretch>
+            <a:fillRect/>
+          </a:stretch>
+        </p:blipFill>
+        <p:spPr>
+          <a:xfrm>
+            <a:off x="2061557" y="1361994"/>
+            <a:ext cx="7358925" cy="5176918"/>
+          </a:xfrm>
+          <a:prstGeom prst="rect">
+            <a:avLst/>
+          </a:prstGeom>
+        </p:spPr>
+      </p:pic>
+    </p:spTree>
+    <p:extLst>
+      <p:ext uri="{BB962C8B-B14F-4D97-AF65-F5344CB8AC3E}">
+        <p14:creationId xmlns:p14="http://schemas.microsoft.com/office/powerpoint/2010/main" val="1505538498"/>
+      </p:ext>
+    </p:extLst>
+  </p:cSld>
+  <p:clrMapOvr>
+    <a:masterClrMapping/>
+  </p:clrMapOvr>
 </p:sld>
 </file>
 
